--- a/Rapport/figures/Golf_course_1_representation.pptx
+++ b/Rapport/figures/Golf_course_1_representation.pptx
@@ -288,7 +288,7 @@
           <a:p>
             <a:fld id="{4751A7D4-8245-46D1-BEB1-C49E0A45E190}" type="datetimeFigureOut">
               <a:rPr lang="nb-NO" smtClean="0"/>
-              <a:t>09.09.2015</a:t>
+              <a:t>11/09/15</a:t>
             </a:fld>
             <a:endParaRPr lang="nb-NO"/>
           </a:p>
@@ -330,7 +330,7 @@
           <a:p>
             <a:fld id="{BE492CC2-7F9C-40DD-BA2E-93D574C7CF5B}" type="slidenum">
               <a:rPr lang="nb-NO" smtClean="0"/>
-              <a:t>‹#›</a:t>
+              <a:t>‹nr.›</a:t>
             </a:fld>
             <a:endParaRPr lang="nb-NO"/>
           </a:p>
@@ -458,7 +458,7 @@
           <a:p>
             <a:fld id="{4751A7D4-8245-46D1-BEB1-C49E0A45E190}" type="datetimeFigureOut">
               <a:rPr lang="nb-NO" smtClean="0"/>
-              <a:t>09.09.2015</a:t>
+              <a:t>11/09/15</a:t>
             </a:fld>
             <a:endParaRPr lang="nb-NO"/>
           </a:p>
@@ -500,7 +500,7 @@
           <a:p>
             <a:fld id="{BE492CC2-7F9C-40DD-BA2E-93D574C7CF5B}" type="slidenum">
               <a:rPr lang="nb-NO" smtClean="0"/>
-              <a:t>‹#›</a:t>
+              <a:t>‹nr.›</a:t>
             </a:fld>
             <a:endParaRPr lang="nb-NO"/>
           </a:p>
@@ -638,7 +638,7 @@
           <a:p>
             <a:fld id="{4751A7D4-8245-46D1-BEB1-C49E0A45E190}" type="datetimeFigureOut">
               <a:rPr lang="nb-NO" smtClean="0"/>
-              <a:t>09.09.2015</a:t>
+              <a:t>11/09/15</a:t>
             </a:fld>
             <a:endParaRPr lang="nb-NO"/>
           </a:p>
@@ -680,7 +680,7 @@
           <a:p>
             <a:fld id="{BE492CC2-7F9C-40DD-BA2E-93D574C7CF5B}" type="slidenum">
               <a:rPr lang="nb-NO" smtClean="0"/>
-              <a:t>‹#›</a:t>
+              <a:t>‹nr.›</a:t>
             </a:fld>
             <a:endParaRPr lang="nb-NO"/>
           </a:p>
@@ -808,7 +808,7 @@
           <a:p>
             <a:fld id="{4751A7D4-8245-46D1-BEB1-C49E0A45E190}" type="datetimeFigureOut">
               <a:rPr lang="nb-NO" smtClean="0"/>
-              <a:t>09.09.2015</a:t>
+              <a:t>11/09/15</a:t>
             </a:fld>
             <a:endParaRPr lang="nb-NO"/>
           </a:p>
@@ -850,7 +850,7 @@
           <a:p>
             <a:fld id="{BE492CC2-7F9C-40DD-BA2E-93D574C7CF5B}" type="slidenum">
               <a:rPr lang="nb-NO" smtClean="0"/>
-              <a:t>‹#›</a:t>
+              <a:t>‹nr.›</a:t>
             </a:fld>
             <a:endParaRPr lang="nb-NO"/>
           </a:p>
@@ -1054,7 +1054,7 @@
           <a:p>
             <a:fld id="{4751A7D4-8245-46D1-BEB1-C49E0A45E190}" type="datetimeFigureOut">
               <a:rPr lang="nb-NO" smtClean="0"/>
-              <a:t>09.09.2015</a:t>
+              <a:t>11/09/15</a:t>
             </a:fld>
             <a:endParaRPr lang="nb-NO"/>
           </a:p>
@@ -1096,7 +1096,7 @@
           <a:p>
             <a:fld id="{BE492CC2-7F9C-40DD-BA2E-93D574C7CF5B}" type="slidenum">
               <a:rPr lang="nb-NO" smtClean="0"/>
-              <a:t>‹#›</a:t>
+              <a:t>‹nr.›</a:t>
             </a:fld>
             <a:endParaRPr lang="nb-NO"/>
           </a:p>
@@ -1342,7 +1342,7 @@
           <a:p>
             <a:fld id="{4751A7D4-8245-46D1-BEB1-C49E0A45E190}" type="datetimeFigureOut">
               <a:rPr lang="nb-NO" smtClean="0"/>
-              <a:t>09.09.2015</a:t>
+              <a:t>11/09/15</a:t>
             </a:fld>
             <a:endParaRPr lang="nb-NO"/>
           </a:p>
@@ -1384,7 +1384,7 @@
           <a:p>
             <a:fld id="{BE492CC2-7F9C-40DD-BA2E-93D574C7CF5B}" type="slidenum">
               <a:rPr lang="nb-NO" smtClean="0"/>
-              <a:t>‹#›</a:t>
+              <a:t>‹nr.›</a:t>
             </a:fld>
             <a:endParaRPr lang="nb-NO"/>
           </a:p>
@@ -1764,7 +1764,7 @@
           <a:p>
             <a:fld id="{4751A7D4-8245-46D1-BEB1-C49E0A45E190}" type="datetimeFigureOut">
               <a:rPr lang="nb-NO" smtClean="0"/>
-              <a:t>09.09.2015</a:t>
+              <a:t>11/09/15</a:t>
             </a:fld>
             <a:endParaRPr lang="nb-NO"/>
           </a:p>
@@ -1806,7 +1806,7 @@
           <a:p>
             <a:fld id="{BE492CC2-7F9C-40DD-BA2E-93D574C7CF5B}" type="slidenum">
               <a:rPr lang="nb-NO" smtClean="0"/>
-              <a:t>‹#›</a:t>
+              <a:t>‹nr.›</a:t>
             </a:fld>
             <a:endParaRPr lang="nb-NO"/>
           </a:p>
@@ -1882,7 +1882,7 @@
           <a:p>
             <a:fld id="{4751A7D4-8245-46D1-BEB1-C49E0A45E190}" type="datetimeFigureOut">
               <a:rPr lang="nb-NO" smtClean="0"/>
-              <a:t>09.09.2015</a:t>
+              <a:t>11/09/15</a:t>
             </a:fld>
             <a:endParaRPr lang="nb-NO"/>
           </a:p>
@@ -1924,7 +1924,7 @@
           <a:p>
             <a:fld id="{BE492CC2-7F9C-40DD-BA2E-93D574C7CF5B}" type="slidenum">
               <a:rPr lang="nb-NO" smtClean="0"/>
-              <a:t>‹#›</a:t>
+              <a:t>‹nr.›</a:t>
             </a:fld>
             <a:endParaRPr lang="nb-NO"/>
           </a:p>
@@ -1977,7 +1977,7 @@
           <a:p>
             <a:fld id="{4751A7D4-8245-46D1-BEB1-C49E0A45E190}" type="datetimeFigureOut">
               <a:rPr lang="nb-NO" smtClean="0"/>
-              <a:t>09.09.2015</a:t>
+              <a:t>11/09/15</a:t>
             </a:fld>
             <a:endParaRPr lang="nb-NO"/>
           </a:p>
@@ -2019,7 +2019,7 @@
           <a:p>
             <a:fld id="{BE492CC2-7F9C-40DD-BA2E-93D574C7CF5B}" type="slidenum">
               <a:rPr lang="nb-NO" smtClean="0"/>
-              <a:t>‹#›</a:t>
+              <a:t>‹nr.›</a:t>
             </a:fld>
             <a:endParaRPr lang="nb-NO"/>
           </a:p>
@@ -2254,7 +2254,7 @@
           <a:p>
             <a:fld id="{4751A7D4-8245-46D1-BEB1-C49E0A45E190}" type="datetimeFigureOut">
               <a:rPr lang="nb-NO" smtClean="0"/>
-              <a:t>09.09.2015</a:t>
+              <a:t>11/09/15</a:t>
             </a:fld>
             <a:endParaRPr lang="nb-NO"/>
           </a:p>
@@ -2296,7 +2296,7 @@
           <a:p>
             <a:fld id="{BE492CC2-7F9C-40DD-BA2E-93D574C7CF5B}" type="slidenum">
               <a:rPr lang="nb-NO" smtClean="0"/>
-              <a:t>‹#›</a:t>
+              <a:t>‹nr.›</a:t>
             </a:fld>
             <a:endParaRPr lang="nb-NO"/>
           </a:p>
@@ -2507,7 +2507,7 @@
           <a:p>
             <a:fld id="{4751A7D4-8245-46D1-BEB1-C49E0A45E190}" type="datetimeFigureOut">
               <a:rPr lang="nb-NO" smtClean="0"/>
-              <a:t>09.09.2015</a:t>
+              <a:t>11/09/15</a:t>
             </a:fld>
             <a:endParaRPr lang="nb-NO"/>
           </a:p>
@@ -2549,7 +2549,7 @@
           <a:p>
             <a:fld id="{BE492CC2-7F9C-40DD-BA2E-93D574C7CF5B}" type="slidenum">
               <a:rPr lang="nb-NO" smtClean="0"/>
-              <a:t>‹#›</a:t>
+              <a:t>‹nr.›</a:t>
             </a:fld>
             <a:endParaRPr lang="nb-NO"/>
           </a:p>
@@ -2720,7 +2720,7 @@
           <a:p>
             <a:fld id="{4751A7D4-8245-46D1-BEB1-C49E0A45E190}" type="datetimeFigureOut">
               <a:rPr lang="nb-NO" smtClean="0"/>
-              <a:t>09.09.2015</a:t>
+              <a:t>11/09/15</a:t>
             </a:fld>
             <a:endParaRPr lang="nb-NO"/>
           </a:p>
@@ -2798,7 +2798,7 @@
           <a:p>
             <a:fld id="{BE492CC2-7F9C-40DD-BA2E-93D574C7CF5B}" type="slidenum">
               <a:rPr lang="nb-NO" smtClean="0"/>
-              <a:t>‹#›</a:t>
+              <a:t>‹nr.›</a:t>
             </a:fld>
             <a:endParaRPr lang="nb-NO"/>
           </a:p>
@@ -3097,139 +3097,13 @@
       </p:grpSpPr>
       <p:sp>
         <p:nvSpPr>
-          <p:cNvPr id="4" name="Rektangel 3"/>
-          <p:cNvSpPr/>
-          <p:nvPr/>
-        </p:nvSpPr>
-        <p:spPr>
-          <a:xfrm>
-            <a:off x="-1016" y="0"/>
-            <a:ext cx="9145016" cy="6813376"/>
-          </a:xfrm>
-          <a:prstGeom prst="rect">
-            <a:avLst/>
-          </a:prstGeom>
-        </p:spPr>
-        <p:style>
-          <a:lnRef idx="2">
-            <a:schemeClr val="accent3">
-              <a:shade val="50000"/>
-            </a:schemeClr>
-          </a:lnRef>
-          <a:fillRef idx="1">
-            <a:schemeClr val="accent3"/>
-          </a:fillRef>
-          <a:effectRef idx="0">
-            <a:schemeClr val="accent3"/>
-          </a:effectRef>
-          <a:fontRef idx="minor">
-            <a:schemeClr val="lt1"/>
-          </a:fontRef>
-        </p:style>
-        <p:txBody>
-          <a:bodyPr rtlCol="0" anchor="ctr"/>
-          <a:lstStyle/>
-          <a:p>
-            <a:pPr algn="ctr"/>
-            <a:endParaRPr lang="nb-NO"/>
-          </a:p>
-        </p:txBody>
-      </p:sp>
-      <p:sp>
-        <p:nvSpPr>
-          <p:cNvPr id="5" name="Ellipse 4"/>
-          <p:cNvSpPr/>
-          <p:nvPr/>
-        </p:nvSpPr>
-        <p:spPr>
-          <a:xfrm>
-            <a:off x="2987824" y="4365104"/>
-            <a:ext cx="3888432" cy="1224136"/>
-          </a:xfrm>
-          <a:prstGeom prst="ellipse">
-            <a:avLst/>
-          </a:prstGeom>
-        </p:spPr>
-        <p:style>
-          <a:lnRef idx="2">
-            <a:schemeClr val="accent1">
-              <a:shade val="50000"/>
-            </a:schemeClr>
-          </a:lnRef>
-          <a:fillRef idx="1">
-            <a:schemeClr val="accent1"/>
-          </a:fillRef>
-          <a:effectRef idx="0">
-            <a:schemeClr val="accent1"/>
-          </a:effectRef>
-          <a:fontRef idx="minor">
-            <a:schemeClr val="lt1"/>
-          </a:fontRef>
-        </p:style>
-        <p:txBody>
-          <a:bodyPr rtlCol="0" anchor="ctr"/>
-          <a:lstStyle/>
-          <a:p>
-            <a:pPr algn="ctr"/>
-            <a:endParaRPr lang="nb-NO"/>
-          </a:p>
-        </p:txBody>
-      </p:sp>
-      <p:sp>
-        <p:nvSpPr>
-          <p:cNvPr id="6" name="Ellipse 5"/>
-          <p:cNvSpPr/>
-          <p:nvPr/>
-        </p:nvSpPr>
-        <p:spPr>
-          <a:xfrm>
-            <a:off x="7092280" y="1038022"/>
-            <a:ext cx="1584176" cy="1872208"/>
-          </a:xfrm>
-          <a:prstGeom prst="ellipse">
-            <a:avLst/>
-          </a:prstGeom>
-          <a:solidFill>
-            <a:schemeClr val="accent3">
-              <a:lumMod val="60000"/>
-              <a:lumOff val="40000"/>
-            </a:schemeClr>
-          </a:solidFill>
-        </p:spPr>
-        <p:style>
-          <a:lnRef idx="2">
-            <a:schemeClr val="accent3">
-              <a:shade val="50000"/>
-            </a:schemeClr>
-          </a:lnRef>
-          <a:fillRef idx="1">
-            <a:schemeClr val="accent3"/>
-          </a:fillRef>
-          <a:effectRef idx="0">
-            <a:schemeClr val="accent3"/>
-          </a:effectRef>
-          <a:fontRef idx="minor">
-            <a:schemeClr val="lt1"/>
-          </a:fontRef>
-        </p:style>
-        <p:txBody>
-          <a:bodyPr rtlCol="0" anchor="ctr"/>
-          <a:lstStyle/>
-          <a:p>
-            <a:pPr algn="ctr"/>
-            <a:endParaRPr lang="nb-NO"/>
-          </a:p>
-        </p:txBody>
-      </p:sp>
-      <p:sp>
-        <p:nvSpPr>
           <p:cNvPr id="7" name="Sorter 6"/>
           <p:cNvSpPr/>
           <p:nvPr/>
         </p:nvSpPr>
         <p:spPr>
           <a:xfrm>
-            <a:off x="7524328" y="3501008"/>
+            <a:off x="7251939" y="3573016"/>
             <a:ext cx="144016" cy="360040"/>
           </a:xfrm>
           <a:prstGeom prst="flowChartSort">
@@ -3267,7 +3141,7 @@
         </p:nvSpPr>
         <p:spPr>
           <a:xfrm>
-            <a:off x="7670977" y="2060848"/>
+            <a:off x="7361528" y="2132856"/>
             <a:ext cx="144016" cy="360040"/>
           </a:xfrm>
           <a:prstGeom prst="flowChartSort">
@@ -3305,7 +3179,7 @@
         </p:nvSpPr>
         <p:spPr>
           <a:xfrm>
-            <a:off x="3707904" y="2240868"/>
+            <a:off x="3635896" y="2348880"/>
             <a:ext cx="144016" cy="360040"/>
           </a:xfrm>
           <a:prstGeom prst="flowChartSort">
@@ -3343,7 +3217,7 @@
         </p:nvSpPr>
         <p:spPr>
           <a:xfrm>
-            <a:off x="5724128" y="1864164"/>
+            <a:off x="5414679" y="1936172"/>
             <a:ext cx="144016" cy="360040"/>
           </a:xfrm>
           <a:prstGeom prst="flowChartSort">
@@ -3381,7 +3255,7 @@
         </p:nvSpPr>
         <p:spPr>
           <a:xfrm>
-            <a:off x="1691680" y="692696"/>
+            <a:off x="1763688" y="764704"/>
             <a:ext cx="144016" cy="360040"/>
           </a:xfrm>
           <a:prstGeom prst="flowChartSort">
@@ -3419,7 +3293,7 @@
         </p:nvSpPr>
         <p:spPr>
           <a:xfrm>
-            <a:off x="1835696" y="3046648"/>
+            <a:off x="1979712" y="2996952"/>
             <a:ext cx="144016" cy="360040"/>
           </a:xfrm>
           <a:prstGeom prst="flowChartSort">
@@ -3457,7 +3331,7 @@
         </p:nvSpPr>
         <p:spPr>
           <a:xfrm>
-            <a:off x="484609" y="4365104"/>
+            <a:off x="691386" y="4289962"/>
             <a:ext cx="864096" cy="576064"/>
           </a:xfrm>
           <a:prstGeom prst="cube">
@@ -3469,10 +3343,10 @@
             <a:schemeClr val="lt1"/>
           </a:lnRef>
           <a:fillRef idx="1">
-            <a:schemeClr val="accent2"/>
+            <a:schemeClr val="accent3"/>
           </a:fillRef>
           <a:effectRef idx="1">
-            <a:schemeClr val="accent2"/>
+            <a:schemeClr val="accent3"/>
           </a:effectRef>
           <a:fontRef idx="minor">
             <a:schemeClr val="lt1"/>
@@ -3489,100 +3363,13 @@
       </p:sp>
       <p:sp>
         <p:nvSpPr>
-          <p:cNvPr id="14" name="Halv ramme 13"/>
-          <p:cNvSpPr/>
-          <p:nvPr/>
-        </p:nvSpPr>
-        <p:spPr>
-          <a:xfrm>
-            <a:off x="7953568" y="1396564"/>
-            <a:ext cx="216024" cy="432048"/>
-          </a:xfrm>
-          <a:prstGeom prst="halfFrame">
-            <a:avLst>
-              <a:gd name="adj1" fmla="val 13367"/>
-              <a:gd name="adj2" fmla="val 9373"/>
-            </a:avLst>
-          </a:prstGeom>
-        </p:spPr>
-        <p:style>
-          <a:lnRef idx="2">
-            <a:schemeClr val="accent4">
-              <a:shade val="50000"/>
-            </a:schemeClr>
-          </a:lnRef>
-          <a:fillRef idx="1">
-            <a:schemeClr val="accent4"/>
-          </a:fillRef>
-          <a:effectRef idx="0">
-            <a:schemeClr val="accent4"/>
-          </a:effectRef>
-          <a:fontRef idx="minor">
-            <a:schemeClr val="lt1"/>
-          </a:fontRef>
-        </p:style>
-        <p:txBody>
-          <a:bodyPr rtlCol="0" anchor="ctr"/>
-          <a:lstStyle/>
-          <a:p>
-            <a:pPr algn="ctr"/>
-            <a:endParaRPr lang="nb-NO">
-              <a:solidFill>
-                <a:schemeClr val="tx1"/>
-              </a:solidFill>
-            </a:endParaRPr>
-          </a:p>
-        </p:txBody>
-      </p:sp>
-      <p:sp>
-        <p:nvSpPr>
-          <p:cNvPr id="15" name="Ellipse 14"/>
-          <p:cNvSpPr/>
-          <p:nvPr/>
-        </p:nvSpPr>
-        <p:spPr>
-          <a:xfrm>
-            <a:off x="7884368" y="1828612"/>
-            <a:ext cx="108012" cy="45719"/>
-          </a:xfrm>
-          <a:prstGeom prst="ellipse">
-            <a:avLst/>
-          </a:prstGeom>
-        </p:spPr>
-        <p:style>
-          <a:lnRef idx="2">
-            <a:schemeClr val="dk1">
-              <a:shade val="50000"/>
-            </a:schemeClr>
-          </a:lnRef>
-          <a:fillRef idx="1">
-            <a:schemeClr val="dk1"/>
-          </a:fillRef>
-          <a:effectRef idx="0">
-            <a:schemeClr val="dk1"/>
-          </a:effectRef>
-          <a:fontRef idx="minor">
-            <a:schemeClr val="lt1"/>
-          </a:fontRef>
-        </p:style>
-        <p:txBody>
-          <a:bodyPr rtlCol="0" anchor="ctr"/>
-          <a:lstStyle/>
-          <a:p>
-            <a:pPr algn="ctr"/>
-            <a:endParaRPr lang="nb-NO"/>
-          </a:p>
-        </p:txBody>
-      </p:sp>
-      <p:sp>
-        <p:nvSpPr>
           <p:cNvPr id="18" name="Bue 17"/>
           <p:cNvSpPr/>
           <p:nvPr/>
         </p:nvSpPr>
         <p:spPr>
           <a:xfrm rot="10298829">
-            <a:off x="6909256" y="1849819"/>
+            <a:off x="6636866" y="1921827"/>
             <a:ext cx="337153" cy="661407"/>
           </a:xfrm>
           <a:prstGeom prst="arc">
@@ -3628,7 +3415,7 @@
         </p:nvSpPr>
         <p:spPr>
           <a:xfrm rot="10298829">
-            <a:off x="6369199" y="1767596"/>
+            <a:off x="6059750" y="1839604"/>
             <a:ext cx="337153" cy="661407"/>
           </a:xfrm>
           <a:prstGeom prst="arc">
@@ -3674,7 +3461,7 @@
         </p:nvSpPr>
         <p:spPr>
           <a:xfrm rot="7369049">
-            <a:off x="1523104" y="3350325"/>
+            <a:off x="1729881" y="3275183"/>
             <a:ext cx="337153" cy="661407"/>
           </a:xfrm>
           <a:prstGeom prst="arc">
@@ -3720,7 +3507,7 @@
         </p:nvSpPr>
         <p:spPr>
           <a:xfrm rot="9878164">
-            <a:off x="5277959" y="1849593"/>
+            <a:off x="4968510" y="1921601"/>
             <a:ext cx="337153" cy="661407"/>
           </a:xfrm>
           <a:prstGeom prst="arc">
@@ -3766,7 +3553,7 @@
         </p:nvSpPr>
         <p:spPr>
           <a:xfrm rot="16569927">
-            <a:off x="7470982" y="3006142"/>
+            <a:off x="7198593" y="3078150"/>
             <a:ext cx="337153" cy="661407"/>
           </a:xfrm>
           <a:prstGeom prst="arc">
@@ -3812,7 +3599,7 @@
         </p:nvSpPr>
         <p:spPr>
           <a:xfrm rot="9918352">
-            <a:off x="4527774" y="1926894"/>
+            <a:off x="4218325" y="1998902"/>
             <a:ext cx="337153" cy="661407"/>
           </a:xfrm>
           <a:prstGeom prst="arc">
@@ -3852,13 +3639,13 @@
       </p:sp>
       <p:sp>
         <p:nvSpPr>
-          <p:cNvPr id="24" name="Bue 23"/>
+          <p:cNvPr id="25" name="Bue 24"/>
           <p:cNvSpPr/>
           <p:nvPr/>
         </p:nvSpPr>
         <p:spPr>
           <a:xfrm rot="10298829">
-            <a:off x="3468515" y="2270205"/>
+            <a:off x="3106084" y="2470964"/>
             <a:ext cx="337153" cy="661407"/>
           </a:xfrm>
           <a:prstGeom prst="arc">
@@ -3898,13 +3685,13 @@
       </p:sp>
       <p:sp>
         <p:nvSpPr>
-          <p:cNvPr id="25" name="Bue 24"/>
+          <p:cNvPr id="26" name="Bue 25"/>
           <p:cNvSpPr/>
           <p:nvPr/>
         </p:nvSpPr>
         <p:spPr>
           <a:xfrm rot="10298829">
-            <a:off x="3106084" y="2470964"/>
+            <a:off x="2530021" y="2701094"/>
             <a:ext cx="337153" cy="661407"/>
           </a:xfrm>
           <a:prstGeom prst="arc">
@@ -3944,13 +3731,13 @@
       </p:sp>
       <p:sp>
         <p:nvSpPr>
-          <p:cNvPr id="26" name="Bue 25"/>
+          <p:cNvPr id="27" name="Bue 26"/>
           <p:cNvSpPr/>
           <p:nvPr/>
         </p:nvSpPr>
         <p:spPr>
-          <a:xfrm rot="10298829">
-            <a:off x="2530021" y="2701094"/>
+          <a:xfrm rot="3621643">
+            <a:off x="1800375" y="861744"/>
             <a:ext cx="337153" cy="661407"/>
           </a:xfrm>
           <a:prstGeom prst="arc">
@@ -3990,13 +3777,13 @@
       </p:sp>
       <p:sp>
         <p:nvSpPr>
-          <p:cNvPr id="27" name="Bue 26"/>
+          <p:cNvPr id="28" name="Bue 27"/>
           <p:cNvSpPr/>
           <p:nvPr/>
         </p:nvSpPr>
         <p:spPr>
           <a:xfrm rot="3621643">
-            <a:off x="1739128" y="861744"/>
+            <a:off x="2232423" y="1092593"/>
             <a:ext cx="337153" cy="661407"/>
           </a:xfrm>
           <a:prstGeom prst="arc">
@@ -4036,13 +3823,13 @@
       </p:sp>
       <p:sp>
         <p:nvSpPr>
-          <p:cNvPr id="28" name="Bue 27"/>
+          <p:cNvPr id="29" name="Bue 28"/>
           <p:cNvSpPr/>
           <p:nvPr/>
         </p:nvSpPr>
         <p:spPr>
-          <a:xfrm rot="3621643">
-            <a:off x="2056304" y="1092593"/>
+          <a:xfrm rot="3135242">
+            <a:off x="2670577" y="1351207"/>
             <a:ext cx="337153" cy="661407"/>
           </a:xfrm>
           <a:prstGeom prst="arc">
@@ -4082,13 +3869,13 @@
       </p:sp>
       <p:sp>
         <p:nvSpPr>
-          <p:cNvPr id="29" name="Bue 28"/>
+          <p:cNvPr id="30" name="Bue 29"/>
           <p:cNvSpPr/>
           <p:nvPr/>
         </p:nvSpPr>
         <p:spPr>
-          <a:xfrm rot="3135242">
-            <a:off x="2480729" y="1351207"/>
+          <a:xfrm rot="3018022">
+            <a:off x="3105194" y="1616438"/>
             <a:ext cx="337153" cy="661407"/>
           </a:xfrm>
           <a:prstGeom prst="arc">
@@ -4128,13 +3915,13 @@
       </p:sp>
       <p:sp>
         <p:nvSpPr>
-          <p:cNvPr id="30" name="Bue 29"/>
+          <p:cNvPr id="31" name="Bue 30"/>
           <p:cNvSpPr/>
           <p:nvPr/>
         </p:nvSpPr>
         <p:spPr>
-          <a:xfrm rot="3018022">
-            <a:off x="2882884" y="1616438"/>
+          <a:xfrm rot="7369049">
+            <a:off x="1512993" y="3596086"/>
             <a:ext cx="337153" cy="661407"/>
           </a:xfrm>
           <a:prstGeom prst="arc">
@@ -4174,13 +3961,13 @@
       </p:sp>
       <p:sp>
         <p:nvSpPr>
-          <p:cNvPr id="31" name="Bue 30"/>
+          <p:cNvPr id="32" name="Bue 31"/>
           <p:cNvSpPr/>
           <p:nvPr/>
         </p:nvSpPr>
         <p:spPr>
-          <a:xfrm rot="7369049">
-            <a:off x="1306216" y="3671228"/>
+          <a:xfrm rot="16569927">
+            <a:off x="7198592" y="2691538"/>
             <a:ext cx="337153" cy="661407"/>
           </a:xfrm>
           <a:prstGeom prst="arc">
@@ -4220,13 +4007,13 @@
       </p:sp>
       <p:sp>
         <p:nvSpPr>
-          <p:cNvPr id="32" name="Bue 31"/>
+          <p:cNvPr id="33" name="Bue 32"/>
           <p:cNvSpPr/>
           <p:nvPr/>
         </p:nvSpPr>
         <p:spPr>
-          <a:xfrm rot="16569927">
-            <a:off x="7470981" y="2619530"/>
+          <a:xfrm rot="16200000" flipH="1">
+            <a:off x="1781799" y="1250649"/>
             <a:ext cx="337153" cy="661407"/>
           </a:xfrm>
           <a:prstGeom prst="arc">
@@ -4264,6 +4051,98 @@
           </a:p>
         </p:txBody>
       </p:sp>
+      <p:sp>
+        <p:nvSpPr>
+          <p:cNvPr id="34" name="Bue 33"/>
+          <p:cNvSpPr/>
+          <p:nvPr/>
+        </p:nvSpPr>
+        <p:spPr>
+          <a:xfrm rot="16200000" flipH="1">
+            <a:off x="1781799" y="1682697"/>
+            <a:ext cx="337153" cy="661407"/>
+          </a:xfrm>
+          <a:prstGeom prst="arc">
+            <a:avLst>
+              <a:gd name="adj1" fmla="val 16724199"/>
+              <a:gd name="adj2" fmla="val 5034208"/>
+            </a:avLst>
+          </a:prstGeom>
+          <a:ln>
+            <a:solidFill>
+              <a:srgbClr val="FFFF00"/>
+            </a:solidFill>
+          </a:ln>
+        </p:spPr>
+        <p:style>
+          <a:lnRef idx="2">
+            <a:schemeClr val="accent6"/>
+          </a:lnRef>
+          <a:fillRef idx="0">
+            <a:schemeClr val="accent6"/>
+          </a:fillRef>
+          <a:effectRef idx="1">
+            <a:schemeClr val="accent6"/>
+          </a:effectRef>
+          <a:fontRef idx="minor">
+            <a:schemeClr val="tx1"/>
+          </a:fontRef>
+        </p:style>
+        <p:txBody>
+          <a:bodyPr rtlCol="0" anchor="ctr"/>
+          <a:lstStyle/>
+          <a:p>
+            <a:pPr algn="ctr"/>
+            <a:endParaRPr lang="nb-NO"/>
+          </a:p>
+        </p:txBody>
+      </p:sp>
+      <p:sp>
+        <p:nvSpPr>
+          <p:cNvPr id="35" name="Bue 34"/>
+          <p:cNvSpPr/>
+          <p:nvPr/>
+        </p:nvSpPr>
+        <p:spPr>
+          <a:xfrm rot="16200000" flipH="1">
+            <a:off x="1840472" y="2114746"/>
+            <a:ext cx="337153" cy="661407"/>
+          </a:xfrm>
+          <a:prstGeom prst="arc">
+            <a:avLst>
+              <a:gd name="adj1" fmla="val 16724199"/>
+              <a:gd name="adj2" fmla="val 5034208"/>
+            </a:avLst>
+          </a:prstGeom>
+          <a:ln>
+            <a:solidFill>
+              <a:srgbClr val="FFFF00"/>
+            </a:solidFill>
+          </a:ln>
+        </p:spPr>
+        <p:style>
+          <a:lnRef idx="2">
+            <a:schemeClr val="accent6"/>
+          </a:lnRef>
+          <a:fillRef idx="0">
+            <a:schemeClr val="accent6"/>
+          </a:fillRef>
+          <a:effectRef idx="1">
+            <a:schemeClr val="accent6"/>
+          </a:effectRef>
+          <a:fontRef idx="minor">
+            <a:schemeClr val="tx1"/>
+          </a:fontRef>
+        </p:style>
+        <p:txBody>
+          <a:bodyPr rtlCol="0" anchor="ctr"/>
+          <a:lstStyle/>
+          <a:p>
+            <a:pPr algn="ctr"/>
+            <a:endParaRPr lang="nb-NO"/>
+          </a:p>
+        </p:txBody>
+      </p:sp>
     </p:spTree>
     <p:extLst>
       <p:ext uri="{BB962C8B-B14F-4D97-AF65-F5344CB8AC3E}">
@@ -4274,6 +4153,13 @@
   <p:clrMapOvr>
     <a:masterClrMapping/>
   </p:clrMapOvr>
+  <p:timing>
+    <p:tnLst>
+      <p:par>
+        <p:cTn xmlns:p14="http://schemas.microsoft.com/office/powerpoint/2010/main" id="1" dur="indefinite" restart="never" nodeType="tmRoot"/>
+      </p:par>
+    </p:tnLst>
+  </p:timing>
 </p:sld>
 </file>
 

--- a/Rapport/figures/Golf_course_1_representation.pptx
+++ b/Rapport/figures/Golf_course_1_representation.pptx
@@ -6,6 +6,8 @@
   </p:sldMasterIdLst>
   <p:sldIdLst>
     <p:sldId id="256" r:id="rId2"/>
+    <p:sldId id="257" r:id="rId3"/>
+    <p:sldId id="258" r:id="rId4"/>
   </p:sldIdLst>
   <p:sldSz cx="9144000" cy="6858000" type="screen4x3"/>
   <p:notesSz cx="6858000" cy="9144000"/>
@@ -288,7 +290,7 @@
           <a:p>
             <a:fld id="{4751A7D4-8245-46D1-BEB1-C49E0A45E190}" type="datetimeFigureOut">
               <a:rPr lang="nb-NO" smtClean="0"/>
-              <a:t>11/09/15</a:t>
+              <a:t>15/10/15</a:t>
             </a:fld>
             <a:endParaRPr lang="nb-NO"/>
           </a:p>
@@ -458,7 +460,7 @@
           <a:p>
             <a:fld id="{4751A7D4-8245-46D1-BEB1-C49E0A45E190}" type="datetimeFigureOut">
               <a:rPr lang="nb-NO" smtClean="0"/>
-              <a:t>11/09/15</a:t>
+              <a:t>15/10/15</a:t>
             </a:fld>
             <a:endParaRPr lang="nb-NO"/>
           </a:p>
@@ -638,7 +640,7 @@
           <a:p>
             <a:fld id="{4751A7D4-8245-46D1-BEB1-C49E0A45E190}" type="datetimeFigureOut">
               <a:rPr lang="nb-NO" smtClean="0"/>
-              <a:t>11/09/15</a:t>
+              <a:t>15/10/15</a:t>
             </a:fld>
             <a:endParaRPr lang="nb-NO"/>
           </a:p>
@@ -808,7 +810,7 @@
           <a:p>
             <a:fld id="{4751A7D4-8245-46D1-BEB1-C49E0A45E190}" type="datetimeFigureOut">
               <a:rPr lang="nb-NO" smtClean="0"/>
-              <a:t>11/09/15</a:t>
+              <a:t>15/10/15</a:t>
             </a:fld>
             <a:endParaRPr lang="nb-NO"/>
           </a:p>
@@ -1054,7 +1056,7 @@
           <a:p>
             <a:fld id="{4751A7D4-8245-46D1-BEB1-C49E0A45E190}" type="datetimeFigureOut">
               <a:rPr lang="nb-NO" smtClean="0"/>
-              <a:t>11/09/15</a:t>
+              <a:t>15/10/15</a:t>
             </a:fld>
             <a:endParaRPr lang="nb-NO"/>
           </a:p>
@@ -1342,7 +1344,7 @@
           <a:p>
             <a:fld id="{4751A7D4-8245-46D1-BEB1-C49E0A45E190}" type="datetimeFigureOut">
               <a:rPr lang="nb-NO" smtClean="0"/>
-              <a:t>11/09/15</a:t>
+              <a:t>15/10/15</a:t>
             </a:fld>
             <a:endParaRPr lang="nb-NO"/>
           </a:p>
@@ -1764,7 +1766,7 @@
           <a:p>
             <a:fld id="{4751A7D4-8245-46D1-BEB1-C49E0A45E190}" type="datetimeFigureOut">
               <a:rPr lang="nb-NO" smtClean="0"/>
-              <a:t>11/09/15</a:t>
+              <a:t>15/10/15</a:t>
             </a:fld>
             <a:endParaRPr lang="nb-NO"/>
           </a:p>
@@ -1882,7 +1884,7 @@
           <a:p>
             <a:fld id="{4751A7D4-8245-46D1-BEB1-C49E0A45E190}" type="datetimeFigureOut">
               <a:rPr lang="nb-NO" smtClean="0"/>
-              <a:t>11/09/15</a:t>
+              <a:t>15/10/15</a:t>
             </a:fld>
             <a:endParaRPr lang="nb-NO"/>
           </a:p>
@@ -1977,7 +1979,7 @@
           <a:p>
             <a:fld id="{4751A7D4-8245-46D1-BEB1-C49E0A45E190}" type="datetimeFigureOut">
               <a:rPr lang="nb-NO" smtClean="0"/>
-              <a:t>11/09/15</a:t>
+              <a:t>15/10/15</a:t>
             </a:fld>
             <a:endParaRPr lang="nb-NO"/>
           </a:p>
@@ -2254,7 +2256,7 @@
           <a:p>
             <a:fld id="{4751A7D4-8245-46D1-BEB1-C49E0A45E190}" type="datetimeFigureOut">
               <a:rPr lang="nb-NO" smtClean="0"/>
-              <a:t>11/09/15</a:t>
+              <a:t>15/10/15</a:t>
             </a:fld>
             <a:endParaRPr lang="nb-NO"/>
           </a:p>
@@ -2507,7 +2509,7 @@
           <a:p>
             <a:fld id="{4751A7D4-8245-46D1-BEB1-C49E0A45E190}" type="datetimeFigureOut">
               <a:rPr lang="nb-NO" smtClean="0"/>
-              <a:t>11/09/15</a:t>
+              <a:t>15/10/15</a:t>
             </a:fld>
             <a:endParaRPr lang="nb-NO"/>
           </a:p>
@@ -2720,7 +2722,7 @@
           <a:p>
             <a:fld id="{4751A7D4-8245-46D1-BEB1-C49E0A45E190}" type="datetimeFigureOut">
               <a:rPr lang="nb-NO" smtClean="0"/>
-              <a:t>11/09/15</a:t>
+              <a:t>15/10/15</a:t>
             </a:fld>
             <a:endParaRPr lang="nb-NO"/>
           </a:p>
@@ -4163,6 +4165,1440 @@
 </p:sld>
 </file>
 
+<file path=ppt/slides/slide2.xml><?xml version="1.0" encoding="utf-8"?>
+<p:sld xmlns:a="http://schemas.openxmlformats.org/drawingml/2006/main" xmlns:r="http://schemas.openxmlformats.org/officeDocument/2006/relationships" xmlns:p="http://schemas.openxmlformats.org/presentationml/2006/main">
+  <p:cSld>
+    <p:spTree>
+      <p:nvGrpSpPr>
+        <p:cNvPr id="1" name=""/>
+        <p:cNvGrpSpPr/>
+        <p:nvPr/>
+      </p:nvGrpSpPr>
+      <p:grpSpPr>
+        <a:xfrm>
+          <a:off x="0" y="0"/>
+          <a:ext cx="0" cy="0"/>
+          <a:chOff x="0" y="0"/>
+          <a:chExt cx="0" cy="0"/>
+        </a:xfrm>
+      </p:grpSpPr>
+      <p:sp>
+        <p:nvSpPr>
+          <p:cNvPr id="6" name="Tekstfelt 5"/>
+          <p:cNvSpPr txBox="1"/>
+          <p:nvPr/>
+        </p:nvSpPr>
+        <p:spPr>
+          <a:xfrm>
+            <a:off x="3131840" y="404664"/>
+            <a:ext cx="1080120" cy="1070035"/>
+          </a:xfrm>
+          <a:prstGeom prst="ellipse">
+            <a:avLst/>
+          </a:prstGeom>
+          <a:effectLst/>
+        </p:spPr>
+        <p:style>
+          <a:lnRef idx="3">
+            <a:schemeClr val="lt1"/>
+          </a:lnRef>
+          <a:fillRef idx="1">
+            <a:schemeClr val="accent1"/>
+          </a:fillRef>
+          <a:effectRef idx="1">
+            <a:schemeClr val="accent1"/>
+          </a:effectRef>
+          <a:fontRef idx="minor">
+            <a:schemeClr val="lt1"/>
+          </a:fontRef>
+        </p:style>
+        <p:txBody>
+          <a:bodyPr wrap="square" rtlCol="0">
+            <a:spAutoFit/>
+          </a:bodyPr>
+          <a:lstStyle/>
+          <a:p>
+            <a:endParaRPr lang="da-DK" dirty="0"/>
+          </a:p>
+        </p:txBody>
+      </p:sp>
+      <p:sp>
+        <p:nvSpPr>
+          <p:cNvPr id="7" name="Tekstfelt 6"/>
+          <p:cNvSpPr txBox="1"/>
+          <p:nvPr/>
+        </p:nvSpPr>
+        <p:spPr>
+          <a:xfrm>
+            <a:off x="3275856" y="764704"/>
+            <a:ext cx="840194" cy="369332"/>
+          </a:xfrm>
+          <a:prstGeom prst="rect">
+            <a:avLst/>
+          </a:prstGeom>
+          <a:noFill/>
+        </p:spPr>
+        <p:txBody>
+          <a:bodyPr wrap="none" rtlCol="0">
+            <a:spAutoFit/>
+          </a:bodyPr>
+          <a:lstStyle/>
+          <a:p>
+            <a:r>
+              <a:rPr lang="da-DK" dirty="0" smtClean="0">
+                <a:solidFill>
+                  <a:schemeClr val="bg1"/>
+                </a:solidFill>
+              </a:rPr>
+              <a:t>MN (1)</a:t>
+            </a:r>
+          </a:p>
+        </p:txBody>
+      </p:sp>
+      <p:sp>
+        <p:nvSpPr>
+          <p:cNvPr id="10" name="Tekstfelt 9"/>
+          <p:cNvSpPr txBox="1"/>
+          <p:nvPr/>
+        </p:nvSpPr>
+        <p:spPr>
+          <a:xfrm>
+            <a:off x="3419872" y="1772816"/>
+            <a:ext cx="504056" cy="519351"/>
+          </a:xfrm>
+          <a:prstGeom prst="ellipse">
+            <a:avLst/>
+          </a:prstGeom>
+          <a:effectLst/>
+        </p:spPr>
+        <p:style>
+          <a:lnRef idx="3">
+            <a:schemeClr val="lt1"/>
+          </a:lnRef>
+          <a:fillRef idx="1">
+            <a:schemeClr val="accent1"/>
+          </a:fillRef>
+          <a:effectRef idx="1">
+            <a:schemeClr val="accent1"/>
+          </a:effectRef>
+          <a:fontRef idx="minor">
+            <a:schemeClr val="lt1"/>
+          </a:fontRef>
+        </p:style>
+        <p:txBody>
+          <a:bodyPr wrap="square" rtlCol="0">
+            <a:spAutoFit/>
+          </a:bodyPr>
+          <a:lstStyle/>
+          <a:p>
+            <a:pPr algn="ctr"/>
+            <a:r>
+              <a:rPr lang="da-DK" dirty="0" smtClean="0"/>
+              <a:t>2</a:t>
+            </a:r>
+            <a:endParaRPr lang="da-DK" dirty="0"/>
+          </a:p>
+        </p:txBody>
+      </p:sp>
+      <p:sp>
+        <p:nvSpPr>
+          <p:cNvPr id="14" name="Tekstfelt 13"/>
+          <p:cNvSpPr txBox="1"/>
+          <p:nvPr/>
+        </p:nvSpPr>
+        <p:spPr>
+          <a:xfrm>
+            <a:off x="2627784" y="2708920"/>
+            <a:ext cx="504056" cy="519351"/>
+          </a:xfrm>
+          <a:prstGeom prst="ellipse">
+            <a:avLst/>
+          </a:prstGeom>
+          <a:effectLst/>
+        </p:spPr>
+        <p:style>
+          <a:lnRef idx="3">
+            <a:schemeClr val="lt1"/>
+          </a:lnRef>
+          <a:fillRef idx="1">
+            <a:schemeClr val="accent1"/>
+          </a:fillRef>
+          <a:effectRef idx="1">
+            <a:schemeClr val="accent1"/>
+          </a:effectRef>
+          <a:fontRef idx="minor">
+            <a:schemeClr val="lt1"/>
+          </a:fontRef>
+        </p:style>
+        <p:txBody>
+          <a:bodyPr wrap="square" rtlCol="0">
+            <a:spAutoFit/>
+          </a:bodyPr>
+          <a:lstStyle/>
+          <a:p>
+            <a:pPr algn="ctr"/>
+            <a:r>
+              <a:rPr lang="da-DK" dirty="0" smtClean="0"/>
+              <a:t>3</a:t>
+            </a:r>
+            <a:endParaRPr lang="da-DK" dirty="0"/>
+          </a:p>
+        </p:txBody>
+      </p:sp>
+      <p:sp>
+        <p:nvSpPr>
+          <p:cNvPr id="17" name="Tekstfelt 16"/>
+          <p:cNvSpPr txBox="1"/>
+          <p:nvPr/>
+        </p:nvSpPr>
+        <p:spPr>
+          <a:xfrm>
+            <a:off x="4211960" y="2708920"/>
+            <a:ext cx="504056" cy="519351"/>
+          </a:xfrm>
+          <a:prstGeom prst="ellipse">
+            <a:avLst/>
+          </a:prstGeom>
+          <a:effectLst/>
+        </p:spPr>
+        <p:style>
+          <a:lnRef idx="3">
+            <a:schemeClr val="lt1"/>
+          </a:lnRef>
+          <a:fillRef idx="1">
+            <a:schemeClr val="accent1"/>
+          </a:fillRef>
+          <a:effectRef idx="1">
+            <a:schemeClr val="accent1"/>
+          </a:effectRef>
+          <a:fontRef idx="minor">
+            <a:schemeClr val="lt1"/>
+          </a:fontRef>
+        </p:style>
+        <p:txBody>
+          <a:bodyPr wrap="square" rtlCol="0">
+            <a:spAutoFit/>
+          </a:bodyPr>
+          <a:lstStyle/>
+          <a:p>
+            <a:pPr algn="ctr"/>
+            <a:r>
+              <a:rPr lang="da-DK" dirty="0" smtClean="0"/>
+              <a:t>4</a:t>
+            </a:r>
+            <a:endParaRPr lang="da-DK" dirty="0"/>
+          </a:p>
+        </p:txBody>
+      </p:sp>
+      <p:sp>
+        <p:nvSpPr>
+          <p:cNvPr id="18" name="Tekstfelt 17"/>
+          <p:cNvSpPr txBox="1"/>
+          <p:nvPr/>
+        </p:nvSpPr>
+        <p:spPr>
+          <a:xfrm>
+            <a:off x="1763688" y="3645024"/>
+            <a:ext cx="504056" cy="519351"/>
+          </a:xfrm>
+          <a:prstGeom prst="ellipse">
+            <a:avLst/>
+          </a:prstGeom>
+          <a:effectLst/>
+        </p:spPr>
+        <p:style>
+          <a:lnRef idx="3">
+            <a:schemeClr val="lt1"/>
+          </a:lnRef>
+          <a:fillRef idx="1">
+            <a:schemeClr val="accent1"/>
+          </a:fillRef>
+          <a:effectRef idx="1">
+            <a:schemeClr val="accent1"/>
+          </a:effectRef>
+          <a:fontRef idx="minor">
+            <a:schemeClr val="lt1"/>
+          </a:fontRef>
+        </p:style>
+        <p:txBody>
+          <a:bodyPr wrap="square" rtlCol="0">
+            <a:spAutoFit/>
+          </a:bodyPr>
+          <a:lstStyle/>
+          <a:p>
+            <a:pPr algn="ctr"/>
+            <a:r>
+              <a:rPr lang="da-DK" dirty="0" smtClean="0"/>
+              <a:t>5</a:t>
+            </a:r>
+            <a:endParaRPr lang="da-DK" dirty="0"/>
+          </a:p>
+        </p:txBody>
+      </p:sp>
+      <p:sp>
+        <p:nvSpPr>
+          <p:cNvPr id="19" name="Tekstfelt 18"/>
+          <p:cNvSpPr txBox="1"/>
+          <p:nvPr/>
+        </p:nvSpPr>
+        <p:spPr>
+          <a:xfrm>
+            <a:off x="2627784" y="3789040"/>
+            <a:ext cx="504056" cy="519351"/>
+          </a:xfrm>
+          <a:prstGeom prst="ellipse">
+            <a:avLst/>
+          </a:prstGeom>
+          <a:effectLst/>
+        </p:spPr>
+        <p:style>
+          <a:lnRef idx="3">
+            <a:schemeClr val="lt1"/>
+          </a:lnRef>
+          <a:fillRef idx="1">
+            <a:schemeClr val="accent1"/>
+          </a:fillRef>
+          <a:effectRef idx="1">
+            <a:schemeClr val="accent1"/>
+          </a:effectRef>
+          <a:fontRef idx="minor">
+            <a:schemeClr val="lt1"/>
+          </a:fontRef>
+        </p:style>
+        <p:txBody>
+          <a:bodyPr wrap="square" rtlCol="0">
+            <a:spAutoFit/>
+          </a:bodyPr>
+          <a:lstStyle/>
+          <a:p>
+            <a:pPr algn="ctr"/>
+            <a:r>
+              <a:rPr lang="da-DK" dirty="0" smtClean="0"/>
+              <a:t>6</a:t>
+            </a:r>
+            <a:endParaRPr lang="da-DK" dirty="0"/>
+          </a:p>
+        </p:txBody>
+      </p:sp>
+      <p:sp>
+        <p:nvSpPr>
+          <p:cNvPr id="20" name="Tekstfelt 19"/>
+          <p:cNvSpPr txBox="1"/>
+          <p:nvPr/>
+        </p:nvSpPr>
+        <p:spPr>
+          <a:xfrm>
+            <a:off x="3491880" y="3645024"/>
+            <a:ext cx="504056" cy="519351"/>
+          </a:xfrm>
+          <a:prstGeom prst="ellipse">
+            <a:avLst/>
+          </a:prstGeom>
+          <a:effectLst/>
+        </p:spPr>
+        <p:style>
+          <a:lnRef idx="3">
+            <a:schemeClr val="lt1"/>
+          </a:lnRef>
+          <a:fillRef idx="1">
+            <a:schemeClr val="accent1"/>
+          </a:fillRef>
+          <a:effectRef idx="1">
+            <a:schemeClr val="accent1"/>
+          </a:effectRef>
+          <a:fontRef idx="minor">
+            <a:schemeClr val="lt1"/>
+          </a:fontRef>
+        </p:style>
+        <p:txBody>
+          <a:bodyPr wrap="square" rtlCol="0">
+            <a:spAutoFit/>
+          </a:bodyPr>
+          <a:lstStyle/>
+          <a:p>
+            <a:pPr algn="ctr"/>
+            <a:r>
+              <a:rPr lang="da-DK" dirty="0" smtClean="0"/>
+              <a:t>7</a:t>
+            </a:r>
+            <a:endParaRPr lang="da-DK" dirty="0"/>
+          </a:p>
+        </p:txBody>
+      </p:sp>
+      <p:sp>
+        <p:nvSpPr>
+          <p:cNvPr id="21" name="Tekstfelt 20"/>
+          <p:cNvSpPr txBox="1"/>
+          <p:nvPr/>
+        </p:nvSpPr>
+        <p:spPr>
+          <a:xfrm>
+            <a:off x="5004048" y="3645024"/>
+            <a:ext cx="504056" cy="519351"/>
+          </a:xfrm>
+          <a:prstGeom prst="ellipse">
+            <a:avLst/>
+          </a:prstGeom>
+          <a:effectLst/>
+        </p:spPr>
+        <p:style>
+          <a:lnRef idx="3">
+            <a:schemeClr val="lt1"/>
+          </a:lnRef>
+          <a:fillRef idx="1">
+            <a:schemeClr val="accent1"/>
+          </a:fillRef>
+          <a:effectRef idx="1">
+            <a:schemeClr val="accent1"/>
+          </a:effectRef>
+          <a:fontRef idx="minor">
+            <a:schemeClr val="lt1"/>
+          </a:fontRef>
+        </p:style>
+        <p:txBody>
+          <a:bodyPr wrap="square" rtlCol="0">
+            <a:spAutoFit/>
+          </a:bodyPr>
+          <a:lstStyle/>
+          <a:p>
+            <a:pPr algn="ctr"/>
+            <a:r>
+              <a:rPr lang="da-DK" dirty="0" smtClean="0"/>
+              <a:t>8</a:t>
+            </a:r>
+            <a:endParaRPr lang="da-DK" dirty="0"/>
+          </a:p>
+        </p:txBody>
+      </p:sp>
+      <p:cxnSp>
+        <p:nvCxnSpPr>
+          <p:cNvPr id="23" name="Lige forbindelse 22"/>
+          <p:cNvCxnSpPr>
+            <a:stCxn id="6" idx="4"/>
+            <a:endCxn id="10" idx="0"/>
+          </p:cNvCxnSpPr>
+          <p:nvPr/>
+        </p:nvCxnSpPr>
+        <p:spPr>
+          <a:xfrm>
+            <a:off x="3671900" y="1474699"/>
+            <a:ext cx="0" cy="298117"/>
+          </a:xfrm>
+          <a:prstGeom prst="line">
+            <a:avLst/>
+          </a:prstGeom>
+        </p:spPr>
+        <p:style>
+          <a:lnRef idx="2">
+            <a:schemeClr val="accent1"/>
+          </a:lnRef>
+          <a:fillRef idx="0">
+            <a:schemeClr val="accent1"/>
+          </a:fillRef>
+          <a:effectRef idx="1">
+            <a:schemeClr val="accent1"/>
+          </a:effectRef>
+          <a:fontRef idx="minor">
+            <a:schemeClr val="tx1"/>
+          </a:fontRef>
+        </p:style>
+      </p:cxnSp>
+      <p:cxnSp>
+        <p:nvCxnSpPr>
+          <p:cNvPr id="26" name="Lige forbindelse 25"/>
+          <p:cNvCxnSpPr>
+            <a:stCxn id="10" idx="5"/>
+            <a:endCxn id="17" idx="1"/>
+          </p:cNvCxnSpPr>
+          <p:nvPr/>
+        </p:nvCxnSpPr>
+        <p:spPr>
+          <a:xfrm>
+            <a:off x="3850111" y="2216110"/>
+            <a:ext cx="435666" cy="568867"/>
+          </a:xfrm>
+          <a:prstGeom prst="line">
+            <a:avLst/>
+          </a:prstGeom>
+        </p:spPr>
+        <p:style>
+          <a:lnRef idx="2">
+            <a:schemeClr val="accent1"/>
+          </a:lnRef>
+          <a:fillRef idx="0">
+            <a:schemeClr val="accent1"/>
+          </a:fillRef>
+          <a:effectRef idx="1">
+            <a:schemeClr val="accent1"/>
+          </a:effectRef>
+          <a:fontRef idx="minor">
+            <a:schemeClr val="tx1"/>
+          </a:fontRef>
+        </p:style>
+      </p:cxnSp>
+      <p:cxnSp>
+        <p:nvCxnSpPr>
+          <p:cNvPr id="28" name="Lige forbindelse 27"/>
+          <p:cNvCxnSpPr>
+            <a:stCxn id="17" idx="5"/>
+            <a:endCxn id="21" idx="1"/>
+          </p:cNvCxnSpPr>
+          <p:nvPr/>
+        </p:nvCxnSpPr>
+        <p:spPr>
+          <a:xfrm>
+            <a:off x="4642199" y="3152214"/>
+            <a:ext cx="435666" cy="568867"/>
+          </a:xfrm>
+          <a:prstGeom prst="line">
+            <a:avLst/>
+          </a:prstGeom>
+        </p:spPr>
+        <p:style>
+          <a:lnRef idx="2">
+            <a:schemeClr val="accent1"/>
+          </a:lnRef>
+          <a:fillRef idx="0">
+            <a:schemeClr val="accent1"/>
+          </a:fillRef>
+          <a:effectRef idx="1">
+            <a:schemeClr val="accent1"/>
+          </a:effectRef>
+          <a:fontRef idx="minor">
+            <a:schemeClr val="tx1"/>
+          </a:fontRef>
+        </p:style>
+      </p:cxnSp>
+      <p:cxnSp>
+        <p:nvCxnSpPr>
+          <p:cNvPr id="31" name="Lige forbindelse 30"/>
+          <p:cNvCxnSpPr>
+            <a:stCxn id="10" idx="3"/>
+            <a:endCxn id="14" idx="7"/>
+          </p:cNvCxnSpPr>
+          <p:nvPr/>
+        </p:nvCxnSpPr>
+        <p:spPr>
+          <a:xfrm flipH="1">
+            <a:off x="3058023" y="2216110"/>
+            <a:ext cx="435666" cy="568867"/>
+          </a:xfrm>
+          <a:prstGeom prst="line">
+            <a:avLst/>
+          </a:prstGeom>
+        </p:spPr>
+        <p:style>
+          <a:lnRef idx="2">
+            <a:schemeClr val="accent1"/>
+          </a:lnRef>
+          <a:fillRef idx="0">
+            <a:schemeClr val="accent1"/>
+          </a:fillRef>
+          <a:effectRef idx="1">
+            <a:schemeClr val="accent1"/>
+          </a:effectRef>
+          <a:fontRef idx="minor">
+            <a:schemeClr val="tx1"/>
+          </a:fontRef>
+        </p:style>
+      </p:cxnSp>
+      <p:cxnSp>
+        <p:nvCxnSpPr>
+          <p:cNvPr id="33" name="Lige forbindelse 32"/>
+          <p:cNvCxnSpPr>
+            <a:stCxn id="14" idx="3"/>
+            <a:endCxn id="18" idx="7"/>
+          </p:cNvCxnSpPr>
+          <p:nvPr/>
+        </p:nvCxnSpPr>
+        <p:spPr>
+          <a:xfrm flipH="1">
+            <a:off x="2193927" y="3152214"/>
+            <a:ext cx="507674" cy="568867"/>
+          </a:xfrm>
+          <a:prstGeom prst="line">
+            <a:avLst/>
+          </a:prstGeom>
+        </p:spPr>
+        <p:style>
+          <a:lnRef idx="2">
+            <a:schemeClr val="accent1"/>
+          </a:lnRef>
+          <a:fillRef idx="0">
+            <a:schemeClr val="accent1"/>
+          </a:fillRef>
+          <a:effectRef idx="1">
+            <a:schemeClr val="accent1"/>
+          </a:effectRef>
+          <a:fontRef idx="minor">
+            <a:schemeClr val="tx1"/>
+          </a:fontRef>
+        </p:style>
+      </p:cxnSp>
+      <p:cxnSp>
+        <p:nvCxnSpPr>
+          <p:cNvPr id="35" name="Lige forbindelse 34"/>
+          <p:cNvCxnSpPr>
+            <a:stCxn id="14" idx="5"/>
+            <a:endCxn id="20" idx="1"/>
+          </p:cNvCxnSpPr>
+          <p:nvPr/>
+        </p:nvCxnSpPr>
+        <p:spPr>
+          <a:xfrm>
+            <a:off x="3058023" y="3152214"/>
+            <a:ext cx="507674" cy="568867"/>
+          </a:xfrm>
+          <a:prstGeom prst="line">
+            <a:avLst/>
+          </a:prstGeom>
+        </p:spPr>
+        <p:style>
+          <a:lnRef idx="2">
+            <a:schemeClr val="accent1"/>
+          </a:lnRef>
+          <a:fillRef idx="0">
+            <a:schemeClr val="accent1"/>
+          </a:fillRef>
+          <a:effectRef idx="1">
+            <a:schemeClr val="accent1"/>
+          </a:effectRef>
+          <a:fontRef idx="minor">
+            <a:schemeClr val="tx1"/>
+          </a:fontRef>
+        </p:style>
+      </p:cxnSp>
+      <p:cxnSp>
+        <p:nvCxnSpPr>
+          <p:cNvPr id="38" name="Lige forbindelse 37"/>
+          <p:cNvCxnSpPr>
+            <a:stCxn id="14" idx="4"/>
+            <a:endCxn id="19" idx="0"/>
+          </p:cNvCxnSpPr>
+          <p:nvPr/>
+        </p:nvCxnSpPr>
+        <p:spPr>
+          <a:xfrm>
+            <a:off x="2879812" y="3228271"/>
+            <a:ext cx="0" cy="560769"/>
+          </a:xfrm>
+          <a:prstGeom prst="line">
+            <a:avLst/>
+          </a:prstGeom>
+        </p:spPr>
+        <p:style>
+          <a:lnRef idx="2">
+            <a:schemeClr val="accent1"/>
+          </a:lnRef>
+          <a:fillRef idx="0">
+            <a:schemeClr val="accent1"/>
+          </a:fillRef>
+          <a:effectRef idx="1">
+            <a:schemeClr val="accent1"/>
+          </a:effectRef>
+          <a:fontRef idx="minor">
+            <a:schemeClr val="tx1"/>
+          </a:fontRef>
+        </p:style>
+      </p:cxnSp>
+      <p:sp>
+        <p:nvSpPr>
+          <p:cNvPr id="39" name="Tekstfelt 38"/>
+          <p:cNvSpPr txBox="1"/>
+          <p:nvPr/>
+        </p:nvSpPr>
+        <p:spPr>
+          <a:xfrm>
+            <a:off x="5148064" y="1844824"/>
+            <a:ext cx="1083875" cy="369332"/>
+          </a:xfrm>
+          <a:prstGeom prst="rect">
+            <a:avLst/>
+          </a:prstGeom>
+          <a:noFill/>
+        </p:spPr>
+        <p:txBody>
+          <a:bodyPr wrap="none" rtlCol="0">
+            <a:spAutoFit/>
+          </a:bodyPr>
+          <a:lstStyle/>
+          <a:p>
+            <a:r>
+              <a:rPr lang="da-DK" dirty="0" smtClean="0"/>
+              <a:t>First level</a:t>
+            </a:r>
+            <a:endParaRPr lang="da-DK" dirty="0"/>
+          </a:p>
+        </p:txBody>
+      </p:sp>
+      <p:sp>
+        <p:nvSpPr>
+          <p:cNvPr id="40" name="Tekstfelt 39"/>
+          <p:cNvSpPr txBox="1"/>
+          <p:nvPr/>
+        </p:nvSpPr>
+        <p:spPr>
+          <a:xfrm>
+            <a:off x="5652120" y="2780928"/>
+            <a:ext cx="1359567" cy="369332"/>
+          </a:xfrm>
+          <a:prstGeom prst="rect">
+            <a:avLst/>
+          </a:prstGeom>
+          <a:noFill/>
+        </p:spPr>
+        <p:txBody>
+          <a:bodyPr wrap="none" rtlCol="0">
+            <a:spAutoFit/>
+          </a:bodyPr>
+          <a:lstStyle/>
+          <a:p>
+            <a:r>
+              <a:rPr lang="da-DK" dirty="0" smtClean="0"/>
+              <a:t>Second level</a:t>
+            </a:r>
+            <a:endParaRPr lang="da-DK" dirty="0"/>
+          </a:p>
+        </p:txBody>
+      </p:sp>
+      <p:sp>
+        <p:nvSpPr>
+          <p:cNvPr id="41" name="Tekstfelt 40"/>
+          <p:cNvSpPr txBox="1"/>
+          <p:nvPr/>
+        </p:nvSpPr>
+        <p:spPr>
+          <a:xfrm>
+            <a:off x="6444208" y="3789040"/>
+            <a:ext cx="1165253" cy="369332"/>
+          </a:xfrm>
+          <a:prstGeom prst="rect">
+            <a:avLst/>
+          </a:prstGeom>
+          <a:noFill/>
+        </p:spPr>
+        <p:txBody>
+          <a:bodyPr wrap="none" rtlCol="0">
+            <a:spAutoFit/>
+          </a:bodyPr>
+          <a:lstStyle/>
+          <a:p>
+            <a:r>
+              <a:rPr lang="da-DK" dirty="0" smtClean="0"/>
+              <a:t>Third level</a:t>
+            </a:r>
+            <a:endParaRPr lang="da-DK" dirty="0"/>
+          </a:p>
+        </p:txBody>
+      </p:sp>
+    </p:spTree>
+    <p:extLst>
+      <p:ext uri="{BB962C8B-B14F-4D97-AF65-F5344CB8AC3E}">
+        <p14:creationId xmlns:p14="http://schemas.microsoft.com/office/powerpoint/2010/main" val="3265520504"/>
+      </p:ext>
+    </p:extLst>
+  </p:cSld>
+  <p:clrMapOvr>
+    <a:masterClrMapping/>
+  </p:clrMapOvr>
+</p:sld>
+</file>
+
+<file path=ppt/slides/slide3.xml><?xml version="1.0" encoding="utf-8"?>
+<p:sld xmlns:a="http://schemas.openxmlformats.org/drawingml/2006/main" xmlns:r="http://schemas.openxmlformats.org/officeDocument/2006/relationships" xmlns:p="http://schemas.openxmlformats.org/presentationml/2006/main">
+  <p:cSld>
+    <p:spTree>
+      <p:nvGrpSpPr>
+        <p:cNvPr id="1" name=""/>
+        <p:cNvGrpSpPr/>
+        <p:nvPr/>
+      </p:nvGrpSpPr>
+      <p:grpSpPr>
+        <a:xfrm>
+          <a:off x="0" y="0"/>
+          <a:ext cx="0" cy="0"/>
+          <a:chOff x="0" y="0"/>
+          <a:chExt cx="0" cy="0"/>
+        </a:xfrm>
+      </p:grpSpPr>
+      <p:sp>
+        <p:nvSpPr>
+          <p:cNvPr id="4" name="Tekstfelt 3"/>
+          <p:cNvSpPr txBox="1"/>
+          <p:nvPr/>
+        </p:nvSpPr>
+        <p:spPr>
+          <a:xfrm>
+            <a:off x="3131840" y="404664"/>
+            <a:ext cx="1080120" cy="1070035"/>
+          </a:xfrm>
+          <a:prstGeom prst="ellipse">
+            <a:avLst/>
+          </a:prstGeom>
+          <a:effectLst/>
+        </p:spPr>
+        <p:style>
+          <a:lnRef idx="3">
+            <a:schemeClr val="lt1"/>
+          </a:lnRef>
+          <a:fillRef idx="1">
+            <a:schemeClr val="accent1"/>
+          </a:fillRef>
+          <a:effectRef idx="1">
+            <a:schemeClr val="accent1"/>
+          </a:effectRef>
+          <a:fontRef idx="minor">
+            <a:schemeClr val="lt1"/>
+          </a:fontRef>
+        </p:style>
+        <p:txBody>
+          <a:bodyPr wrap="square" rtlCol="0">
+            <a:spAutoFit/>
+          </a:bodyPr>
+          <a:lstStyle/>
+          <a:p>
+            <a:endParaRPr lang="da-DK" dirty="0"/>
+          </a:p>
+        </p:txBody>
+      </p:sp>
+      <p:sp>
+        <p:nvSpPr>
+          <p:cNvPr id="5" name="Tekstfelt 4"/>
+          <p:cNvSpPr txBox="1"/>
+          <p:nvPr/>
+        </p:nvSpPr>
+        <p:spPr>
+          <a:xfrm>
+            <a:off x="3275856" y="764704"/>
+            <a:ext cx="840194" cy="369332"/>
+          </a:xfrm>
+          <a:prstGeom prst="rect">
+            <a:avLst/>
+          </a:prstGeom>
+          <a:noFill/>
+        </p:spPr>
+        <p:txBody>
+          <a:bodyPr wrap="none" rtlCol="0">
+            <a:spAutoFit/>
+          </a:bodyPr>
+          <a:lstStyle/>
+          <a:p>
+            <a:r>
+              <a:rPr lang="da-DK" dirty="0" smtClean="0">
+                <a:solidFill>
+                  <a:schemeClr val="bg1"/>
+                </a:solidFill>
+              </a:rPr>
+              <a:t>MN (1)</a:t>
+            </a:r>
+          </a:p>
+        </p:txBody>
+      </p:sp>
+      <p:sp>
+        <p:nvSpPr>
+          <p:cNvPr id="6" name="Tekstfelt 5"/>
+          <p:cNvSpPr txBox="1"/>
+          <p:nvPr/>
+        </p:nvSpPr>
+        <p:spPr>
+          <a:xfrm>
+            <a:off x="3419872" y="1772816"/>
+            <a:ext cx="504056" cy="519351"/>
+          </a:xfrm>
+          <a:prstGeom prst="ellipse">
+            <a:avLst/>
+          </a:prstGeom>
+          <a:effectLst/>
+        </p:spPr>
+        <p:style>
+          <a:lnRef idx="3">
+            <a:schemeClr val="lt1"/>
+          </a:lnRef>
+          <a:fillRef idx="1">
+            <a:schemeClr val="accent1"/>
+          </a:fillRef>
+          <a:effectRef idx="1">
+            <a:schemeClr val="accent1"/>
+          </a:effectRef>
+          <a:fontRef idx="minor">
+            <a:schemeClr val="lt1"/>
+          </a:fontRef>
+        </p:style>
+        <p:txBody>
+          <a:bodyPr wrap="square" rtlCol="0">
+            <a:spAutoFit/>
+          </a:bodyPr>
+          <a:lstStyle/>
+          <a:p>
+            <a:pPr algn="ctr"/>
+            <a:r>
+              <a:rPr lang="da-DK" dirty="0" smtClean="0"/>
+              <a:t>2</a:t>
+            </a:r>
+            <a:endParaRPr lang="da-DK" dirty="0"/>
+          </a:p>
+        </p:txBody>
+      </p:sp>
+      <p:sp>
+        <p:nvSpPr>
+          <p:cNvPr id="8" name="Tekstfelt 7"/>
+          <p:cNvSpPr txBox="1"/>
+          <p:nvPr/>
+        </p:nvSpPr>
+        <p:spPr>
+          <a:xfrm>
+            <a:off x="4211960" y="2708920"/>
+            <a:ext cx="504056" cy="519351"/>
+          </a:xfrm>
+          <a:prstGeom prst="ellipse">
+            <a:avLst/>
+          </a:prstGeom>
+          <a:effectLst/>
+        </p:spPr>
+        <p:style>
+          <a:lnRef idx="3">
+            <a:schemeClr val="lt1"/>
+          </a:lnRef>
+          <a:fillRef idx="1">
+            <a:schemeClr val="accent1"/>
+          </a:fillRef>
+          <a:effectRef idx="1">
+            <a:schemeClr val="accent1"/>
+          </a:effectRef>
+          <a:fontRef idx="minor">
+            <a:schemeClr val="lt1"/>
+          </a:fontRef>
+        </p:style>
+        <p:txBody>
+          <a:bodyPr wrap="square" rtlCol="0">
+            <a:spAutoFit/>
+          </a:bodyPr>
+          <a:lstStyle/>
+          <a:p>
+            <a:pPr algn="ctr"/>
+            <a:r>
+              <a:rPr lang="da-DK" dirty="0" smtClean="0"/>
+              <a:t>4</a:t>
+            </a:r>
+            <a:endParaRPr lang="da-DK" dirty="0"/>
+          </a:p>
+        </p:txBody>
+      </p:sp>
+      <p:sp>
+        <p:nvSpPr>
+          <p:cNvPr id="9" name="Tekstfelt 8"/>
+          <p:cNvSpPr txBox="1"/>
+          <p:nvPr/>
+        </p:nvSpPr>
+        <p:spPr>
+          <a:xfrm>
+            <a:off x="2915816" y="4509120"/>
+            <a:ext cx="504056" cy="519351"/>
+          </a:xfrm>
+          <a:prstGeom prst="ellipse">
+            <a:avLst/>
+          </a:prstGeom>
+          <a:effectLst/>
+        </p:spPr>
+        <p:style>
+          <a:lnRef idx="3">
+            <a:schemeClr val="lt1"/>
+          </a:lnRef>
+          <a:fillRef idx="1">
+            <a:schemeClr val="accent1"/>
+          </a:fillRef>
+          <a:effectRef idx="1">
+            <a:schemeClr val="accent1"/>
+          </a:effectRef>
+          <a:fontRef idx="minor">
+            <a:schemeClr val="lt1"/>
+          </a:fontRef>
+        </p:style>
+        <p:txBody>
+          <a:bodyPr wrap="square" rtlCol="0">
+            <a:spAutoFit/>
+          </a:bodyPr>
+          <a:lstStyle/>
+          <a:p>
+            <a:pPr algn="ctr"/>
+            <a:r>
+              <a:rPr lang="da-DK" dirty="0" smtClean="0"/>
+              <a:t>5</a:t>
+            </a:r>
+            <a:endParaRPr lang="da-DK" dirty="0"/>
+          </a:p>
+        </p:txBody>
+      </p:sp>
+      <p:sp>
+        <p:nvSpPr>
+          <p:cNvPr id="10" name="Tekstfelt 9"/>
+          <p:cNvSpPr txBox="1"/>
+          <p:nvPr/>
+        </p:nvSpPr>
+        <p:spPr>
+          <a:xfrm>
+            <a:off x="4067944" y="4509120"/>
+            <a:ext cx="504056" cy="519351"/>
+          </a:xfrm>
+          <a:prstGeom prst="ellipse">
+            <a:avLst/>
+          </a:prstGeom>
+          <a:effectLst/>
+        </p:spPr>
+        <p:style>
+          <a:lnRef idx="3">
+            <a:schemeClr val="lt1"/>
+          </a:lnRef>
+          <a:fillRef idx="1">
+            <a:schemeClr val="accent1"/>
+          </a:fillRef>
+          <a:effectRef idx="1">
+            <a:schemeClr val="accent1"/>
+          </a:effectRef>
+          <a:fontRef idx="minor">
+            <a:schemeClr val="lt1"/>
+          </a:fontRef>
+        </p:style>
+        <p:txBody>
+          <a:bodyPr wrap="square" rtlCol="0">
+            <a:spAutoFit/>
+          </a:bodyPr>
+          <a:lstStyle/>
+          <a:p>
+            <a:pPr algn="ctr"/>
+            <a:r>
+              <a:rPr lang="da-DK" dirty="0" smtClean="0"/>
+              <a:t>6</a:t>
+            </a:r>
+            <a:endParaRPr lang="da-DK" dirty="0"/>
+          </a:p>
+        </p:txBody>
+      </p:sp>
+      <p:sp>
+        <p:nvSpPr>
+          <p:cNvPr id="11" name="Tekstfelt 10"/>
+          <p:cNvSpPr txBox="1"/>
+          <p:nvPr/>
+        </p:nvSpPr>
+        <p:spPr>
+          <a:xfrm>
+            <a:off x="3491880" y="3645024"/>
+            <a:ext cx="504056" cy="519351"/>
+          </a:xfrm>
+          <a:prstGeom prst="ellipse">
+            <a:avLst/>
+          </a:prstGeom>
+          <a:effectLst/>
+        </p:spPr>
+        <p:style>
+          <a:lnRef idx="3">
+            <a:schemeClr val="lt1"/>
+          </a:lnRef>
+          <a:fillRef idx="1">
+            <a:schemeClr val="accent1"/>
+          </a:fillRef>
+          <a:effectRef idx="1">
+            <a:schemeClr val="accent1"/>
+          </a:effectRef>
+          <a:fontRef idx="minor">
+            <a:schemeClr val="lt1"/>
+          </a:fontRef>
+        </p:style>
+        <p:txBody>
+          <a:bodyPr wrap="square" rtlCol="0">
+            <a:spAutoFit/>
+          </a:bodyPr>
+          <a:lstStyle/>
+          <a:p>
+            <a:pPr algn="ctr"/>
+            <a:r>
+              <a:rPr lang="da-DK" dirty="0" smtClean="0"/>
+              <a:t>7</a:t>
+            </a:r>
+            <a:endParaRPr lang="da-DK" dirty="0"/>
+          </a:p>
+        </p:txBody>
+      </p:sp>
+      <p:sp>
+        <p:nvSpPr>
+          <p:cNvPr id="12" name="Tekstfelt 11"/>
+          <p:cNvSpPr txBox="1"/>
+          <p:nvPr/>
+        </p:nvSpPr>
+        <p:spPr>
+          <a:xfrm>
+            <a:off x="5004048" y="3645024"/>
+            <a:ext cx="504056" cy="519351"/>
+          </a:xfrm>
+          <a:prstGeom prst="ellipse">
+            <a:avLst/>
+          </a:prstGeom>
+          <a:effectLst/>
+        </p:spPr>
+        <p:style>
+          <a:lnRef idx="3">
+            <a:schemeClr val="lt1"/>
+          </a:lnRef>
+          <a:fillRef idx="1">
+            <a:schemeClr val="accent1"/>
+          </a:fillRef>
+          <a:effectRef idx="1">
+            <a:schemeClr val="accent1"/>
+          </a:effectRef>
+          <a:fontRef idx="minor">
+            <a:schemeClr val="lt1"/>
+          </a:fontRef>
+        </p:style>
+        <p:txBody>
+          <a:bodyPr wrap="square" rtlCol="0">
+            <a:spAutoFit/>
+          </a:bodyPr>
+          <a:lstStyle/>
+          <a:p>
+            <a:pPr algn="ctr"/>
+            <a:r>
+              <a:rPr lang="da-DK" dirty="0" smtClean="0"/>
+              <a:t>8</a:t>
+            </a:r>
+            <a:endParaRPr lang="da-DK" dirty="0"/>
+          </a:p>
+        </p:txBody>
+      </p:sp>
+      <p:cxnSp>
+        <p:nvCxnSpPr>
+          <p:cNvPr id="13" name="Lige forbindelse 12"/>
+          <p:cNvCxnSpPr>
+            <a:stCxn id="4" idx="4"/>
+            <a:endCxn id="6" idx="0"/>
+          </p:cNvCxnSpPr>
+          <p:nvPr/>
+        </p:nvCxnSpPr>
+        <p:spPr>
+          <a:xfrm>
+            <a:off x="3671900" y="1474699"/>
+            <a:ext cx="0" cy="298117"/>
+          </a:xfrm>
+          <a:prstGeom prst="line">
+            <a:avLst/>
+          </a:prstGeom>
+        </p:spPr>
+        <p:style>
+          <a:lnRef idx="2">
+            <a:schemeClr val="accent1"/>
+          </a:lnRef>
+          <a:fillRef idx="0">
+            <a:schemeClr val="accent1"/>
+          </a:fillRef>
+          <a:effectRef idx="1">
+            <a:schemeClr val="accent1"/>
+          </a:effectRef>
+          <a:fontRef idx="minor">
+            <a:schemeClr val="tx1"/>
+          </a:fontRef>
+        </p:style>
+      </p:cxnSp>
+      <p:cxnSp>
+        <p:nvCxnSpPr>
+          <p:cNvPr id="14" name="Lige forbindelse 13"/>
+          <p:cNvCxnSpPr>
+            <a:stCxn id="6" idx="5"/>
+            <a:endCxn id="8" idx="1"/>
+          </p:cNvCxnSpPr>
+          <p:nvPr/>
+        </p:nvCxnSpPr>
+        <p:spPr>
+          <a:xfrm>
+            <a:off x="3850111" y="2216110"/>
+            <a:ext cx="435666" cy="568867"/>
+          </a:xfrm>
+          <a:prstGeom prst="line">
+            <a:avLst/>
+          </a:prstGeom>
+        </p:spPr>
+        <p:style>
+          <a:lnRef idx="2">
+            <a:schemeClr val="accent1"/>
+          </a:lnRef>
+          <a:fillRef idx="0">
+            <a:schemeClr val="accent1"/>
+          </a:fillRef>
+          <a:effectRef idx="1">
+            <a:schemeClr val="accent1"/>
+          </a:effectRef>
+          <a:fontRef idx="minor">
+            <a:schemeClr val="tx1"/>
+          </a:fontRef>
+        </p:style>
+      </p:cxnSp>
+      <p:cxnSp>
+        <p:nvCxnSpPr>
+          <p:cNvPr id="15" name="Lige forbindelse 14"/>
+          <p:cNvCxnSpPr>
+            <a:stCxn id="8" idx="5"/>
+            <a:endCxn id="12" idx="1"/>
+          </p:cNvCxnSpPr>
+          <p:nvPr/>
+        </p:nvCxnSpPr>
+        <p:spPr>
+          <a:xfrm>
+            <a:off x="4642199" y="3152214"/>
+            <a:ext cx="435666" cy="568867"/>
+          </a:xfrm>
+          <a:prstGeom prst="line">
+            <a:avLst/>
+          </a:prstGeom>
+        </p:spPr>
+        <p:style>
+          <a:lnRef idx="2">
+            <a:schemeClr val="accent1"/>
+          </a:lnRef>
+          <a:fillRef idx="0">
+            <a:schemeClr val="accent1"/>
+          </a:fillRef>
+          <a:effectRef idx="1">
+            <a:schemeClr val="accent1"/>
+          </a:effectRef>
+          <a:fontRef idx="minor">
+            <a:schemeClr val="tx1"/>
+          </a:fontRef>
+        </p:style>
+      </p:cxnSp>
+      <p:cxnSp>
+        <p:nvCxnSpPr>
+          <p:cNvPr id="17" name="Lige forbindelse 16"/>
+          <p:cNvCxnSpPr>
+            <a:stCxn id="11" idx="3"/>
+            <a:endCxn id="9" idx="7"/>
+          </p:cNvCxnSpPr>
+          <p:nvPr/>
+        </p:nvCxnSpPr>
+        <p:spPr>
+          <a:xfrm flipH="1">
+            <a:off x="3346055" y="4088318"/>
+            <a:ext cx="219642" cy="496859"/>
+          </a:xfrm>
+          <a:prstGeom prst="line">
+            <a:avLst/>
+          </a:prstGeom>
+        </p:spPr>
+        <p:style>
+          <a:lnRef idx="2">
+            <a:schemeClr val="accent1"/>
+          </a:lnRef>
+          <a:fillRef idx="0">
+            <a:schemeClr val="accent1"/>
+          </a:fillRef>
+          <a:effectRef idx="1">
+            <a:schemeClr val="accent1"/>
+          </a:effectRef>
+          <a:fontRef idx="minor">
+            <a:schemeClr val="tx1"/>
+          </a:fontRef>
+        </p:style>
+      </p:cxnSp>
+      <p:cxnSp>
+        <p:nvCxnSpPr>
+          <p:cNvPr id="18" name="Lige forbindelse 17"/>
+          <p:cNvCxnSpPr>
+            <a:stCxn id="8" idx="3"/>
+            <a:endCxn id="11" idx="7"/>
+          </p:cNvCxnSpPr>
+          <p:nvPr/>
+        </p:nvCxnSpPr>
+        <p:spPr>
+          <a:xfrm flipH="1">
+            <a:off x="3922119" y="3152214"/>
+            <a:ext cx="363658" cy="568867"/>
+          </a:xfrm>
+          <a:prstGeom prst="line">
+            <a:avLst/>
+          </a:prstGeom>
+        </p:spPr>
+        <p:style>
+          <a:lnRef idx="2">
+            <a:schemeClr val="accent1"/>
+          </a:lnRef>
+          <a:fillRef idx="0">
+            <a:schemeClr val="accent1"/>
+          </a:fillRef>
+          <a:effectRef idx="1">
+            <a:schemeClr val="accent1"/>
+          </a:effectRef>
+          <a:fontRef idx="minor">
+            <a:schemeClr val="tx1"/>
+          </a:fontRef>
+        </p:style>
+      </p:cxnSp>
+      <p:cxnSp>
+        <p:nvCxnSpPr>
+          <p:cNvPr id="19" name="Lige forbindelse 18"/>
+          <p:cNvCxnSpPr>
+            <a:stCxn id="11" idx="5"/>
+            <a:endCxn id="10" idx="1"/>
+          </p:cNvCxnSpPr>
+          <p:nvPr/>
+        </p:nvCxnSpPr>
+        <p:spPr>
+          <a:xfrm>
+            <a:off x="3922119" y="4088318"/>
+            <a:ext cx="219642" cy="496859"/>
+          </a:xfrm>
+          <a:prstGeom prst="line">
+            <a:avLst/>
+          </a:prstGeom>
+        </p:spPr>
+        <p:style>
+          <a:lnRef idx="2">
+            <a:schemeClr val="accent1"/>
+          </a:lnRef>
+          <a:fillRef idx="0">
+            <a:schemeClr val="accent1"/>
+          </a:fillRef>
+          <a:effectRef idx="1">
+            <a:schemeClr val="accent1"/>
+          </a:effectRef>
+          <a:fontRef idx="minor">
+            <a:schemeClr val="tx1"/>
+          </a:fontRef>
+        </p:style>
+      </p:cxnSp>
+      <p:sp>
+        <p:nvSpPr>
+          <p:cNvPr id="20" name="Tekstfelt 19"/>
+          <p:cNvSpPr txBox="1"/>
+          <p:nvPr/>
+        </p:nvSpPr>
+        <p:spPr>
+          <a:xfrm>
+            <a:off x="5148064" y="1844824"/>
+            <a:ext cx="1083875" cy="369332"/>
+          </a:xfrm>
+          <a:prstGeom prst="rect">
+            <a:avLst/>
+          </a:prstGeom>
+          <a:noFill/>
+        </p:spPr>
+        <p:txBody>
+          <a:bodyPr wrap="none" rtlCol="0">
+            <a:spAutoFit/>
+          </a:bodyPr>
+          <a:lstStyle/>
+          <a:p>
+            <a:r>
+              <a:rPr lang="da-DK" dirty="0" smtClean="0"/>
+              <a:t>First level</a:t>
+            </a:r>
+            <a:endParaRPr lang="da-DK" dirty="0"/>
+          </a:p>
+        </p:txBody>
+      </p:sp>
+      <p:sp>
+        <p:nvSpPr>
+          <p:cNvPr id="21" name="Tekstfelt 20"/>
+          <p:cNvSpPr txBox="1"/>
+          <p:nvPr/>
+        </p:nvSpPr>
+        <p:spPr>
+          <a:xfrm>
+            <a:off x="5652120" y="2780928"/>
+            <a:ext cx="1359567" cy="369332"/>
+          </a:xfrm>
+          <a:prstGeom prst="rect">
+            <a:avLst/>
+          </a:prstGeom>
+          <a:noFill/>
+        </p:spPr>
+        <p:txBody>
+          <a:bodyPr wrap="none" rtlCol="0">
+            <a:spAutoFit/>
+          </a:bodyPr>
+          <a:lstStyle/>
+          <a:p>
+            <a:r>
+              <a:rPr lang="da-DK" dirty="0" smtClean="0"/>
+              <a:t>Second level</a:t>
+            </a:r>
+            <a:endParaRPr lang="da-DK" dirty="0"/>
+          </a:p>
+        </p:txBody>
+      </p:sp>
+      <p:sp>
+        <p:nvSpPr>
+          <p:cNvPr id="22" name="Tekstfelt 21"/>
+          <p:cNvSpPr txBox="1"/>
+          <p:nvPr/>
+        </p:nvSpPr>
+        <p:spPr>
+          <a:xfrm>
+            <a:off x="6372200" y="3789040"/>
+            <a:ext cx="1165253" cy="369332"/>
+          </a:xfrm>
+          <a:prstGeom prst="rect">
+            <a:avLst/>
+          </a:prstGeom>
+          <a:noFill/>
+        </p:spPr>
+        <p:txBody>
+          <a:bodyPr wrap="none" rtlCol="0">
+            <a:spAutoFit/>
+          </a:bodyPr>
+          <a:lstStyle/>
+          <a:p>
+            <a:r>
+              <a:rPr lang="da-DK" dirty="0" smtClean="0"/>
+              <a:t>Third level</a:t>
+            </a:r>
+            <a:endParaRPr lang="da-DK" dirty="0"/>
+          </a:p>
+        </p:txBody>
+      </p:sp>
+      <p:sp>
+        <p:nvSpPr>
+          <p:cNvPr id="31" name="Tekstfelt 30"/>
+          <p:cNvSpPr txBox="1"/>
+          <p:nvPr/>
+        </p:nvSpPr>
+        <p:spPr>
+          <a:xfrm>
+            <a:off x="6372200" y="4581128"/>
+            <a:ext cx="1304902" cy="369332"/>
+          </a:xfrm>
+          <a:prstGeom prst="rect">
+            <a:avLst/>
+          </a:prstGeom>
+          <a:noFill/>
+        </p:spPr>
+        <p:txBody>
+          <a:bodyPr wrap="none" rtlCol="0">
+            <a:spAutoFit/>
+          </a:bodyPr>
+          <a:lstStyle/>
+          <a:p>
+            <a:r>
+              <a:rPr lang="da-DK" dirty="0" smtClean="0"/>
+              <a:t>Fourth </a:t>
+            </a:r>
+            <a:r>
+              <a:rPr lang="da-DK" dirty="0" smtClean="0"/>
+              <a:t>level</a:t>
+            </a:r>
+            <a:endParaRPr lang="da-DK" dirty="0"/>
+          </a:p>
+        </p:txBody>
+      </p:sp>
+    </p:spTree>
+    <p:extLst>
+      <p:ext uri="{BB962C8B-B14F-4D97-AF65-F5344CB8AC3E}">
+        <p14:creationId xmlns:p14="http://schemas.microsoft.com/office/powerpoint/2010/main" val="700188050"/>
+      </p:ext>
+    </p:extLst>
+  </p:cSld>
+  <p:clrMapOvr>
+    <a:masterClrMapping/>
+  </p:clrMapOvr>
+</p:sld>
+</file>
+
 <file path=ppt/theme/theme1.xml><?xml version="1.0" encoding="utf-8"?>
 <a:theme xmlns:a="http://schemas.openxmlformats.org/drawingml/2006/main" name="Office-tema">
   <a:themeElements>

--- a/Rapport/figures/Golf_course_1_representation.pptx
+++ b/Rapport/figures/Golf_course_1_representation.pptx
@@ -6,8 +6,10 @@
   </p:sldMasterIdLst>
   <p:sldIdLst>
     <p:sldId id="256" r:id="rId2"/>
-    <p:sldId id="257" r:id="rId3"/>
-    <p:sldId id="258" r:id="rId4"/>
+    <p:sldId id="259" r:id="rId3"/>
+    <p:sldId id="260" r:id="rId4"/>
+    <p:sldId id="257" r:id="rId5"/>
+    <p:sldId id="258" r:id="rId6"/>
   </p:sldIdLst>
   <p:sldSz cx="9144000" cy="6858000" type="screen4x3"/>
   <p:notesSz cx="6858000" cy="9144000"/>
@@ -290,7 +292,7 @@
           <a:p>
             <a:fld id="{4751A7D4-8245-46D1-BEB1-C49E0A45E190}" type="datetimeFigureOut">
               <a:rPr lang="nb-NO" smtClean="0"/>
-              <a:t>15/10/15</a:t>
+              <a:t>30/10/15</a:t>
             </a:fld>
             <a:endParaRPr lang="nb-NO"/>
           </a:p>
@@ -460,7 +462,7 @@
           <a:p>
             <a:fld id="{4751A7D4-8245-46D1-BEB1-C49E0A45E190}" type="datetimeFigureOut">
               <a:rPr lang="nb-NO" smtClean="0"/>
-              <a:t>15/10/15</a:t>
+              <a:t>30/10/15</a:t>
             </a:fld>
             <a:endParaRPr lang="nb-NO"/>
           </a:p>
@@ -640,7 +642,7 @@
           <a:p>
             <a:fld id="{4751A7D4-8245-46D1-BEB1-C49E0A45E190}" type="datetimeFigureOut">
               <a:rPr lang="nb-NO" smtClean="0"/>
-              <a:t>15/10/15</a:t>
+              <a:t>30/10/15</a:t>
             </a:fld>
             <a:endParaRPr lang="nb-NO"/>
           </a:p>
@@ -810,7 +812,7 @@
           <a:p>
             <a:fld id="{4751A7D4-8245-46D1-BEB1-C49E0A45E190}" type="datetimeFigureOut">
               <a:rPr lang="nb-NO" smtClean="0"/>
-              <a:t>15/10/15</a:t>
+              <a:t>30/10/15</a:t>
             </a:fld>
             <a:endParaRPr lang="nb-NO"/>
           </a:p>
@@ -1056,7 +1058,7 @@
           <a:p>
             <a:fld id="{4751A7D4-8245-46D1-BEB1-C49E0A45E190}" type="datetimeFigureOut">
               <a:rPr lang="nb-NO" smtClean="0"/>
-              <a:t>15/10/15</a:t>
+              <a:t>30/10/15</a:t>
             </a:fld>
             <a:endParaRPr lang="nb-NO"/>
           </a:p>
@@ -1344,7 +1346,7 @@
           <a:p>
             <a:fld id="{4751A7D4-8245-46D1-BEB1-C49E0A45E190}" type="datetimeFigureOut">
               <a:rPr lang="nb-NO" smtClean="0"/>
-              <a:t>15/10/15</a:t>
+              <a:t>30/10/15</a:t>
             </a:fld>
             <a:endParaRPr lang="nb-NO"/>
           </a:p>
@@ -1766,7 +1768,7 @@
           <a:p>
             <a:fld id="{4751A7D4-8245-46D1-BEB1-C49E0A45E190}" type="datetimeFigureOut">
               <a:rPr lang="nb-NO" smtClean="0"/>
-              <a:t>15/10/15</a:t>
+              <a:t>30/10/15</a:t>
             </a:fld>
             <a:endParaRPr lang="nb-NO"/>
           </a:p>
@@ -1884,7 +1886,7 @@
           <a:p>
             <a:fld id="{4751A7D4-8245-46D1-BEB1-C49E0A45E190}" type="datetimeFigureOut">
               <a:rPr lang="nb-NO" smtClean="0"/>
-              <a:t>15/10/15</a:t>
+              <a:t>30/10/15</a:t>
             </a:fld>
             <a:endParaRPr lang="nb-NO"/>
           </a:p>
@@ -1979,7 +1981,7 @@
           <a:p>
             <a:fld id="{4751A7D4-8245-46D1-BEB1-C49E0A45E190}" type="datetimeFigureOut">
               <a:rPr lang="nb-NO" smtClean="0"/>
-              <a:t>15/10/15</a:t>
+              <a:t>30/10/15</a:t>
             </a:fld>
             <a:endParaRPr lang="nb-NO"/>
           </a:p>
@@ -2256,7 +2258,7 @@
           <a:p>
             <a:fld id="{4751A7D4-8245-46D1-BEB1-C49E0A45E190}" type="datetimeFigureOut">
               <a:rPr lang="nb-NO" smtClean="0"/>
-              <a:t>15/10/15</a:t>
+              <a:t>30/10/15</a:t>
             </a:fld>
             <a:endParaRPr lang="nb-NO"/>
           </a:p>
@@ -2509,7 +2511,7 @@
           <a:p>
             <a:fld id="{4751A7D4-8245-46D1-BEB1-C49E0A45E190}" type="datetimeFigureOut">
               <a:rPr lang="nb-NO" smtClean="0"/>
-              <a:t>15/10/15</a:t>
+              <a:t>30/10/15</a:t>
             </a:fld>
             <a:endParaRPr lang="nb-NO"/>
           </a:p>
@@ -2722,7 +2724,7 @@
           <a:p>
             <a:fld id="{4751A7D4-8245-46D1-BEB1-C49E0A45E190}" type="datetimeFigureOut">
               <a:rPr lang="nb-NO" smtClean="0"/>
-              <a:t>15/10/15</a:t>
+              <a:t>30/10/15</a:t>
             </a:fld>
             <a:endParaRPr lang="nb-NO"/>
           </a:p>
@@ -4184,19 +4186,18 @@
       </p:grpSpPr>
       <p:sp>
         <p:nvSpPr>
-          <p:cNvPr id="6" name="Tekstfelt 5"/>
-          <p:cNvSpPr txBox="1"/>
-          <p:nvPr/>
-        </p:nvSpPr>
-        <p:spPr>
-          <a:xfrm>
-            <a:off x="3131840" y="404664"/>
-            <a:ext cx="1080120" cy="1070035"/>
-          </a:xfrm>
-          <a:prstGeom prst="ellipse">
-            <a:avLst/>
-          </a:prstGeom>
-          <a:effectLst/>
+          <p:cNvPr id="4" name="Rektangel 3"/>
+          <p:cNvSpPr/>
+          <p:nvPr/>
+        </p:nvSpPr>
+        <p:spPr>
+          <a:xfrm>
+            <a:off x="3635896" y="1700808"/>
+            <a:ext cx="1872208" cy="936104"/>
+          </a:xfrm>
+          <a:prstGeom prst="rect">
+            <a:avLst/>
+          </a:prstGeom>
         </p:spPr>
         <p:style>
           <a:lnRef idx="3">
@@ -4213,63 +4214,32 @@
           </a:fontRef>
         </p:style>
         <p:txBody>
-          <a:bodyPr wrap="square" rtlCol="0">
-            <a:spAutoFit/>
-          </a:bodyPr>
-          <a:lstStyle/>
-          <a:p>
+          <a:bodyPr rtlCol="0" anchor="ctr"/>
+          <a:lstStyle/>
+          <a:p>
+            <a:pPr algn="ctr"/>
+            <a:r>
+              <a:rPr lang="da-DK" dirty="0" smtClean="0"/>
+              <a:t>Main</a:t>
+            </a:r>
             <a:endParaRPr lang="da-DK" dirty="0"/>
           </a:p>
         </p:txBody>
       </p:sp>
       <p:sp>
         <p:nvSpPr>
-          <p:cNvPr id="7" name="Tekstfelt 6"/>
-          <p:cNvSpPr txBox="1"/>
-          <p:nvPr/>
-        </p:nvSpPr>
-        <p:spPr>
-          <a:xfrm>
-            <a:off x="3275856" y="764704"/>
-            <a:ext cx="840194" cy="369332"/>
+          <p:cNvPr id="5" name="Rektangel 4"/>
+          <p:cNvSpPr/>
+          <p:nvPr/>
+        </p:nvSpPr>
+        <p:spPr>
+          <a:xfrm>
+            <a:off x="3635896" y="2996952"/>
+            <a:ext cx="1872208" cy="936104"/>
           </a:xfrm>
           <a:prstGeom prst="rect">
             <a:avLst/>
           </a:prstGeom>
-          <a:noFill/>
-        </p:spPr>
-        <p:txBody>
-          <a:bodyPr wrap="none" rtlCol="0">
-            <a:spAutoFit/>
-          </a:bodyPr>
-          <a:lstStyle/>
-          <a:p>
-            <a:r>
-              <a:rPr lang="da-DK" dirty="0" smtClean="0">
-                <a:solidFill>
-                  <a:schemeClr val="bg1"/>
-                </a:solidFill>
-              </a:rPr>
-              <a:t>MN (1)</a:t>
-            </a:r>
-          </a:p>
-        </p:txBody>
-      </p:sp>
-      <p:sp>
-        <p:nvSpPr>
-          <p:cNvPr id="10" name="Tekstfelt 9"/>
-          <p:cNvSpPr txBox="1"/>
-          <p:nvPr/>
-        </p:nvSpPr>
-        <p:spPr>
-          <a:xfrm>
-            <a:off x="3419872" y="1772816"/>
-            <a:ext cx="504056" cy="519351"/>
-          </a:xfrm>
-          <a:prstGeom prst="ellipse">
-            <a:avLst/>
-          </a:prstGeom>
-          <a:effectLst/>
         </p:spPr>
         <p:style>
           <a:lnRef idx="3">
@@ -4286,15 +4256,13 @@
           </a:fontRef>
         </p:style>
         <p:txBody>
-          <a:bodyPr wrap="square" rtlCol="0">
-            <a:spAutoFit/>
-          </a:bodyPr>
+          <a:bodyPr rtlCol="0" anchor="ctr"/>
           <a:lstStyle/>
           <a:p>
             <a:pPr algn="ctr"/>
             <a:r>
               <a:rPr lang="da-DK" dirty="0" smtClean="0"/>
-              <a:t>2</a:t>
+              <a:t>PacketHandler</a:t>
             </a:r>
             <a:endParaRPr lang="da-DK" dirty="0"/>
           </a:p>
@@ -4302,19 +4270,18 @@
       </p:sp>
       <p:sp>
         <p:nvSpPr>
-          <p:cNvPr id="14" name="Tekstfelt 13"/>
-          <p:cNvSpPr txBox="1"/>
-          <p:nvPr/>
-        </p:nvSpPr>
-        <p:spPr>
-          <a:xfrm>
-            <a:off x="2627784" y="2708920"/>
-            <a:ext cx="504056" cy="519351"/>
-          </a:xfrm>
-          <a:prstGeom prst="ellipse">
-            <a:avLst/>
-          </a:prstGeom>
-          <a:effectLst/>
+          <p:cNvPr id="6" name="Rektangel 5"/>
+          <p:cNvSpPr/>
+          <p:nvPr/>
+        </p:nvSpPr>
+        <p:spPr>
+          <a:xfrm>
+            <a:off x="3635896" y="4293096"/>
+            <a:ext cx="1872208" cy="936104"/>
+          </a:xfrm>
+          <a:prstGeom prst="rect">
+            <a:avLst/>
+          </a:prstGeom>
         </p:spPr>
         <p:style>
           <a:lnRef idx="3">
@@ -4331,15 +4298,13 @@
           </a:fontRef>
         </p:style>
         <p:txBody>
-          <a:bodyPr wrap="square" rtlCol="0">
-            <a:spAutoFit/>
-          </a:bodyPr>
+          <a:bodyPr rtlCol="0" anchor="ctr"/>
           <a:lstStyle/>
           <a:p>
             <a:pPr algn="ctr"/>
             <a:r>
               <a:rPr lang="da-DK" dirty="0" smtClean="0"/>
-              <a:t>3</a:t>
+              <a:t>Packet</a:t>
             </a:r>
             <a:endParaRPr lang="da-DK" dirty="0"/>
           </a:p>
@@ -4347,19 +4312,18 @@
       </p:sp>
       <p:sp>
         <p:nvSpPr>
-          <p:cNvPr id="17" name="Tekstfelt 16"/>
-          <p:cNvSpPr txBox="1"/>
-          <p:nvPr/>
-        </p:nvSpPr>
-        <p:spPr>
-          <a:xfrm>
-            <a:off x="4211960" y="2708920"/>
-            <a:ext cx="504056" cy="519351"/>
-          </a:xfrm>
-          <a:prstGeom prst="ellipse">
-            <a:avLst/>
-          </a:prstGeom>
-          <a:effectLst/>
+          <p:cNvPr id="7" name="Rektangel 6"/>
+          <p:cNvSpPr/>
+          <p:nvPr/>
+        </p:nvSpPr>
+        <p:spPr>
+          <a:xfrm>
+            <a:off x="5868144" y="2996952"/>
+            <a:ext cx="1872208" cy="936104"/>
+          </a:xfrm>
+          <a:prstGeom prst="rect">
+            <a:avLst/>
+          </a:prstGeom>
         </p:spPr>
         <p:style>
           <a:lnRef idx="3">
@@ -4376,35 +4340,31 @@
           </a:fontRef>
         </p:style>
         <p:txBody>
-          <a:bodyPr wrap="square" rtlCol="0">
-            <a:spAutoFit/>
-          </a:bodyPr>
+          <a:bodyPr rtlCol="0" anchor="ctr"/>
           <a:lstStyle/>
           <a:p>
             <a:pPr algn="ctr"/>
             <a:r>
               <a:rPr lang="da-DK" dirty="0" smtClean="0"/>
-              <a:t>4</a:t>
-            </a:r>
-            <a:endParaRPr lang="da-DK" dirty="0"/>
-          </a:p>
-        </p:txBody>
-      </p:sp>
-      <p:sp>
-        <p:nvSpPr>
-          <p:cNvPr id="18" name="Tekstfelt 17"/>
-          <p:cNvSpPr txBox="1"/>
-          <p:nvPr/>
-        </p:nvSpPr>
-        <p:spPr>
-          <a:xfrm>
-            <a:off x="1763688" y="3645024"/>
-            <a:ext cx="504056" cy="519351"/>
-          </a:xfrm>
-          <a:prstGeom prst="ellipse">
-            <a:avLst/>
-          </a:prstGeom>
-          <a:effectLst/>
+              <a:t>Radio</a:t>
+            </a:r>
+          </a:p>
+        </p:txBody>
+      </p:sp>
+      <p:sp>
+        <p:nvSpPr>
+          <p:cNvPr id="8" name="Rektangel 7"/>
+          <p:cNvSpPr/>
+          <p:nvPr/>
+        </p:nvSpPr>
+        <p:spPr>
+          <a:xfrm>
+            <a:off x="1403648" y="2996952"/>
+            <a:ext cx="1872208" cy="936104"/>
+          </a:xfrm>
+          <a:prstGeom prst="rect">
+            <a:avLst/>
+          </a:prstGeom>
         </p:spPr>
         <p:style>
           <a:lnRef idx="3">
@@ -4421,168 +4381,30 @@
           </a:fontRef>
         </p:style>
         <p:txBody>
-          <a:bodyPr wrap="square" rtlCol="0">
-            <a:spAutoFit/>
-          </a:bodyPr>
+          <a:bodyPr rtlCol="0" anchor="ctr"/>
           <a:lstStyle/>
           <a:p>
             <a:pPr algn="ctr"/>
             <a:r>
               <a:rPr lang="da-DK" dirty="0" smtClean="0"/>
-              <a:t>5</a:t>
-            </a:r>
-            <a:endParaRPr lang="da-DK" dirty="0"/>
-          </a:p>
-        </p:txBody>
-      </p:sp>
-      <p:sp>
-        <p:nvSpPr>
-          <p:cNvPr id="19" name="Tekstfelt 18"/>
-          <p:cNvSpPr txBox="1"/>
-          <p:nvPr/>
-        </p:nvSpPr>
-        <p:spPr>
-          <a:xfrm>
-            <a:off x="2627784" y="3789040"/>
-            <a:ext cx="504056" cy="519351"/>
-          </a:xfrm>
-          <a:prstGeom prst="ellipse">
-            <a:avLst/>
-          </a:prstGeom>
-          <a:effectLst/>
-        </p:spPr>
-        <p:style>
-          <a:lnRef idx="3">
-            <a:schemeClr val="lt1"/>
-          </a:lnRef>
-          <a:fillRef idx="1">
-            <a:schemeClr val="accent1"/>
-          </a:fillRef>
-          <a:effectRef idx="1">
-            <a:schemeClr val="accent1"/>
-          </a:effectRef>
-          <a:fontRef idx="minor">
-            <a:schemeClr val="lt1"/>
-          </a:fontRef>
-        </p:style>
-        <p:txBody>
-          <a:bodyPr wrap="square" rtlCol="0">
-            <a:spAutoFit/>
-          </a:bodyPr>
-          <a:lstStyle/>
-          <a:p>
-            <a:pPr algn="ctr"/>
-            <a:r>
-              <a:rPr lang="da-DK" dirty="0" smtClean="0"/>
-              <a:t>6</a:t>
-            </a:r>
-            <a:endParaRPr lang="da-DK" dirty="0"/>
-          </a:p>
-        </p:txBody>
-      </p:sp>
-      <p:sp>
-        <p:nvSpPr>
-          <p:cNvPr id="20" name="Tekstfelt 19"/>
-          <p:cNvSpPr txBox="1"/>
-          <p:nvPr/>
-        </p:nvSpPr>
-        <p:spPr>
-          <a:xfrm>
-            <a:off x="3491880" y="3645024"/>
-            <a:ext cx="504056" cy="519351"/>
-          </a:xfrm>
-          <a:prstGeom prst="ellipse">
-            <a:avLst/>
-          </a:prstGeom>
-          <a:effectLst/>
-        </p:spPr>
-        <p:style>
-          <a:lnRef idx="3">
-            <a:schemeClr val="lt1"/>
-          </a:lnRef>
-          <a:fillRef idx="1">
-            <a:schemeClr val="accent1"/>
-          </a:fillRef>
-          <a:effectRef idx="1">
-            <a:schemeClr val="accent1"/>
-          </a:effectRef>
-          <a:fontRef idx="minor">
-            <a:schemeClr val="lt1"/>
-          </a:fontRef>
-        </p:style>
-        <p:txBody>
-          <a:bodyPr wrap="square" rtlCol="0">
-            <a:spAutoFit/>
-          </a:bodyPr>
-          <a:lstStyle/>
-          <a:p>
-            <a:pPr algn="ctr"/>
-            <a:r>
-              <a:rPr lang="da-DK" dirty="0" smtClean="0"/>
-              <a:t>7</a:t>
-            </a:r>
-            <a:endParaRPr lang="da-DK" dirty="0"/>
-          </a:p>
-        </p:txBody>
-      </p:sp>
-      <p:sp>
-        <p:nvSpPr>
-          <p:cNvPr id="21" name="Tekstfelt 20"/>
-          <p:cNvSpPr txBox="1"/>
-          <p:nvPr/>
-        </p:nvSpPr>
-        <p:spPr>
-          <a:xfrm>
-            <a:off x="5004048" y="3645024"/>
-            <a:ext cx="504056" cy="519351"/>
-          </a:xfrm>
-          <a:prstGeom prst="ellipse">
-            <a:avLst/>
-          </a:prstGeom>
-          <a:effectLst/>
-        </p:spPr>
-        <p:style>
-          <a:lnRef idx="3">
-            <a:schemeClr val="lt1"/>
-          </a:lnRef>
-          <a:fillRef idx="1">
-            <a:schemeClr val="accent1"/>
-          </a:fillRef>
-          <a:effectRef idx="1">
-            <a:schemeClr val="accent1"/>
-          </a:effectRef>
-          <a:fontRef idx="minor">
-            <a:schemeClr val="lt1"/>
-          </a:fontRef>
-        </p:style>
-        <p:txBody>
-          <a:bodyPr wrap="square" rtlCol="0">
-            <a:spAutoFit/>
-          </a:bodyPr>
-          <a:lstStyle/>
-          <a:p>
-            <a:pPr algn="ctr"/>
-            <a:r>
-              <a:rPr lang="da-DK" dirty="0" smtClean="0"/>
-              <a:t>8</a:t>
-            </a:r>
-            <a:endParaRPr lang="da-DK" dirty="0"/>
+              <a:t>Sensor</a:t>
+            </a:r>
           </a:p>
         </p:txBody>
       </p:sp>
       <p:cxnSp>
         <p:nvCxnSpPr>
-          <p:cNvPr id="23" name="Lige forbindelse 22"/>
+          <p:cNvPr id="12" name="Lige forbindelse 11"/>
           <p:cNvCxnSpPr>
-            <a:stCxn id="6" idx="4"/>
-            <a:endCxn id="10" idx="0"/>
+            <a:stCxn id="7" idx="1"/>
+            <a:endCxn id="5" idx="3"/>
           </p:cNvCxnSpPr>
           <p:nvPr/>
         </p:nvCxnSpPr>
         <p:spPr>
-          <a:xfrm>
-            <a:off x="3671900" y="1474699"/>
-            <a:ext cx="0" cy="298117"/>
+          <a:xfrm flipH="1">
+            <a:off x="5508104" y="3465004"/>
+            <a:ext cx="360040" cy="0"/>
           </a:xfrm>
           <a:prstGeom prst="line">
             <a:avLst/>
@@ -4605,17 +4427,17 @@
       </p:cxnSp>
       <p:cxnSp>
         <p:nvCxnSpPr>
-          <p:cNvPr id="26" name="Lige forbindelse 25"/>
+          <p:cNvPr id="14" name="Lige forbindelse 13"/>
           <p:cNvCxnSpPr>
-            <a:stCxn id="10" idx="5"/>
-            <a:endCxn id="17" idx="1"/>
+            <a:stCxn id="8" idx="3"/>
+            <a:endCxn id="5" idx="1"/>
           </p:cNvCxnSpPr>
           <p:nvPr/>
         </p:nvCxnSpPr>
         <p:spPr>
           <a:xfrm>
-            <a:off x="3850111" y="2216110"/>
-            <a:ext cx="435666" cy="568867"/>
+            <a:off x="3275856" y="3465004"/>
+            <a:ext cx="360040" cy="0"/>
           </a:xfrm>
           <a:prstGeom prst="line">
             <a:avLst/>
@@ -4638,17 +4460,17 @@
       </p:cxnSp>
       <p:cxnSp>
         <p:nvCxnSpPr>
-          <p:cNvPr id="28" name="Lige forbindelse 27"/>
+          <p:cNvPr id="19" name="Lige forbindelse 18"/>
           <p:cNvCxnSpPr>
-            <a:stCxn id="17" idx="5"/>
-            <a:endCxn id="21" idx="1"/>
+            <a:stCxn id="5" idx="2"/>
+            <a:endCxn id="6" idx="0"/>
           </p:cNvCxnSpPr>
           <p:nvPr/>
         </p:nvCxnSpPr>
         <p:spPr>
           <a:xfrm>
-            <a:off x="4642199" y="3152214"/>
-            <a:ext cx="435666" cy="568867"/>
+            <a:off x="4572000" y="3933056"/>
+            <a:ext cx="0" cy="360040"/>
           </a:xfrm>
           <a:prstGeom prst="line">
             <a:avLst/>
@@ -4671,17 +4493,17 @@
       </p:cxnSp>
       <p:cxnSp>
         <p:nvCxnSpPr>
-          <p:cNvPr id="31" name="Lige forbindelse 30"/>
+          <p:cNvPr id="21" name="Lige forbindelse 20"/>
           <p:cNvCxnSpPr>
-            <a:stCxn id="10" idx="3"/>
-            <a:endCxn id="14" idx="7"/>
+            <a:stCxn id="4" idx="2"/>
+            <a:endCxn id="5" idx="0"/>
           </p:cNvCxnSpPr>
           <p:nvPr/>
         </p:nvCxnSpPr>
         <p:spPr>
-          <a:xfrm flipH="1">
-            <a:off x="3058023" y="2216110"/>
-            <a:ext cx="435666" cy="568867"/>
+          <a:xfrm>
+            <a:off x="4572000" y="2636912"/>
+            <a:ext cx="0" cy="360040"/>
           </a:xfrm>
           <a:prstGeom prst="line">
             <a:avLst/>
@@ -4704,21 +4526,141 @@
       </p:cxnSp>
       <p:cxnSp>
         <p:nvCxnSpPr>
-          <p:cNvPr id="33" name="Lige forbindelse 32"/>
+          <p:cNvPr id="23" name="Vinklet forbindelse 22"/>
           <p:cNvCxnSpPr>
-            <a:stCxn id="14" idx="3"/>
-            <a:endCxn id="18" idx="7"/>
+            <a:stCxn id="7" idx="2"/>
+            <a:endCxn id="6" idx="3"/>
           </p:cNvCxnSpPr>
           <p:nvPr/>
         </p:nvCxnSpPr>
         <p:spPr>
-          <a:xfrm flipH="1">
-            <a:off x="2193927" y="3152214"/>
-            <a:ext cx="507674" cy="568867"/>
-          </a:xfrm>
-          <a:prstGeom prst="line">
-            <a:avLst/>
-          </a:prstGeom>
+          <a:xfrm rot="5400000">
+            <a:off x="5742130" y="3699030"/>
+            <a:ext cx="828092" cy="1296144"/>
+          </a:xfrm>
+          <a:prstGeom prst="bentConnector2">
+            <a:avLst/>
+          </a:prstGeom>
+        </p:spPr>
+        <p:style>
+          <a:lnRef idx="2">
+            <a:schemeClr val="accent1"/>
+          </a:lnRef>
+          <a:fillRef idx="0">
+            <a:schemeClr val="accent1"/>
+          </a:fillRef>
+          <a:effectRef idx="1">
+            <a:schemeClr val="accent1"/>
+          </a:effectRef>
+          <a:fontRef idx="minor">
+            <a:schemeClr val="tx1"/>
+          </a:fontRef>
+        </p:style>
+      </p:cxnSp>
+      <p:sp>
+        <p:nvSpPr>
+          <p:cNvPr id="13" name="Rektangel 12"/>
+          <p:cNvSpPr/>
+          <p:nvPr/>
+        </p:nvSpPr>
+        <p:spPr>
+          <a:xfrm>
+            <a:off x="1403648" y="1700808"/>
+            <a:ext cx="1872208" cy="936104"/>
+          </a:xfrm>
+          <a:prstGeom prst="rect">
+            <a:avLst/>
+          </a:prstGeom>
+        </p:spPr>
+        <p:style>
+          <a:lnRef idx="3">
+            <a:schemeClr val="lt1"/>
+          </a:lnRef>
+          <a:fillRef idx="1">
+            <a:schemeClr val="accent1"/>
+          </a:fillRef>
+          <a:effectRef idx="1">
+            <a:schemeClr val="accent1"/>
+          </a:effectRef>
+          <a:fontRef idx="minor">
+            <a:schemeClr val="lt1"/>
+          </a:fontRef>
+        </p:style>
+        <p:txBody>
+          <a:bodyPr rtlCol="0" anchor="ctr"/>
+          <a:lstStyle/>
+          <a:p>
+            <a:pPr algn="ctr"/>
+            <a:r>
+              <a:rPr lang="da-DK" dirty="0" smtClean="0"/>
+              <a:t>iSensor</a:t>
+            </a:r>
+            <a:endParaRPr lang="da-DK" dirty="0"/>
+          </a:p>
+        </p:txBody>
+      </p:sp>
+      <p:sp>
+        <p:nvSpPr>
+          <p:cNvPr id="15" name="Rektangel 14"/>
+          <p:cNvSpPr/>
+          <p:nvPr/>
+        </p:nvSpPr>
+        <p:spPr>
+          <a:xfrm>
+            <a:off x="5868144" y="1700808"/>
+            <a:ext cx="1872208" cy="936104"/>
+          </a:xfrm>
+          <a:prstGeom prst="rect">
+            <a:avLst/>
+          </a:prstGeom>
+        </p:spPr>
+        <p:style>
+          <a:lnRef idx="3">
+            <a:schemeClr val="lt1"/>
+          </a:lnRef>
+          <a:fillRef idx="1">
+            <a:schemeClr val="accent1"/>
+          </a:fillRef>
+          <a:effectRef idx="1">
+            <a:schemeClr val="accent1"/>
+          </a:effectRef>
+          <a:fontRef idx="minor">
+            <a:schemeClr val="lt1"/>
+          </a:fontRef>
+        </p:style>
+        <p:txBody>
+          <a:bodyPr rtlCol="0" anchor="ctr"/>
+          <a:lstStyle/>
+          <a:p>
+            <a:pPr algn="ctr"/>
+            <a:r>
+              <a:rPr lang="da-DK" dirty="0" smtClean="0"/>
+              <a:t>iRadio</a:t>
+            </a:r>
+            <a:endParaRPr lang="da-DK" dirty="0"/>
+          </a:p>
+        </p:txBody>
+      </p:sp>
+      <p:cxnSp>
+        <p:nvCxnSpPr>
+          <p:cNvPr id="3" name="Lige pilforbindelse 2"/>
+          <p:cNvCxnSpPr>
+            <a:stCxn id="7" idx="0"/>
+            <a:endCxn id="15" idx="2"/>
+          </p:cNvCxnSpPr>
+          <p:nvPr/>
+        </p:nvCxnSpPr>
+        <p:spPr>
+          <a:xfrm flipV="1">
+            <a:off x="6804248" y="2636912"/>
+            <a:ext cx="0" cy="360040"/>
+          </a:xfrm>
+          <a:prstGeom prst="straightConnector1">
+            <a:avLst/>
+          </a:prstGeom>
+          <a:ln>
+            <a:tailEnd type="arrow"/>
+          </a:ln>
         </p:spPr>
         <p:style>
           <a:lnRef idx="2">
@@ -4737,21 +4679,24 @@
       </p:cxnSp>
       <p:cxnSp>
         <p:nvCxnSpPr>
-          <p:cNvPr id="35" name="Lige forbindelse 34"/>
+          <p:cNvPr id="10" name="Lige pilforbindelse 9"/>
           <p:cNvCxnSpPr>
-            <a:stCxn id="14" idx="5"/>
-            <a:endCxn id="20" idx="1"/>
+            <a:stCxn id="8" idx="0"/>
+            <a:endCxn id="13" idx="2"/>
           </p:cNvCxnSpPr>
           <p:nvPr/>
         </p:nvCxnSpPr>
         <p:spPr>
-          <a:xfrm>
-            <a:off x="3058023" y="3152214"/>
-            <a:ext cx="507674" cy="568867"/>
-          </a:xfrm>
-          <a:prstGeom prst="line">
-            <a:avLst/>
-          </a:prstGeom>
+          <a:xfrm flipV="1">
+            <a:off x="2339752" y="2636912"/>
+            <a:ext cx="0" cy="360040"/>
+          </a:xfrm>
+          <a:prstGeom prst="straightConnector1">
+            <a:avLst/>
+          </a:prstGeom>
+          <a:ln>
+            <a:tailEnd type="arrow"/>
+          </a:ln>
         </p:spPr>
         <p:style>
           <a:lnRef idx="2">
@@ -4768,133 +4713,10 @@
           </a:fontRef>
         </p:style>
       </p:cxnSp>
-      <p:cxnSp>
-        <p:nvCxnSpPr>
-          <p:cNvPr id="38" name="Lige forbindelse 37"/>
-          <p:cNvCxnSpPr>
-            <a:stCxn id="14" idx="4"/>
-            <a:endCxn id="19" idx="0"/>
-          </p:cNvCxnSpPr>
-          <p:nvPr/>
-        </p:nvCxnSpPr>
-        <p:spPr>
-          <a:xfrm>
-            <a:off x="2879812" y="3228271"/>
-            <a:ext cx="0" cy="560769"/>
-          </a:xfrm>
-          <a:prstGeom prst="line">
-            <a:avLst/>
-          </a:prstGeom>
-        </p:spPr>
-        <p:style>
-          <a:lnRef idx="2">
-            <a:schemeClr val="accent1"/>
-          </a:lnRef>
-          <a:fillRef idx="0">
-            <a:schemeClr val="accent1"/>
-          </a:fillRef>
-          <a:effectRef idx="1">
-            <a:schemeClr val="accent1"/>
-          </a:effectRef>
-          <a:fontRef idx="minor">
-            <a:schemeClr val="tx1"/>
-          </a:fontRef>
-        </p:style>
-      </p:cxnSp>
-      <p:sp>
-        <p:nvSpPr>
-          <p:cNvPr id="39" name="Tekstfelt 38"/>
-          <p:cNvSpPr txBox="1"/>
-          <p:nvPr/>
-        </p:nvSpPr>
-        <p:spPr>
-          <a:xfrm>
-            <a:off x="5148064" y="1844824"/>
-            <a:ext cx="1083875" cy="369332"/>
-          </a:xfrm>
-          <a:prstGeom prst="rect">
-            <a:avLst/>
-          </a:prstGeom>
-          <a:noFill/>
-        </p:spPr>
-        <p:txBody>
-          <a:bodyPr wrap="none" rtlCol="0">
-            <a:spAutoFit/>
-          </a:bodyPr>
-          <a:lstStyle/>
-          <a:p>
-            <a:r>
-              <a:rPr lang="da-DK" dirty="0" smtClean="0"/>
-              <a:t>First level</a:t>
-            </a:r>
-            <a:endParaRPr lang="da-DK" dirty="0"/>
-          </a:p>
-        </p:txBody>
-      </p:sp>
-      <p:sp>
-        <p:nvSpPr>
-          <p:cNvPr id="40" name="Tekstfelt 39"/>
-          <p:cNvSpPr txBox="1"/>
-          <p:nvPr/>
-        </p:nvSpPr>
-        <p:spPr>
-          <a:xfrm>
-            <a:off x="5652120" y="2780928"/>
-            <a:ext cx="1359567" cy="369332"/>
-          </a:xfrm>
-          <a:prstGeom prst="rect">
-            <a:avLst/>
-          </a:prstGeom>
-          <a:noFill/>
-        </p:spPr>
-        <p:txBody>
-          <a:bodyPr wrap="none" rtlCol="0">
-            <a:spAutoFit/>
-          </a:bodyPr>
-          <a:lstStyle/>
-          <a:p>
-            <a:r>
-              <a:rPr lang="da-DK" dirty="0" smtClean="0"/>
-              <a:t>Second level</a:t>
-            </a:r>
-            <a:endParaRPr lang="da-DK" dirty="0"/>
-          </a:p>
-        </p:txBody>
-      </p:sp>
-      <p:sp>
-        <p:nvSpPr>
-          <p:cNvPr id="41" name="Tekstfelt 40"/>
-          <p:cNvSpPr txBox="1"/>
-          <p:nvPr/>
-        </p:nvSpPr>
-        <p:spPr>
-          <a:xfrm>
-            <a:off x="6444208" y="3789040"/>
-            <a:ext cx="1165253" cy="369332"/>
-          </a:xfrm>
-          <a:prstGeom prst="rect">
-            <a:avLst/>
-          </a:prstGeom>
-          <a:noFill/>
-        </p:spPr>
-        <p:txBody>
-          <a:bodyPr wrap="none" rtlCol="0">
-            <a:spAutoFit/>
-          </a:bodyPr>
-          <a:lstStyle/>
-          <a:p>
-            <a:r>
-              <a:rPr lang="da-DK" dirty="0" smtClean="0"/>
-              <a:t>Third level</a:t>
-            </a:r>
-            <a:endParaRPr lang="da-DK" dirty="0"/>
-          </a:p>
-        </p:txBody>
-      </p:sp>
     </p:spTree>
     <p:extLst>
       <p:ext uri="{BB962C8B-B14F-4D97-AF65-F5344CB8AC3E}">
-        <p14:creationId xmlns:p14="http://schemas.microsoft.com/office/powerpoint/2010/main" val="3265520504"/>
+        <p14:creationId xmlns:p14="http://schemas.microsoft.com/office/powerpoint/2010/main" val="4284461619"/>
       </p:ext>
     </p:extLst>
   </p:cSld>
@@ -4923,6 +4745,1153 @@
       </p:grpSpPr>
       <p:sp>
         <p:nvSpPr>
+          <p:cNvPr id="14" name="Rektangel 13"/>
+          <p:cNvSpPr/>
+          <p:nvPr/>
+        </p:nvSpPr>
+        <p:spPr>
+          <a:xfrm>
+            <a:off x="3635896" y="1700808"/>
+            <a:ext cx="1872208" cy="936104"/>
+          </a:xfrm>
+          <a:prstGeom prst="rect">
+            <a:avLst/>
+          </a:prstGeom>
+        </p:spPr>
+        <p:style>
+          <a:lnRef idx="3">
+            <a:schemeClr val="lt1"/>
+          </a:lnRef>
+          <a:fillRef idx="1">
+            <a:schemeClr val="accent1"/>
+          </a:fillRef>
+          <a:effectRef idx="1">
+            <a:schemeClr val="accent1"/>
+          </a:effectRef>
+          <a:fontRef idx="minor">
+            <a:schemeClr val="lt1"/>
+          </a:fontRef>
+        </p:style>
+        <p:txBody>
+          <a:bodyPr rtlCol="0" anchor="ctr"/>
+          <a:lstStyle/>
+          <a:p>
+            <a:pPr algn="ctr"/>
+            <a:r>
+              <a:rPr lang="da-DK" dirty="0" smtClean="0"/>
+              <a:t>Main</a:t>
+            </a:r>
+            <a:endParaRPr lang="da-DK" dirty="0"/>
+          </a:p>
+        </p:txBody>
+      </p:sp>
+      <p:sp>
+        <p:nvSpPr>
+          <p:cNvPr id="15" name="Rektangel 14"/>
+          <p:cNvSpPr/>
+          <p:nvPr/>
+        </p:nvSpPr>
+        <p:spPr>
+          <a:xfrm>
+            <a:off x="3635896" y="2996952"/>
+            <a:ext cx="1872208" cy="936104"/>
+          </a:xfrm>
+          <a:prstGeom prst="rect">
+            <a:avLst/>
+          </a:prstGeom>
+        </p:spPr>
+        <p:style>
+          <a:lnRef idx="3">
+            <a:schemeClr val="lt1"/>
+          </a:lnRef>
+          <a:fillRef idx="1">
+            <a:schemeClr val="accent1"/>
+          </a:fillRef>
+          <a:effectRef idx="1">
+            <a:schemeClr val="accent1"/>
+          </a:effectRef>
+          <a:fontRef idx="minor">
+            <a:schemeClr val="lt1"/>
+          </a:fontRef>
+        </p:style>
+        <p:txBody>
+          <a:bodyPr rtlCol="0" anchor="ctr"/>
+          <a:lstStyle/>
+          <a:p>
+            <a:pPr algn="ctr"/>
+            <a:r>
+              <a:rPr lang="da-DK" dirty="0" smtClean="0"/>
+              <a:t>PacketHandler</a:t>
+            </a:r>
+            <a:endParaRPr lang="da-DK" dirty="0"/>
+          </a:p>
+        </p:txBody>
+      </p:sp>
+      <p:sp>
+        <p:nvSpPr>
+          <p:cNvPr id="16" name="Rektangel 15"/>
+          <p:cNvSpPr/>
+          <p:nvPr/>
+        </p:nvSpPr>
+        <p:spPr>
+          <a:xfrm>
+            <a:off x="3635896" y="4293096"/>
+            <a:ext cx="1872208" cy="936104"/>
+          </a:xfrm>
+          <a:prstGeom prst="rect">
+            <a:avLst/>
+          </a:prstGeom>
+        </p:spPr>
+        <p:style>
+          <a:lnRef idx="3">
+            <a:schemeClr val="lt1"/>
+          </a:lnRef>
+          <a:fillRef idx="1">
+            <a:schemeClr val="accent1"/>
+          </a:fillRef>
+          <a:effectRef idx="1">
+            <a:schemeClr val="accent1"/>
+          </a:effectRef>
+          <a:fontRef idx="minor">
+            <a:schemeClr val="lt1"/>
+          </a:fontRef>
+        </p:style>
+        <p:txBody>
+          <a:bodyPr rtlCol="0" anchor="ctr"/>
+          <a:lstStyle/>
+          <a:p>
+            <a:pPr algn="ctr"/>
+            <a:r>
+              <a:rPr lang="da-DK" dirty="0" smtClean="0"/>
+              <a:t>Packet</a:t>
+            </a:r>
+            <a:endParaRPr lang="da-DK" dirty="0"/>
+          </a:p>
+        </p:txBody>
+      </p:sp>
+      <p:sp>
+        <p:nvSpPr>
+          <p:cNvPr id="17" name="Rektangel 16"/>
+          <p:cNvSpPr/>
+          <p:nvPr/>
+        </p:nvSpPr>
+        <p:spPr>
+          <a:xfrm>
+            <a:off x="5868144" y="2996952"/>
+            <a:ext cx="1872208" cy="936104"/>
+          </a:xfrm>
+          <a:prstGeom prst="rect">
+            <a:avLst/>
+          </a:prstGeom>
+        </p:spPr>
+        <p:style>
+          <a:lnRef idx="3">
+            <a:schemeClr val="lt1"/>
+          </a:lnRef>
+          <a:fillRef idx="1">
+            <a:schemeClr val="accent1"/>
+          </a:fillRef>
+          <a:effectRef idx="1">
+            <a:schemeClr val="accent1"/>
+          </a:effectRef>
+          <a:fontRef idx="minor">
+            <a:schemeClr val="lt1"/>
+          </a:fontRef>
+        </p:style>
+        <p:txBody>
+          <a:bodyPr rtlCol="0" anchor="ctr"/>
+          <a:lstStyle/>
+          <a:p>
+            <a:pPr algn="ctr"/>
+            <a:r>
+              <a:rPr lang="da-DK" dirty="0" smtClean="0"/>
+              <a:t>Radio</a:t>
+            </a:r>
+            <a:endParaRPr lang="da-DK" dirty="0" smtClean="0"/>
+          </a:p>
+        </p:txBody>
+      </p:sp>
+      <p:cxnSp>
+        <p:nvCxnSpPr>
+          <p:cNvPr id="19" name="Lige forbindelse 18"/>
+          <p:cNvCxnSpPr>
+            <a:stCxn id="17" idx="1"/>
+            <a:endCxn id="15" idx="3"/>
+          </p:cNvCxnSpPr>
+          <p:nvPr/>
+        </p:nvCxnSpPr>
+        <p:spPr>
+          <a:xfrm flipH="1">
+            <a:off x="5508104" y="3465004"/>
+            <a:ext cx="360040" cy="0"/>
+          </a:xfrm>
+          <a:prstGeom prst="line">
+            <a:avLst/>
+          </a:prstGeom>
+        </p:spPr>
+        <p:style>
+          <a:lnRef idx="2">
+            <a:schemeClr val="accent1"/>
+          </a:lnRef>
+          <a:fillRef idx="0">
+            <a:schemeClr val="accent1"/>
+          </a:fillRef>
+          <a:effectRef idx="1">
+            <a:schemeClr val="accent1"/>
+          </a:effectRef>
+          <a:fontRef idx="minor">
+            <a:schemeClr val="tx1"/>
+          </a:fontRef>
+        </p:style>
+      </p:cxnSp>
+      <p:cxnSp>
+        <p:nvCxnSpPr>
+          <p:cNvPr id="21" name="Lige forbindelse 20"/>
+          <p:cNvCxnSpPr>
+            <a:stCxn id="15" idx="2"/>
+            <a:endCxn id="16" idx="0"/>
+          </p:cNvCxnSpPr>
+          <p:nvPr/>
+        </p:nvCxnSpPr>
+        <p:spPr>
+          <a:xfrm>
+            <a:off x="4572000" y="3933056"/>
+            <a:ext cx="0" cy="360040"/>
+          </a:xfrm>
+          <a:prstGeom prst="line">
+            <a:avLst/>
+          </a:prstGeom>
+        </p:spPr>
+        <p:style>
+          <a:lnRef idx="2">
+            <a:schemeClr val="accent1"/>
+          </a:lnRef>
+          <a:fillRef idx="0">
+            <a:schemeClr val="accent1"/>
+          </a:fillRef>
+          <a:effectRef idx="1">
+            <a:schemeClr val="accent1"/>
+          </a:effectRef>
+          <a:fontRef idx="minor">
+            <a:schemeClr val="tx1"/>
+          </a:fontRef>
+        </p:style>
+      </p:cxnSp>
+      <p:cxnSp>
+        <p:nvCxnSpPr>
+          <p:cNvPr id="22" name="Lige forbindelse 21"/>
+          <p:cNvCxnSpPr>
+            <a:stCxn id="14" idx="2"/>
+            <a:endCxn id="15" idx="0"/>
+          </p:cNvCxnSpPr>
+          <p:nvPr/>
+        </p:nvCxnSpPr>
+        <p:spPr>
+          <a:xfrm>
+            <a:off x="4572000" y="2636912"/>
+            <a:ext cx="0" cy="360040"/>
+          </a:xfrm>
+          <a:prstGeom prst="line">
+            <a:avLst/>
+          </a:prstGeom>
+        </p:spPr>
+        <p:style>
+          <a:lnRef idx="2">
+            <a:schemeClr val="accent1"/>
+          </a:lnRef>
+          <a:fillRef idx="0">
+            <a:schemeClr val="accent1"/>
+          </a:fillRef>
+          <a:effectRef idx="1">
+            <a:schemeClr val="accent1"/>
+          </a:effectRef>
+          <a:fontRef idx="minor">
+            <a:schemeClr val="tx1"/>
+          </a:fontRef>
+        </p:style>
+      </p:cxnSp>
+      <p:cxnSp>
+        <p:nvCxnSpPr>
+          <p:cNvPr id="23" name="Vinklet forbindelse 22"/>
+          <p:cNvCxnSpPr>
+            <a:stCxn id="17" idx="2"/>
+            <a:endCxn id="16" idx="3"/>
+          </p:cNvCxnSpPr>
+          <p:nvPr/>
+        </p:nvCxnSpPr>
+        <p:spPr>
+          <a:xfrm rot="5400000">
+            <a:off x="5742130" y="3699030"/>
+            <a:ext cx="828092" cy="1296144"/>
+          </a:xfrm>
+          <a:prstGeom prst="bentConnector2">
+            <a:avLst/>
+          </a:prstGeom>
+        </p:spPr>
+        <p:style>
+          <a:lnRef idx="2">
+            <a:schemeClr val="accent1"/>
+          </a:lnRef>
+          <a:fillRef idx="0">
+            <a:schemeClr val="accent1"/>
+          </a:fillRef>
+          <a:effectRef idx="1">
+            <a:schemeClr val="accent1"/>
+          </a:effectRef>
+          <a:fontRef idx="minor">
+            <a:schemeClr val="tx1"/>
+          </a:fontRef>
+        </p:style>
+      </p:cxnSp>
+      <p:sp>
+        <p:nvSpPr>
+          <p:cNvPr id="11" name="Rektangel 10"/>
+          <p:cNvSpPr/>
+          <p:nvPr/>
+        </p:nvSpPr>
+        <p:spPr>
+          <a:xfrm>
+            <a:off x="5868144" y="1700808"/>
+            <a:ext cx="1872208" cy="936104"/>
+          </a:xfrm>
+          <a:prstGeom prst="rect">
+            <a:avLst/>
+          </a:prstGeom>
+        </p:spPr>
+        <p:style>
+          <a:lnRef idx="3">
+            <a:schemeClr val="lt1"/>
+          </a:lnRef>
+          <a:fillRef idx="1">
+            <a:schemeClr val="accent1"/>
+          </a:fillRef>
+          <a:effectRef idx="1">
+            <a:schemeClr val="accent1"/>
+          </a:effectRef>
+          <a:fontRef idx="minor">
+            <a:schemeClr val="lt1"/>
+          </a:fontRef>
+        </p:style>
+        <p:txBody>
+          <a:bodyPr rtlCol="0" anchor="ctr"/>
+          <a:lstStyle/>
+          <a:p>
+            <a:pPr algn="ctr"/>
+            <a:r>
+              <a:rPr lang="da-DK" dirty="0" smtClean="0"/>
+              <a:t>iRadio</a:t>
+            </a:r>
+            <a:endParaRPr lang="da-DK" dirty="0"/>
+          </a:p>
+        </p:txBody>
+      </p:sp>
+      <p:cxnSp>
+        <p:nvCxnSpPr>
+          <p:cNvPr id="3" name="Lige pilforbindelse 2"/>
+          <p:cNvCxnSpPr>
+            <a:stCxn id="17" idx="0"/>
+            <a:endCxn id="11" idx="2"/>
+          </p:cNvCxnSpPr>
+          <p:nvPr/>
+        </p:nvCxnSpPr>
+        <p:spPr>
+          <a:xfrm flipV="1">
+            <a:off x="6804248" y="2636912"/>
+            <a:ext cx="0" cy="360040"/>
+          </a:xfrm>
+          <a:prstGeom prst="straightConnector1">
+            <a:avLst/>
+          </a:prstGeom>
+          <a:ln>
+            <a:tailEnd type="arrow"/>
+          </a:ln>
+        </p:spPr>
+        <p:style>
+          <a:lnRef idx="2">
+            <a:schemeClr val="accent1"/>
+          </a:lnRef>
+          <a:fillRef idx="0">
+            <a:schemeClr val="accent1"/>
+          </a:fillRef>
+          <a:effectRef idx="1">
+            <a:schemeClr val="accent1"/>
+          </a:effectRef>
+          <a:fontRef idx="minor">
+            <a:schemeClr val="tx1"/>
+          </a:fontRef>
+        </p:style>
+      </p:cxnSp>
+    </p:spTree>
+    <p:extLst>
+      <p:ext uri="{BB962C8B-B14F-4D97-AF65-F5344CB8AC3E}">
+        <p14:creationId xmlns:p14="http://schemas.microsoft.com/office/powerpoint/2010/main" val="1003446094"/>
+      </p:ext>
+    </p:extLst>
+  </p:cSld>
+  <p:clrMapOvr>
+    <a:masterClrMapping/>
+  </p:clrMapOvr>
+</p:sld>
+</file>
+
+<file path=ppt/slides/slide4.xml><?xml version="1.0" encoding="utf-8"?>
+<p:sld xmlns:a="http://schemas.openxmlformats.org/drawingml/2006/main" xmlns:r="http://schemas.openxmlformats.org/officeDocument/2006/relationships" xmlns:p="http://schemas.openxmlformats.org/presentationml/2006/main">
+  <p:cSld>
+    <p:spTree>
+      <p:nvGrpSpPr>
+        <p:cNvPr id="1" name=""/>
+        <p:cNvGrpSpPr/>
+        <p:nvPr/>
+      </p:nvGrpSpPr>
+      <p:grpSpPr>
+        <a:xfrm>
+          <a:off x="0" y="0"/>
+          <a:ext cx="0" cy="0"/>
+          <a:chOff x="0" y="0"/>
+          <a:chExt cx="0" cy="0"/>
+        </a:xfrm>
+      </p:grpSpPr>
+      <p:sp>
+        <p:nvSpPr>
+          <p:cNvPr id="6" name="Tekstfelt 5"/>
+          <p:cNvSpPr txBox="1"/>
+          <p:nvPr/>
+        </p:nvSpPr>
+        <p:spPr>
+          <a:xfrm>
+            <a:off x="3131840" y="404664"/>
+            <a:ext cx="1080120" cy="1070035"/>
+          </a:xfrm>
+          <a:prstGeom prst="ellipse">
+            <a:avLst/>
+          </a:prstGeom>
+          <a:effectLst/>
+        </p:spPr>
+        <p:style>
+          <a:lnRef idx="3">
+            <a:schemeClr val="lt1"/>
+          </a:lnRef>
+          <a:fillRef idx="1">
+            <a:schemeClr val="accent1"/>
+          </a:fillRef>
+          <a:effectRef idx="1">
+            <a:schemeClr val="accent1"/>
+          </a:effectRef>
+          <a:fontRef idx="minor">
+            <a:schemeClr val="lt1"/>
+          </a:fontRef>
+        </p:style>
+        <p:txBody>
+          <a:bodyPr wrap="square" rtlCol="0">
+            <a:spAutoFit/>
+          </a:bodyPr>
+          <a:lstStyle/>
+          <a:p>
+            <a:endParaRPr lang="da-DK" dirty="0"/>
+          </a:p>
+        </p:txBody>
+      </p:sp>
+      <p:sp>
+        <p:nvSpPr>
+          <p:cNvPr id="7" name="Tekstfelt 6"/>
+          <p:cNvSpPr txBox="1"/>
+          <p:nvPr/>
+        </p:nvSpPr>
+        <p:spPr>
+          <a:xfrm>
+            <a:off x="3275856" y="764704"/>
+            <a:ext cx="840194" cy="369332"/>
+          </a:xfrm>
+          <a:prstGeom prst="rect">
+            <a:avLst/>
+          </a:prstGeom>
+          <a:noFill/>
+        </p:spPr>
+        <p:txBody>
+          <a:bodyPr wrap="none" rtlCol="0">
+            <a:spAutoFit/>
+          </a:bodyPr>
+          <a:lstStyle/>
+          <a:p>
+            <a:r>
+              <a:rPr lang="da-DK" dirty="0" smtClean="0">
+                <a:solidFill>
+                  <a:schemeClr val="bg1"/>
+                </a:solidFill>
+              </a:rPr>
+              <a:t>MN (1)</a:t>
+            </a:r>
+          </a:p>
+        </p:txBody>
+      </p:sp>
+      <p:sp>
+        <p:nvSpPr>
+          <p:cNvPr id="10" name="Tekstfelt 9"/>
+          <p:cNvSpPr txBox="1"/>
+          <p:nvPr/>
+        </p:nvSpPr>
+        <p:spPr>
+          <a:xfrm>
+            <a:off x="3419872" y="1772816"/>
+            <a:ext cx="504056" cy="519351"/>
+          </a:xfrm>
+          <a:prstGeom prst="ellipse">
+            <a:avLst/>
+          </a:prstGeom>
+          <a:effectLst/>
+        </p:spPr>
+        <p:style>
+          <a:lnRef idx="3">
+            <a:schemeClr val="lt1"/>
+          </a:lnRef>
+          <a:fillRef idx="1">
+            <a:schemeClr val="accent1"/>
+          </a:fillRef>
+          <a:effectRef idx="1">
+            <a:schemeClr val="accent1"/>
+          </a:effectRef>
+          <a:fontRef idx="minor">
+            <a:schemeClr val="lt1"/>
+          </a:fontRef>
+        </p:style>
+        <p:txBody>
+          <a:bodyPr wrap="square" rtlCol="0">
+            <a:spAutoFit/>
+          </a:bodyPr>
+          <a:lstStyle/>
+          <a:p>
+            <a:pPr algn="ctr"/>
+            <a:r>
+              <a:rPr lang="da-DK" dirty="0" smtClean="0"/>
+              <a:t>2</a:t>
+            </a:r>
+            <a:endParaRPr lang="da-DK" dirty="0"/>
+          </a:p>
+        </p:txBody>
+      </p:sp>
+      <p:sp>
+        <p:nvSpPr>
+          <p:cNvPr id="14" name="Tekstfelt 13"/>
+          <p:cNvSpPr txBox="1"/>
+          <p:nvPr/>
+        </p:nvSpPr>
+        <p:spPr>
+          <a:xfrm>
+            <a:off x="2627784" y="2708920"/>
+            <a:ext cx="504056" cy="519351"/>
+          </a:xfrm>
+          <a:prstGeom prst="ellipse">
+            <a:avLst/>
+          </a:prstGeom>
+          <a:effectLst/>
+        </p:spPr>
+        <p:style>
+          <a:lnRef idx="3">
+            <a:schemeClr val="lt1"/>
+          </a:lnRef>
+          <a:fillRef idx="1">
+            <a:schemeClr val="accent1"/>
+          </a:fillRef>
+          <a:effectRef idx="1">
+            <a:schemeClr val="accent1"/>
+          </a:effectRef>
+          <a:fontRef idx="minor">
+            <a:schemeClr val="lt1"/>
+          </a:fontRef>
+        </p:style>
+        <p:txBody>
+          <a:bodyPr wrap="square" rtlCol="0">
+            <a:spAutoFit/>
+          </a:bodyPr>
+          <a:lstStyle/>
+          <a:p>
+            <a:pPr algn="ctr"/>
+            <a:r>
+              <a:rPr lang="da-DK" dirty="0" smtClean="0"/>
+              <a:t>3</a:t>
+            </a:r>
+            <a:endParaRPr lang="da-DK" dirty="0"/>
+          </a:p>
+        </p:txBody>
+      </p:sp>
+      <p:sp>
+        <p:nvSpPr>
+          <p:cNvPr id="17" name="Tekstfelt 16"/>
+          <p:cNvSpPr txBox="1"/>
+          <p:nvPr/>
+        </p:nvSpPr>
+        <p:spPr>
+          <a:xfrm>
+            <a:off x="4211960" y="2708920"/>
+            <a:ext cx="504056" cy="519351"/>
+          </a:xfrm>
+          <a:prstGeom prst="ellipse">
+            <a:avLst/>
+          </a:prstGeom>
+          <a:effectLst/>
+        </p:spPr>
+        <p:style>
+          <a:lnRef idx="3">
+            <a:schemeClr val="lt1"/>
+          </a:lnRef>
+          <a:fillRef idx="1">
+            <a:schemeClr val="accent1"/>
+          </a:fillRef>
+          <a:effectRef idx="1">
+            <a:schemeClr val="accent1"/>
+          </a:effectRef>
+          <a:fontRef idx="minor">
+            <a:schemeClr val="lt1"/>
+          </a:fontRef>
+        </p:style>
+        <p:txBody>
+          <a:bodyPr wrap="square" rtlCol="0">
+            <a:spAutoFit/>
+          </a:bodyPr>
+          <a:lstStyle/>
+          <a:p>
+            <a:pPr algn="ctr"/>
+            <a:r>
+              <a:rPr lang="da-DK" dirty="0" smtClean="0"/>
+              <a:t>4</a:t>
+            </a:r>
+            <a:endParaRPr lang="da-DK" dirty="0"/>
+          </a:p>
+        </p:txBody>
+      </p:sp>
+      <p:sp>
+        <p:nvSpPr>
+          <p:cNvPr id="18" name="Tekstfelt 17"/>
+          <p:cNvSpPr txBox="1"/>
+          <p:nvPr/>
+        </p:nvSpPr>
+        <p:spPr>
+          <a:xfrm>
+            <a:off x="1763688" y="3645024"/>
+            <a:ext cx="504056" cy="519351"/>
+          </a:xfrm>
+          <a:prstGeom prst="ellipse">
+            <a:avLst/>
+          </a:prstGeom>
+          <a:effectLst/>
+        </p:spPr>
+        <p:style>
+          <a:lnRef idx="3">
+            <a:schemeClr val="lt1"/>
+          </a:lnRef>
+          <a:fillRef idx="1">
+            <a:schemeClr val="accent1"/>
+          </a:fillRef>
+          <a:effectRef idx="1">
+            <a:schemeClr val="accent1"/>
+          </a:effectRef>
+          <a:fontRef idx="minor">
+            <a:schemeClr val="lt1"/>
+          </a:fontRef>
+        </p:style>
+        <p:txBody>
+          <a:bodyPr wrap="square" rtlCol="0">
+            <a:spAutoFit/>
+          </a:bodyPr>
+          <a:lstStyle/>
+          <a:p>
+            <a:pPr algn="ctr"/>
+            <a:r>
+              <a:rPr lang="da-DK" dirty="0" smtClean="0"/>
+              <a:t>5</a:t>
+            </a:r>
+            <a:endParaRPr lang="da-DK" dirty="0"/>
+          </a:p>
+        </p:txBody>
+      </p:sp>
+      <p:sp>
+        <p:nvSpPr>
+          <p:cNvPr id="19" name="Tekstfelt 18"/>
+          <p:cNvSpPr txBox="1"/>
+          <p:nvPr/>
+        </p:nvSpPr>
+        <p:spPr>
+          <a:xfrm>
+            <a:off x="2627784" y="3789040"/>
+            <a:ext cx="504056" cy="519351"/>
+          </a:xfrm>
+          <a:prstGeom prst="ellipse">
+            <a:avLst/>
+          </a:prstGeom>
+          <a:effectLst/>
+        </p:spPr>
+        <p:style>
+          <a:lnRef idx="3">
+            <a:schemeClr val="lt1"/>
+          </a:lnRef>
+          <a:fillRef idx="1">
+            <a:schemeClr val="accent1"/>
+          </a:fillRef>
+          <a:effectRef idx="1">
+            <a:schemeClr val="accent1"/>
+          </a:effectRef>
+          <a:fontRef idx="minor">
+            <a:schemeClr val="lt1"/>
+          </a:fontRef>
+        </p:style>
+        <p:txBody>
+          <a:bodyPr wrap="square" rtlCol="0">
+            <a:spAutoFit/>
+          </a:bodyPr>
+          <a:lstStyle/>
+          <a:p>
+            <a:pPr algn="ctr"/>
+            <a:r>
+              <a:rPr lang="da-DK" dirty="0" smtClean="0"/>
+              <a:t>6</a:t>
+            </a:r>
+            <a:endParaRPr lang="da-DK" dirty="0"/>
+          </a:p>
+        </p:txBody>
+      </p:sp>
+      <p:sp>
+        <p:nvSpPr>
+          <p:cNvPr id="20" name="Tekstfelt 19"/>
+          <p:cNvSpPr txBox="1"/>
+          <p:nvPr/>
+        </p:nvSpPr>
+        <p:spPr>
+          <a:xfrm>
+            <a:off x="3491880" y="3645024"/>
+            <a:ext cx="504056" cy="519351"/>
+          </a:xfrm>
+          <a:prstGeom prst="ellipse">
+            <a:avLst/>
+          </a:prstGeom>
+          <a:effectLst/>
+        </p:spPr>
+        <p:style>
+          <a:lnRef idx="3">
+            <a:schemeClr val="lt1"/>
+          </a:lnRef>
+          <a:fillRef idx="1">
+            <a:schemeClr val="accent1"/>
+          </a:fillRef>
+          <a:effectRef idx="1">
+            <a:schemeClr val="accent1"/>
+          </a:effectRef>
+          <a:fontRef idx="minor">
+            <a:schemeClr val="lt1"/>
+          </a:fontRef>
+        </p:style>
+        <p:txBody>
+          <a:bodyPr wrap="square" rtlCol="0">
+            <a:spAutoFit/>
+          </a:bodyPr>
+          <a:lstStyle/>
+          <a:p>
+            <a:pPr algn="ctr"/>
+            <a:r>
+              <a:rPr lang="da-DK" dirty="0" smtClean="0"/>
+              <a:t>7</a:t>
+            </a:r>
+            <a:endParaRPr lang="da-DK" dirty="0"/>
+          </a:p>
+        </p:txBody>
+      </p:sp>
+      <p:sp>
+        <p:nvSpPr>
+          <p:cNvPr id="21" name="Tekstfelt 20"/>
+          <p:cNvSpPr txBox="1"/>
+          <p:nvPr/>
+        </p:nvSpPr>
+        <p:spPr>
+          <a:xfrm>
+            <a:off x="5004048" y="3645024"/>
+            <a:ext cx="504056" cy="519351"/>
+          </a:xfrm>
+          <a:prstGeom prst="ellipse">
+            <a:avLst/>
+          </a:prstGeom>
+          <a:effectLst/>
+        </p:spPr>
+        <p:style>
+          <a:lnRef idx="3">
+            <a:schemeClr val="lt1"/>
+          </a:lnRef>
+          <a:fillRef idx="1">
+            <a:schemeClr val="accent1"/>
+          </a:fillRef>
+          <a:effectRef idx="1">
+            <a:schemeClr val="accent1"/>
+          </a:effectRef>
+          <a:fontRef idx="minor">
+            <a:schemeClr val="lt1"/>
+          </a:fontRef>
+        </p:style>
+        <p:txBody>
+          <a:bodyPr wrap="square" rtlCol="0">
+            <a:spAutoFit/>
+          </a:bodyPr>
+          <a:lstStyle/>
+          <a:p>
+            <a:pPr algn="ctr"/>
+            <a:r>
+              <a:rPr lang="da-DK" dirty="0" smtClean="0"/>
+              <a:t>8</a:t>
+            </a:r>
+            <a:endParaRPr lang="da-DK" dirty="0"/>
+          </a:p>
+        </p:txBody>
+      </p:sp>
+      <p:cxnSp>
+        <p:nvCxnSpPr>
+          <p:cNvPr id="23" name="Lige forbindelse 22"/>
+          <p:cNvCxnSpPr>
+            <a:stCxn id="6" idx="4"/>
+            <a:endCxn id="10" idx="0"/>
+          </p:cNvCxnSpPr>
+          <p:nvPr/>
+        </p:nvCxnSpPr>
+        <p:spPr>
+          <a:xfrm>
+            <a:off x="3671900" y="1474699"/>
+            <a:ext cx="0" cy="298117"/>
+          </a:xfrm>
+          <a:prstGeom prst="line">
+            <a:avLst/>
+          </a:prstGeom>
+        </p:spPr>
+        <p:style>
+          <a:lnRef idx="2">
+            <a:schemeClr val="accent1"/>
+          </a:lnRef>
+          <a:fillRef idx="0">
+            <a:schemeClr val="accent1"/>
+          </a:fillRef>
+          <a:effectRef idx="1">
+            <a:schemeClr val="accent1"/>
+          </a:effectRef>
+          <a:fontRef idx="minor">
+            <a:schemeClr val="tx1"/>
+          </a:fontRef>
+        </p:style>
+      </p:cxnSp>
+      <p:cxnSp>
+        <p:nvCxnSpPr>
+          <p:cNvPr id="26" name="Lige forbindelse 25"/>
+          <p:cNvCxnSpPr>
+            <a:stCxn id="10" idx="5"/>
+            <a:endCxn id="17" idx="1"/>
+          </p:cNvCxnSpPr>
+          <p:nvPr/>
+        </p:nvCxnSpPr>
+        <p:spPr>
+          <a:xfrm>
+            <a:off x="3850111" y="2216110"/>
+            <a:ext cx="435666" cy="568867"/>
+          </a:xfrm>
+          <a:prstGeom prst="line">
+            <a:avLst/>
+          </a:prstGeom>
+        </p:spPr>
+        <p:style>
+          <a:lnRef idx="2">
+            <a:schemeClr val="accent1"/>
+          </a:lnRef>
+          <a:fillRef idx="0">
+            <a:schemeClr val="accent1"/>
+          </a:fillRef>
+          <a:effectRef idx="1">
+            <a:schemeClr val="accent1"/>
+          </a:effectRef>
+          <a:fontRef idx="minor">
+            <a:schemeClr val="tx1"/>
+          </a:fontRef>
+        </p:style>
+      </p:cxnSp>
+      <p:cxnSp>
+        <p:nvCxnSpPr>
+          <p:cNvPr id="28" name="Lige forbindelse 27"/>
+          <p:cNvCxnSpPr>
+            <a:stCxn id="17" idx="5"/>
+            <a:endCxn id="21" idx="1"/>
+          </p:cNvCxnSpPr>
+          <p:nvPr/>
+        </p:nvCxnSpPr>
+        <p:spPr>
+          <a:xfrm>
+            <a:off x="4642199" y="3152214"/>
+            <a:ext cx="435666" cy="568867"/>
+          </a:xfrm>
+          <a:prstGeom prst="line">
+            <a:avLst/>
+          </a:prstGeom>
+        </p:spPr>
+        <p:style>
+          <a:lnRef idx="2">
+            <a:schemeClr val="accent1"/>
+          </a:lnRef>
+          <a:fillRef idx="0">
+            <a:schemeClr val="accent1"/>
+          </a:fillRef>
+          <a:effectRef idx="1">
+            <a:schemeClr val="accent1"/>
+          </a:effectRef>
+          <a:fontRef idx="minor">
+            <a:schemeClr val="tx1"/>
+          </a:fontRef>
+        </p:style>
+      </p:cxnSp>
+      <p:cxnSp>
+        <p:nvCxnSpPr>
+          <p:cNvPr id="31" name="Lige forbindelse 30"/>
+          <p:cNvCxnSpPr>
+            <a:stCxn id="10" idx="3"/>
+            <a:endCxn id="14" idx="7"/>
+          </p:cNvCxnSpPr>
+          <p:nvPr/>
+        </p:nvCxnSpPr>
+        <p:spPr>
+          <a:xfrm flipH="1">
+            <a:off x="3058023" y="2216110"/>
+            <a:ext cx="435666" cy="568867"/>
+          </a:xfrm>
+          <a:prstGeom prst="line">
+            <a:avLst/>
+          </a:prstGeom>
+        </p:spPr>
+        <p:style>
+          <a:lnRef idx="2">
+            <a:schemeClr val="accent1"/>
+          </a:lnRef>
+          <a:fillRef idx="0">
+            <a:schemeClr val="accent1"/>
+          </a:fillRef>
+          <a:effectRef idx="1">
+            <a:schemeClr val="accent1"/>
+          </a:effectRef>
+          <a:fontRef idx="minor">
+            <a:schemeClr val="tx1"/>
+          </a:fontRef>
+        </p:style>
+      </p:cxnSp>
+      <p:cxnSp>
+        <p:nvCxnSpPr>
+          <p:cNvPr id="33" name="Lige forbindelse 32"/>
+          <p:cNvCxnSpPr>
+            <a:stCxn id="14" idx="3"/>
+            <a:endCxn id="18" idx="7"/>
+          </p:cNvCxnSpPr>
+          <p:nvPr/>
+        </p:nvCxnSpPr>
+        <p:spPr>
+          <a:xfrm flipH="1">
+            <a:off x="2193927" y="3152214"/>
+            <a:ext cx="507674" cy="568867"/>
+          </a:xfrm>
+          <a:prstGeom prst="line">
+            <a:avLst/>
+          </a:prstGeom>
+        </p:spPr>
+        <p:style>
+          <a:lnRef idx="2">
+            <a:schemeClr val="accent1"/>
+          </a:lnRef>
+          <a:fillRef idx="0">
+            <a:schemeClr val="accent1"/>
+          </a:fillRef>
+          <a:effectRef idx="1">
+            <a:schemeClr val="accent1"/>
+          </a:effectRef>
+          <a:fontRef idx="minor">
+            <a:schemeClr val="tx1"/>
+          </a:fontRef>
+        </p:style>
+      </p:cxnSp>
+      <p:cxnSp>
+        <p:nvCxnSpPr>
+          <p:cNvPr id="35" name="Lige forbindelse 34"/>
+          <p:cNvCxnSpPr>
+            <a:stCxn id="14" idx="5"/>
+            <a:endCxn id="20" idx="1"/>
+          </p:cNvCxnSpPr>
+          <p:nvPr/>
+        </p:nvCxnSpPr>
+        <p:spPr>
+          <a:xfrm>
+            <a:off x="3058023" y="3152214"/>
+            <a:ext cx="507674" cy="568867"/>
+          </a:xfrm>
+          <a:prstGeom prst="line">
+            <a:avLst/>
+          </a:prstGeom>
+        </p:spPr>
+        <p:style>
+          <a:lnRef idx="2">
+            <a:schemeClr val="accent1"/>
+          </a:lnRef>
+          <a:fillRef idx="0">
+            <a:schemeClr val="accent1"/>
+          </a:fillRef>
+          <a:effectRef idx="1">
+            <a:schemeClr val="accent1"/>
+          </a:effectRef>
+          <a:fontRef idx="minor">
+            <a:schemeClr val="tx1"/>
+          </a:fontRef>
+        </p:style>
+      </p:cxnSp>
+      <p:cxnSp>
+        <p:nvCxnSpPr>
+          <p:cNvPr id="38" name="Lige forbindelse 37"/>
+          <p:cNvCxnSpPr>
+            <a:stCxn id="14" idx="4"/>
+            <a:endCxn id="19" idx="0"/>
+          </p:cNvCxnSpPr>
+          <p:nvPr/>
+        </p:nvCxnSpPr>
+        <p:spPr>
+          <a:xfrm>
+            <a:off x="2879812" y="3228271"/>
+            <a:ext cx="0" cy="560769"/>
+          </a:xfrm>
+          <a:prstGeom prst="line">
+            <a:avLst/>
+          </a:prstGeom>
+        </p:spPr>
+        <p:style>
+          <a:lnRef idx="2">
+            <a:schemeClr val="accent1"/>
+          </a:lnRef>
+          <a:fillRef idx="0">
+            <a:schemeClr val="accent1"/>
+          </a:fillRef>
+          <a:effectRef idx="1">
+            <a:schemeClr val="accent1"/>
+          </a:effectRef>
+          <a:fontRef idx="minor">
+            <a:schemeClr val="tx1"/>
+          </a:fontRef>
+        </p:style>
+      </p:cxnSp>
+      <p:sp>
+        <p:nvSpPr>
+          <p:cNvPr id="39" name="Tekstfelt 38"/>
+          <p:cNvSpPr txBox="1"/>
+          <p:nvPr/>
+        </p:nvSpPr>
+        <p:spPr>
+          <a:xfrm>
+            <a:off x="5148064" y="1844824"/>
+            <a:ext cx="1083875" cy="369332"/>
+          </a:xfrm>
+          <a:prstGeom prst="rect">
+            <a:avLst/>
+          </a:prstGeom>
+          <a:noFill/>
+        </p:spPr>
+        <p:txBody>
+          <a:bodyPr wrap="none" rtlCol="0">
+            <a:spAutoFit/>
+          </a:bodyPr>
+          <a:lstStyle/>
+          <a:p>
+            <a:r>
+              <a:rPr lang="da-DK" dirty="0" smtClean="0"/>
+              <a:t>First level</a:t>
+            </a:r>
+            <a:endParaRPr lang="da-DK" dirty="0"/>
+          </a:p>
+        </p:txBody>
+      </p:sp>
+      <p:sp>
+        <p:nvSpPr>
+          <p:cNvPr id="40" name="Tekstfelt 39"/>
+          <p:cNvSpPr txBox="1"/>
+          <p:nvPr/>
+        </p:nvSpPr>
+        <p:spPr>
+          <a:xfrm>
+            <a:off x="5652120" y="2780928"/>
+            <a:ext cx="1359567" cy="369332"/>
+          </a:xfrm>
+          <a:prstGeom prst="rect">
+            <a:avLst/>
+          </a:prstGeom>
+          <a:noFill/>
+        </p:spPr>
+        <p:txBody>
+          <a:bodyPr wrap="none" rtlCol="0">
+            <a:spAutoFit/>
+          </a:bodyPr>
+          <a:lstStyle/>
+          <a:p>
+            <a:r>
+              <a:rPr lang="da-DK" dirty="0" smtClean="0"/>
+              <a:t>Second level</a:t>
+            </a:r>
+            <a:endParaRPr lang="da-DK" dirty="0"/>
+          </a:p>
+        </p:txBody>
+      </p:sp>
+      <p:sp>
+        <p:nvSpPr>
+          <p:cNvPr id="41" name="Tekstfelt 40"/>
+          <p:cNvSpPr txBox="1"/>
+          <p:nvPr/>
+        </p:nvSpPr>
+        <p:spPr>
+          <a:xfrm>
+            <a:off x="6444208" y="3789040"/>
+            <a:ext cx="1165253" cy="369332"/>
+          </a:xfrm>
+          <a:prstGeom prst="rect">
+            <a:avLst/>
+          </a:prstGeom>
+          <a:noFill/>
+        </p:spPr>
+        <p:txBody>
+          <a:bodyPr wrap="none" rtlCol="0">
+            <a:spAutoFit/>
+          </a:bodyPr>
+          <a:lstStyle/>
+          <a:p>
+            <a:r>
+              <a:rPr lang="da-DK" dirty="0" smtClean="0"/>
+              <a:t>Third level</a:t>
+            </a:r>
+            <a:endParaRPr lang="da-DK" dirty="0"/>
+          </a:p>
+        </p:txBody>
+      </p:sp>
+    </p:spTree>
+    <p:extLst>
+      <p:ext uri="{BB962C8B-B14F-4D97-AF65-F5344CB8AC3E}">
+        <p14:creationId xmlns:p14="http://schemas.microsoft.com/office/powerpoint/2010/main" val="3265520504"/>
+      </p:ext>
+    </p:extLst>
+  </p:cSld>
+  <p:clrMapOvr>
+    <a:masterClrMapping/>
+  </p:clrMapOvr>
+</p:sld>
+</file>
+
+<file path=ppt/slides/slide5.xml><?xml version="1.0" encoding="utf-8"?>
+<p:sld xmlns:a="http://schemas.openxmlformats.org/drawingml/2006/main" xmlns:r="http://schemas.openxmlformats.org/officeDocument/2006/relationships" xmlns:p="http://schemas.openxmlformats.org/presentationml/2006/main">
+  <p:cSld>
+    <p:spTree>
+      <p:nvGrpSpPr>
+        <p:cNvPr id="1" name=""/>
+        <p:cNvGrpSpPr/>
+        <p:nvPr/>
+      </p:nvGrpSpPr>
+      <p:grpSpPr>
+        <a:xfrm>
+          <a:off x="0" y="0"/>
+          <a:ext cx="0" cy="0"/>
+          <a:chOff x="0" y="0"/>
+          <a:chExt cx="0" cy="0"/>
+        </a:xfrm>
+      </p:grpSpPr>
+      <p:sp>
+        <p:nvSpPr>
           <p:cNvPr id="4" name="Tekstfelt 3"/>
           <p:cNvSpPr txBox="1"/>
           <p:nvPr/>
@@ -5576,11 +6545,7 @@
           <a:p>
             <a:r>
               <a:rPr lang="da-DK" dirty="0" smtClean="0"/>
-              <a:t>Fourth </a:t>
-            </a:r>
-            <a:r>
-              <a:rPr lang="da-DK" dirty="0" smtClean="0"/>
-              <a:t>level</a:t>
+              <a:t>Fourth level</a:t>
             </a:r>
             <a:endParaRPr lang="da-DK" dirty="0"/>
           </a:p>

--- a/Rapport/figures/Golf_course_1_representation.pptx
+++ b/Rapport/figures/Golf_course_1_representation.pptx
@@ -292,7 +292,7 @@
           <a:p>
             <a:fld id="{4751A7D4-8245-46D1-BEB1-C49E0A45E190}" type="datetimeFigureOut">
               <a:rPr lang="nb-NO" smtClean="0"/>
-              <a:t>30/10/15</a:t>
+              <a:t>09/11/15</a:t>
             </a:fld>
             <a:endParaRPr lang="nb-NO"/>
           </a:p>
@@ -462,7 +462,7 @@
           <a:p>
             <a:fld id="{4751A7D4-8245-46D1-BEB1-C49E0A45E190}" type="datetimeFigureOut">
               <a:rPr lang="nb-NO" smtClean="0"/>
-              <a:t>30/10/15</a:t>
+              <a:t>09/11/15</a:t>
             </a:fld>
             <a:endParaRPr lang="nb-NO"/>
           </a:p>
@@ -642,7 +642,7 @@
           <a:p>
             <a:fld id="{4751A7D4-8245-46D1-BEB1-C49E0A45E190}" type="datetimeFigureOut">
               <a:rPr lang="nb-NO" smtClean="0"/>
-              <a:t>30/10/15</a:t>
+              <a:t>09/11/15</a:t>
             </a:fld>
             <a:endParaRPr lang="nb-NO"/>
           </a:p>
@@ -812,7 +812,7 @@
           <a:p>
             <a:fld id="{4751A7D4-8245-46D1-BEB1-C49E0A45E190}" type="datetimeFigureOut">
               <a:rPr lang="nb-NO" smtClean="0"/>
-              <a:t>30/10/15</a:t>
+              <a:t>09/11/15</a:t>
             </a:fld>
             <a:endParaRPr lang="nb-NO"/>
           </a:p>
@@ -1058,7 +1058,7 @@
           <a:p>
             <a:fld id="{4751A7D4-8245-46D1-BEB1-C49E0A45E190}" type="datetimeFigureOut">
               <a:rPr lang="nb-NO" smtClean="0"/>
-              <a:t>30/10/15</a:t>
+              <a:t>09/11/15</a:t>
             </a:fld>
             <a:endParaRPr lang="nb-NO"/>
           </a:p>
@@ -1346,7 +1346,7 @@
           <a:p>
             <a:fld id="{4751A7D4-8245-46D1-BEB1-C49E0A45E190}" type="datetimeFigureOut">
               <a:rPr lang="nb-NO" smtClean="0"/>
-              <a:t>30/10/15</a:t>
+              <a:t>09/11/15</a:t>
             </a:fld>
             <a:endParaRPr lang="nb-NO"/>
           </a:p>
@@ -1768,7 +1768,7 @@
           <a:p>
             <a:fld id="{4751A7D4-8245-46D1-BEB1-C49E0A45E190}" type="datetimeFigureOut">
               <a:rPr lang="nb-NO" smtClean="0"/>
-              <a:t>30/10/15</a:t>
+              <a:t>09/11/15</a:t>
             </a:fld>
             <a:endParaRPr lang="nb-NO"/>
           </a:p>
@@ -1886,7 +1886,7 @@
           <a:p>
             <a:fld id="{4751A7D4-8245-46D1-BEB1-C49E0A45E190}" type="datetimeFigureOut">
               <a:rPr lang="nb-NO" smtClean="0"/>
-              <a:t>30/10/15</a:t>
+              <a:t>09/11/15</a:t>
             </a:fld>
             <a:endParaRPr lang="nb-NO"/>
           </a:p>
@@ -1981,7 +1981,7 @@
           <a:p>
             <a:fld id="{4751A7D4-8245-46D1-BEB1-C49E0A45E190}" type="datetimeFigureOut">
               <a:rPr lang="nb-NO" smtClean="0"/>
-              <a:t>30/10/15</a:t>
+              <a:t>09/11/15</a:t>
             </a:fld>
             <a:endParaRPr lang="nb-NO"/>
           </a:p>
@@ -2258,7 +2258,7 @@
           <a:p>
             <a:fld id="{4751A7D4-8245-46D1-BEB1-C49E0A45E190}" type="datetimeFigureOut">
               <a:rPr lang="nb-NO" smtClean="0"/>
-              <a:t>30/10/15</a:t>
+              <a:t>09/11/15</a:t>
             </a:fld>
             <a:endParaRPr lang="nb-NO"/>
           </a:p>
@@ -2511,7 +2511,7 @@
           <a:p>
             <a:fld id="{4751A7D4-8245-46D1-BEB1-C49E0A45E190}" type="datetimeFigureOut">
               <a:rPr lang="nb-NO" smtClean="0"/>
-              <a:t>30/10/15</a:t>
+              <a:t>09/11/15</a:t>
             </a:fld>
             <a:endParaRPr lang="nb-NO"/>
           </a:p>
@@ -2724,7 +2724,7 @@
           <a:p>
             <a:fld id="{4751A7D4-8245-46D1-BEB1-C49E0A45E190}" type="datetimeFigureOut">
               <a:rPr lang="nb-NO" smtClean="0"/>
-              <a:t>30/10/15</a:t>
+              <a:t>09/11/15</a:t>
             </a:fld>
             <a:endParaRPr lang="nb-NO"/>
           </a:p>
@@ -4228,13 +4228,13 @@
       </p:sp>
       <p:sp>
         <p:nvSpPr>
-          <p:cNvPr id="5" name="Rektangel 4"/>
+          <p:cNvPr id="6" name="Rektangel 5"/>
           <p:cNvSpPr/>
           <p:nvPr/>
         </p:nvSpPr>
         <p:spPr>
           <a:xfrm>
-            <a:off x="3635896" y="2996952"/>
+            <a:off x="5868144" y="2708920"/>
             <a:ext cx="1872208" cy="936104"/>
           </a:xfrm>
           <a:prstGeom prst="rect">
@@ -4262,7 +4262,7 @@
             <a:pPr algn="ctr"/>
             <a:r>
               <a:rPr lang="da-DK" dirty="0" smtClean="0"/>
-              <a:t>PacketHandler</a:t>
+              <a:t>Packet</a:t>
             </a:r>
             <a:endParaRPr lang="da-DK" dirty="0"/>
           </a:p>
@@ -4270,13 +4270,13 @@
       </p:sp>
       <p:sp>
         <p:nvSpPr>
-          <p:cNvPr id="6" name="Rektangel 5"/>
+          <p:cNvPr id="7" name="Rektangel 6"/>
           <p:cNvSpPr/>
           <p:nvPr/>
         </p:nvSpPr>
         <p:spPr>
           <a:xfrm>
-            <a:off x="3635896" y="4293096"/>
+            <a:off x="3635896" y="5085184"/>
             <a:ext cx="1872208" cy="936104"/>
           </a:xfrm>
           <a:prstGeom prst="rect">
@@ -4304,21 +4304,20 @@
             <a:pPr algn="ctr"/>
             <a:r>
               <a:rPr lang="da-DK" dirty="0" smtClean="0"/>
-              <a:t>Packet</a:t>
-            </a:r>
-            <a:endParaRPr lang="da-DK" dirty="0"/>
-          </a:p>
-        </p:txBody>
-      </p:sp>
-      <p:sp>
-        <p:nvSpPr>
-          <p:cNvPr id="7" name="Rektangel 6"/>
+              <a:t>Radio</a:t>
+            </a:r>
+          </a:p>
+        </p:txBody>
+      </p:sp>
+      <p:sp>
+        <p:nvSpPr>
+          <p:cNvPr id="8" name="Rektangel 7"/>
           <p:cNvSpPr/>
           <p:nvPr/>
         </p:nvSpPr>
         <p:spPr>
           <a:xfrm>
-            <a:off x="5868144" y="2996952"/>
+            <a:off x="1403648" y="2708920"/>
             <a:ext cx="1872208" cy="936104"/>
           </a:xfrm>
           <a:prstGeom prst="rect">
@@ -4346,47 +4345,6 @@
             <a:pPr algn="ctr"/>
             <a:r>
               <a:rPr lang="da-DK" dirty="0" smtClean="0"/>
-              <a:t>Radio</a:t>
-            </a:r>
-          </a:p>
-        </p:txBody>
-      </p:sp>
-      <p:sp>
-        <p:nvSpPr>
-          <p:cNvPr id="8" name="Rektangel 7"/>
-          <p:cNvSpPr/>
-          <p:nvPr/>
-        </p:nvSpPr>
-        <p:spPr>
-          <a:xfrm>
-            <a:off x="1403648" y="2996952"/>
-            <a:ext cx="1872208" cy="936104"/>
-          </a:xfrm>
-          <a:prstGeom prst="rect">
-            <a:avLst/>
-          </a:prstGeom>
-        </p:spPr>
-        <p:style>
-          <a:lnRef idx="3">
-            <a:schemeClr val="lt1"/>
-          </a:lnRef>
-          <a:fillRef idx="1">
-            <a:schemeClr val="accent1"/>
-          </a:fillRef>
-          <a:effectRef idx="1">
-            <a:schemeClr val="accent1"/>
-          </a:effectRef>
-          <a:fontRef idx="minor">
-            <a:schemeClr val="lt1"/>
-          </a:fontRef>
-        </p:style>
-        <p:txBody>
-          <a:bodyPr rtlCol="0" anchor="ctr"/>
-          <a:lstStyle/>
-          <a:p>
-            <a:pPr algn="ctr"/>
-            <a:r>
-              <a:rPr lang="da-DK" dirty="0" smtClean="0"/>
               <a:t>Sensor</a:t>
             </a:r>
           </a:p>
@@ -4394,19 +4352,19 @@
       </p:sp>
       <p:cxnSp>
         <p:nvCxnSpPr>
-          <p:cNvPr id="12" name="Lige forbindelse 11"/>
+          <p:cNvPr id="11" name="Vinklet forbindelse 10"/>
           <p:cNvCxnSpPr>
-            <a:stCxn id="7" idx="1"/>
-            <a:endCxn id="5" idx="3"/>
+            <a:stCxn id="4" idx="1"/>
+            <a:endCxn id="8" idx="0"/>
           </p:cNvCxnSpPr>
           <p:nvPr/>
         </p:nvCxnSpPr>
         <p:spPr>
-          <a:xfrm flipH="1">
-            <a:off x="5508104" y="3465004"/>
-            <a:ext cx="360040" cy="0"/>
-          </a:xfrm>
-          <a:prstGeom prst="line">
+          <a:xfrm rot="10800000" flipV="1">
+            <a:off x="2339752" y="2168860"/>
+            <a:ext cx="1296144" cy="540060"/>
+          </a:xfrm>
+          <a:prstGeom prst="bentConnector2">
             <a:avLst/>
           </a:prstGeom>
         </p:spPr>
@@ -4427,17 +4385,91 @@
       </p:cxnSp>
       <p:cxnSp>
         <p:nvCxnSpPr>
-          <p:cNvPr id="14" name="Lige forbindelse 13"/>
+          <p:cNvPr id="18" name="Vinklet forbindelse 17"/>
           <p:cNvCxnSpPr>
-            <a:stCxn id="8" idx="3"/>
-            <a:endCxn id="5" idx="1"/>
+            <a:stCxn id="4" idx="3"/>
+            <a:endCxn id="6" idx="0"/>
           </p:cNvCxnSpPr>
           <p:nvPr/>
         </p:nvCxnSpPr>
         <p:spPr>
           <a:xfrm>
-            <a:off x="3275856" y="3465004"/>
-            <a:ext cx="360040" cy="0"/>
+            <a:off x="5508104" y="2168860"/>
+            <a:ext cx="1296144" cy="540060"/>
+          </a:xfrm>
+          <a:prstGeom prst="bentConnector2">
+            <a:avLst/>
+          </a:prstGeom>
+        </p:spPr>
+        <p:style>
+          <a:lnRef idx="2">
+            <a:schemeClr val="accent1"/>
+          </a:lnRef>
+          <a:fillRef idx="0">
+            <a:schemeClr val="accent1"/>
+          </a:fillRef>
+          <a:effectRef idx="1">
+            <a:schemeClr val="accent1"/>
+          </a:effectRef>
+          <a:fontRef idx="minor">
+            <a:schemeClr val="tx1"/>
+          </a:fontRef>
+        </p:style>
+      </p:cxnSp>
+      <p:sp>
+        <p:nvSpPr>
+          <p:cNvPr id="25" name="Rektangel 24"/>
+          <p:cNvSpPr/>
+          <p:nvPr/>
+        </p:nvSpPr>
+        <p:spPr>
+          <a:xfrm>
+            <a:off x="3635896" y="3645024"/>
+            <a:ext cx="1872208" cy="936104"/>
+          </a:xfrm>
+          <a:prstGeom prst="rect">
+            <a:avLst/>
+          </a:prstGeom>
+        </p:spPr>
+        <p:style>
+          <a:lnRef idx="3">
+            <a:schemeClr val="lt1"/>
+          </a:lnRef>
+          <a:fillRef idx="1">
+            <a:schemeClr val="accent1"/>
+          </a:fillRef>
+          <a:effectRef idx="1">
+            <a:schemeClr val="accent1"/>
+          </a:effectRef>
+          <a:fontRef idx="minor">
+            <a:schemeClr val="lt1"/>
+          </a:fontRef>
+        </p:style>
+        <p:txBody>
+          <a:bodyPr rtlCol="0" anchor="ctr"/>
+          <a:lstStyle/>
+          <a:p>
+            <a:pPr algn="ctr"/>
+            <a:r>
+              <a:rPr lang="da-DK" dirty="0" smtClean="0"/>
+              <a:t>RadioHandler</a:t>
+            </a:r>
+          </a:p>
+        </p:txBody>
+      </p:sp>
+      <p:cxnSp>
+        <p:nvCxnSpPr>
+          <p:cNvPr id="29" name="Lige forbindelse 28"/>
+          <p:cNvCxnSpPr>
+            <a:stCxn id="4" idx="2"/>
+            <a:endCxn id="25" idx="0"/>
+          </p:cNvCxnSpPr>
+          <p:nvPr/>
+        </p:nvCxnSpPr>
+        <p:spPr>
+          <a:xfrm>
+            <a:off x="4572000" y="2636912"/>
+            <a:ext cx="0" cy="1008112"/>
           </a:xfrm>
           <a:prstGeom prst="line">
             <a:avLst/>
@@ -4460,243 +4492,21 @@
       </p:cxnSp>
       <p:cxnSp>
         <p:nvCxnSpPr>
-          <p:cNvPr id="19" name="Lige forbindelse 18"/>
+          <p:cNvPr id="31" name="Lige forbindelse 30"/>
           <p:cNvCxnSpPr>
-            <a:stCxn id="5" idx="2"/>
-            <a:endCxn id="6" idx="0"/>
+            <a:stCxn id="25" idx="2"/>
+            <a:endCxn id="7" idx="0"/>
           </p:cNvCxnSpPr>
           <p:nvPr/>
         </p:nvCxnSpPr>
         <p:spPr>
           <a:xfrm>
-            <a:off x="4572000" y="3933056"/>
-            <a:ext cx="0" cy="360040"/>
+            <a:off x="4572000" y="4581128"/>
+            <a:ext cx="0" cy="504056"/>
           </a:xfrm>
           <a:prstGeom prst="line">
             <a:avLst/>
           </a:prstGeom>
-        </p:spPr>
-        <p:style>
-          <a:lnRef idx="2">
-            <a:schemeClr val="accent1"/>
-          </a:lnRef>
-          <a:fillRef idx="0">
-            <a:schemeClr val="accent1"/>
-          </a:fillRef>
-          <a:effectRef idx="1">
-            <a:schemeClr val="accent1"/>
-          </a:effectRef>
-          <a:fontRef idx="minor">
-            <a:schemeClr val="tx1"/>
-          </a:fontRef>
-        </p:style>
-      </p:cxnSp>
-      <p:cxnSp>
-        <p:nvCxnSpPr>
-          <p:cNvPr id="21" name="Lige forbindelse 20"/>
-          <p:cNvCxnSpPr>
-            <a:stCxn id="4" idx="2"/>
-            <a:endCxn id="5" idx="0"/>
-          </p:cNvCxnSpPr>
-          <p:nvPr/>
-        </p:nvCxnSpPr>
-        <p:spPr>
-          <a:xfrm>
-            <a:off x="4572000" y="2636912"/>
-            <a:ext cx="0" cy="360040"/>
-          </a:xfrm>
-          <a:prstGeom prst="line">
-            <a:avLst/>
-          </a:prstGeom>
-        </p:spPr>
-        <p:style>
-          <a:lnRef idx="2">
-            <a:schemeClr val="accent1"/>
-          </a:lnRef>
-          <a:fillRef idx="0">
-            <a:schemeClr val="accent1"/>
-          </a:fillRef>
-          <a:effectRef idx="1">
-            <a:schemeClr val="accent1"/>
-          </a:effectRef>
-          <a:fontRef idx="minor">
-            <a:schemeClr val="tx1"/>
-          </a:fontRef>
-        </p:style>
-      </p:cxnSp>
-      <p:cxnSp>
-        <p:nvCxnSpPr>
-          <p:cNvPr id="23" name="Vinklet forbindelse 22"/>
-          <p:cNvCxnSpPr>
-            <a:stCxn id="7" idx="2"/>
-            <a:endCxn id="6" idx="3"/>
-          </p:cNvCxnSpPr>
-          <p:nvPr/>
-        </p:nvCxnSpPr>
-        <p:spPr>
-          <a:xfrm rot="5400000">
-            <a:off x="5742130" y="3699030"/>
-            <a:ext cx="828092" cy="1296144"/>
-          </a:xfrm>
-          <a:prstGeom prst="bentConnector2">
-            <a:avLst/>
-          </a:prstGeom>
-        </p:spPr>
-        <p:style>
-          <a:lnRef idx="2">
-            <a:schemeClr val="accent1"/>
-          </a:lnRef>
-          <a:fillRef idx="0">
-            <a:schemeClr val="accent1"/>
-          </a:fillRef>
-          <a:effectRef idx="1">
-            <a:schemeClr val="accent1"/>
-          </a:effectRef>
-          <a:fontRef idx="minor">
-            <a:schemeClr val="tx1"/>
-          </a:fontRef>
-        </p:style>
-      </p:cxnSp>
-      <p:sp>
-        <p:nvSpPr>
-          <p:cNvPr id="13" name="Rektangel 12"/>
-          <p:cNvSpPr/>
-          <p:nvPr/>
-        </p:nvSpPr>
-        <p:spPr>
-          <a:xfrm>
-            <a:off x="1403648" y="1700808"/>
-            <a:ext cx="1872208" cy="936104"/>
-          </a:xfrm>
-          <a:prstGeom prst="rect">
-            <a:avLst/>
-          </a:prstGeom>
-        </p:spPr>
-        <p:style>
-          <a:lnRef idx="3">
-            <a:schemeClr val="lt1"/>
-          </a:lnRef>
-          <a:fillRef idx="1">
-            <a:schemeClr val="accent1"/>
-          </a:fillRef>
-          <a:effectRef idx="1">
-            <a:schemeClr val="accent1"/>
-          </a:effectRef>
-          <a:fontRef idx="minor">
-            <a:schemeClr val="lt1"/>
-          </a:fontRef>
-        </p:style>
-        <p:txBody>
-          <a:bodyPr rtlCol="0" anchor="ctr"/>
-          <a:lstStyle/>
-          <a:p>
-            <a:pPr algn="ctr"/>
-            <a:r>
-              <a:rPr lang="da-DK" dirty="0" smtClean="0"/>
-              <a:t>iSensor</a:t>
-            </a:r>
-            <a:endParaRPr lang="da-DK" dirty="0"/>
-          </a:p>
-        </p:txBody>
-      </p:sp>
-      <p:sp>
-        <p:nvSpPr>
-          <p:cNvPr id="15" name="Rektangel 14"/>
-          <p:cNvSpPr/>
-          <p:nvPr/>
-        </p:nvSpPr>
-        <p:spPr>
-          <a:xfrm>
-            <a:off x="5868144" y="1700808"/>
-            <a:ext cx="1872208" cy="936104"/>
-          </a:xfrm>
-          <a:prstGeom prst="rect">
-            <a:avLst/>
-          </a:prstGeom>
-        </p:spPr>
-        <p:style>
-          <a:lnRef idx="3">
-            <a:schemeClr val="lt1"/>
-          </a:lnRef>
-          <a:fillRef idx="1">
-            <a:schemeClr val="accent1"/>
-          </a:fillRef>
-          <a:effectRef idx="1">
-            <a:schemeClr val="accent1"/>
-          </a:effectRef>
-          <a:fontRef idx="minor">
-            <a:schemeClr val="lt1"/>
-          </a:fontRef>
-        </p:style>
-        <p:txBody>
-          <a:bodyPr rtlCol="0" anchor="ctr"/>
-          <a:lstStyle/>
-          <a:p>
-            <a:pPr algn="ctr"/>
-            <a:r>
-              <a:rPr lang="da-DK" dirty="0" smtClean="0"/>
-              <a:t>iRadio</a:t>
-            </a:r>
-            <a:endParaRPr lang="da-DK" dirty="0"/>
-          </a:p>
-        </p:txBody>
-      </p:sp>
-      <p:cxnSp>
-        <p:nvCxnSpPr>
-          <p:cNvPr id="3" name="Lige pilforbindelse 2"/>
-          <p:cNvCxnSpPr>
-            <a:stCxn id="7" idx="0"/>
-            <a:endCxn id="15" idx="2"/>
-          </p:cNvCxnSpPr>
-          <p:nvPr/>
-        </p:nvCxnSpPr>
-        <p:spPr>
-          <a:xfrm flipV="1">
-            <a:off x="6804248" y="2636912"/>
-            <a:ext cx="0" cy="360040"/>
-          </a:xfrm>
-          <a:prstGeom prst="straightConnector1">
-            <a:avLst/>
-          </a:prstGeom>
-          <a:ln>
-            <a:tailEnd type="arrow"/>
-          </a:ln>
-        </p:spPr>
-        <p:style>
-          <a:lnRef idx="2">
-            <a:schemeClr val="accent1"/>
-          </a:lnRef>
-          <a:fillRef idx="0">
-            <a:schemeClr val="accent1"/>
-          </a:fillRef>
-          <a:effectRef idx="1">
-            <a:schemeClr val="accent1"/>
-          </a:effectRef>
-          <a:fontRef idx="minor">
-            <a:schemeClr val="tx1"/>
-          </a:fontRef>
-        </p:style>
-      </p:cxnSp>
-      <p:cxnSp>
-        <p:nvCxnSpPr>
-          <p:cNvPr id="10" name="Lige pilforbindelse 9"/>
-          <p:cNvCxnSpPr>
-            <a:stCxn id="8" idx="0"/>
-            <a:endCxn id="13" idx="2"/>
-          </p:cNvCxnSpPr>
-          <p:nvPr/>
-        </p:nvCxnSpPr>
-        <p:spPr>
-          <a:xfrm flipV="1">
-            <a:off x="2339752" y="2636912"/>
-            <a:ext cx="0" cy="360040"/>
-          </a:xfrm>
-          <a:prstGeom prst="straightConnector1">
-            <a:avLst/>
-          </a:prstGeom>
-          <a:ln>
-            <a:tailEnd type="arrow"/>
-          </a:ln>
         </p:spPr>
         <p:style>
           <a:lnRef idx="2">
@@ -4745,7 +4555,7 @@
       </p:grpSpPr>
       <p:sp>
         <p:nvSpPr>
-          <p:cNvPr id="14" name="Rektangel 13"/>
+          <p:cNvPr id="9" name="Rektangel 8"/>
           <p:cNvSpPr/>
           <p:nvPr/>
         </p:nvSpPr>
@@ -4787,13 +4597,13 @@
       </p:sp>
       <p:sp>
         <p:nvSpPr>
-          <p:cNvPr id="15" name="Rektangel 14"/>
+          <p:cNvPr id="10" name="Rektangel 9"/>
           <p:cNvSpPr/>
           <p:nvPr/>
         </p:nvSpPr>
         <p:spPr>
           <a:xfrm>
-            <a:off x="3635896" y="2996952"/>
+            <a:off x="5868144" y="2708920"/>
             <a:ext cx="1872208" cy="936104"/>
           </a:xfrm>
           <a:prstGeom prst="rect">
@@ -4821,7 +4631,7 @@
             <a:pPr algn="ctr"/>
             <a:r>
               <a:rPr lang="da-DK" dirty="0" smtClean="0"/>
-              <a:t>PacketHandler</a:t>
+              <a:t>Packet</a:t>
             </a:r>
             <a:endParaRPr lang="da-DK" dirty="0"/>
           </a:p>
@@ -4829,13 +4639,13 @@
       </p:sp>
       <p:sp>
         <p:nvSpPr>
-          <p:cNvPr id="16" name="Rektangel 15"/>
+          <p:cNvPr id="11" name="Rektangel 10"/>
           <p:cNvSpPr/>
           <p:nvPr/>
         </p:nvSpPr>
         <p:spPr>
           <a:xfrm>
-            <a:off x="3635896" y="4293096"/>
+            <a:off x="3635896" y="5085184"/>
             <a:ext cx="1872208" cy="936104"/>
           </a:xfrm>
           <a:prstGeom prst="rect">
@@ -4863,12 +4673,44 @@
             <a:pPr algn="ctr"/>
             <a:r>
               <a:rPr lang="da-DK" dirty="0" smtClean="0"/>
-              <a:t>Packet</a:t>
-            </a:r>
-            <a:endParaRPr lang="da-DK" dirty="0"/>
-          </a:p>
-        </p:txBody>
-      </p:sp>
+              <a:t>Radio</a:t>
+            </a:r>
+          </a:p>
+        </p:txBody>
+      </p:sp>
+      <p:cxnSp>
+        <p:nvCxnSpPr>
+          <p:cNvPr id="16" name="Vinklet forbindelse 15"/>
+          <p:cNvCxnSpPr>
+            <a:stCxn id="9" idx="3"/>
+            <a:endCxn id="10" idx="0"/>
+          </p:cNvCxnSpPr>
+          <p:nvPr/>
+        </p:nvCxnSpPr>
+        <p:spPr>
+          <a:xfrm>
+            <a:off x="5508104" y="2168860"/>
+            <a:ext cx="1296144" cy="540060"/>
+          </a:xfrm>
+          <a:prstGeom prst="bentConnector2">
+            <a:avLst/>
+          </a:prstGeom>
+        </p:spPr>
+        <p:style>
+          <a:lnRef idx="2">
+            <a:schemeClr val="accent1"/>
+          </a:lnRef>
+          <a:fillRef idx="0">
+            <a:schemeClr val="accent1"/>
+          </a:fillRef>
+          <a:effectRef idx="1">
+            <a:schemeClr val="accent1"/>
+          </a:effectRef>
+          <a:fontRef idx="minor">
+            <a:schemeClr val="tx1"/>
+          </a:fontRef>
+        </p:style>
+      </p:cxnSp>
       <p:sp>
         <p:nvSpPr>
           <p:cNvPr id="17" name="Rektangel 16"/>
@@ -4877,7 +4719,7 @@
         </p:nvSpPr>
         <p:spPr>
           <a:xfrm>
-            <a:off x="5868144" y="2996952"/>
+            <a:off x="3635896" y="3645024"/>
             <a:ext cx="1872208" cy="936104"/>
           </a:xfrm>
           <a:prstGeom prst="rect">
@@ -4905,9 +4747,8 @@
             <a:pPr algn="ctr"/>
             <a:r>
               <a:rPr lang="da-DK" dirty="0" smtClean="0"/>
-              <a:t>Radio</a:t>
-            </a:r>
-            <a:endParaRPr lang="da-DK" dirty="0" smtClean="0"/>
+              <a:t>RadioHandler</a:t>
+            </a:r>
           </a:p>
         </p:txBody>
       </p:sp>
@@ -4915,15 +4756,15 @@
         <p:nvCxnSpPr>
           <p:cNvPr id="19" name="Lige forbindelse 18"/>
           <p:cNvCxnSpPr>
-            <a:stCxn id="17" idx="1"/>
-            <a:endCxn id="15" idx="3"/>
+            <a:stCxn id="9" idx="2"/>
+            <a:endCxn id="17" idx="0"/>
           </p:cNvCxnSpPr>
           <p:nvPr/>
         </p:nvCxnSpPr>
         <p:spPr>
-          <a:xfrm flipH="1">
-            <a:off x="5508104" y="3465004"/>
-            <a:ext cx="360040" cy="0"/>
+          <a:xfrm>
+            <a:off x="4572000" y="2636912"/>
+            <a:ext cx="0" cy="1008112"/>
           </a:xfrm>
           <a:prstGeom prst="line">
             <a:avLst/>
@@ -4946,165 +4787,21 @@
       </p:cxnSp>
       <p:cxnSp>
         <p:nvCxnSpPr>
-          <p:cNvPr id="21" name="Lige forbindelse 20"/>
+          <p:cNvPr id="20" name="Lige forbindelse 19"/>
           <p:cNvCxnSpPr>
-            <a:stCxn id="15" idx="2"/>
-            <a:endCxn id="16" idx="0"/>
+            <a:stCxn id="17" idx="2"/>
+            <a:endCxn id="11" idx="0"/>
           </p:cNvCxnSpPr>
           <p:nvPr/>
         </p:nvCxnSpPr>
         <p:spPr>
           <a:xfrm>
-            <a:off x="4572000" y="3933056"/>
-            <a:ext cx="0" cy="360040"/>
+            <a:off x="4572000" y="4581128"/>
+            <a:ext cx="0" cy="504056"/>
           </a:xfrm>
           <a:prstGeom prst="line">
             <a:avLst/>
           </a:prstGeom>
-        </p:spPr>
-        <p:style>
-          <a:lnRef idx="2">
-            <a:schemeClr val="accent1"/>
-          </a:lnRef>
-          <a:fillRef idx="0">
-            <a:schemeClr val="accent1"/>
-          </a:fillRef>
-          <a:effectRef idx="1">
-            <a:schemeClr val="accent1"/>
-          </a:effectRef>
-          <a:fontRef idx="minor">
-            <a:schemeClr val="tx1"/>
-          </a:fontRef>
-        </p:style>
-      </p:cxnSp>
-      <p:cxnSp>
-        <p:nvCxnSpPr>
-          <p:cNvPr id="22" name="Lige forbindelse 21"/>
-          <p:cNvCxnSpPr>
-            <a:stCxn id="14" idx="2"/>
-            <a:endCxn id="15" idx="0"/>
-          </p:cNvCxnSpPr>
-          <p:nvPr/>
-        </p:nvCxnSpPr>
-        <p:spPr>
-          <a:xfrm>
-            <a:off x="4572000" y="2636912"/>
-            <a:ext cx="0" cy="360040"/>
-          </a:xfrm>
-          <a:prstGeom prst="line">
-            <a:avLst/>
-          </a:prstGeom>
-        </p:spPr>
-        <p:style>
-          <a:lnRef idx="2">
-            <a:schemeClr val="accent1"/>
-          </a:lnRef>
-          <a:fillRef idx="0">
-            <a:schemeClr val="accent1"/>
-          </a:fillRef>
-          <a:effectRef idx="1">
-            <a:schemeClr val="accent1"/>
-          </a:effectRef>
-          <a:fontRef idx="minor">
-            <a:schemeClr val="tx1"/>
-          </a:fontRef>
-        </p:style>
-      </p:cxnSp>
-      <p:cxnSp>
-        <p:nvCxnSpPr>
-          <p:cNvPr id="23" name="Vinklet forbindelse 22"/>
-          <p:cNvCxnSpPr>
-            <a:stCxn id="17" idx="2"/>
-            <a:endCxn id="16" idx="3"/>
-          </p:cNvCxnSpPr>
-          <p:nvPr/>
-        </p:nvCxnSpPr>
-        <p:spPr>
-          <a:xfrm rot="5400000">
-            <a:off x="5742130" y="3699030"/>
-            <a:ext cx="828092" cy="1296144"/>
-          </a:xfrm>
-          <a:prstGeom prst="bentConnector2">
-            <a:avLst/>
-          </a:prstGeom>
-        </p:spPr>
-        <p:style>
-          <a:lnRef idx="2">
-            <a:schemeClr val="accent1"/>
-          </a:lnRef>
-          <a:fillRef idx="0">
-            <a:schemeClr val="accent1"/>
-          </a:fillRef>
-          <a:effectRef idx="1">
-            <a:schemeClr val="accent1"/>
-          </a:effectRef>
-          <a:fontRef idx="minor">
-            <a:schemeClr val="tx1"/>
-          </a:fontRef>
-        </p:style>
-      </p:cxnSp>
-      <p:sp>
-        <p:nvSpPr>
-          <p:cNvPr id="11" name="Rektangel 10"/>
-          <p:cNvSpPr/>
-          <p:nvPr/>
-        </p:nvSpPr>
-        <p:spPr>
-          <a:xfrm>
-            <a:off x="5868144" y="1700808"/>
-            <a:ext cx="1872208" cy="936104"/>
-          </a:xfrm>
-          <a:prstGeom prst="rect">
-            <a:avLst/>
-          </a:prstGeom>
-        </p:spPr>
-        <p:style>
-          <a:lnRef idx="3">
-            <a:schemeClr val="lt1"/>
-          </a:lnRef>
-          <a:fillRef idx="1">
-            <a:schemeClr val="accent1"/>
-          </a:fillRef>
-          <a:effectRef idx="1">
-            <a:schemeClr val="accent1"/>
-          </a:effectRef>
-          <a:fontRef idx="minor">
-            <a:schemeClr val="lt1"/>
-          </a:fontRef>
-        </p:style>
-        <p:txBody>
-          <a:bodyPr rtlCol="0" anchor="ctr"/>
-          <a:lstStyle/>
-          <a:p>
-            <a:pPr algn="ctr"/>
-            <a:r>
-              <a:rPr lang="da-DK" dirty="0" smtClean="0"/>
-              <a:t>iRadio</a:t>
-            </a:r>
-            <a:endParaRPr lang="da-DK" dirty="0"/>
-          </a:p>
-        </p:txBody>
-      </p:sp>
-      <p:cxnSp>
-        <p:nvCxnSpPr>
-          <p:cNvPr id="3" name="Lige pilforbindelse 2"/>
-          <p:cNvCxnSpPr>
-            <a:stCxn id="17" idx="0"/>
-            <a:endCxn id="11" idx="2"/>
-          </p:cNvCxnSpPr>
-          <p:nvPr/>
-        </p:nvCxnSpPr>
-        <p:spPr>
-          <a:xfrm flipV="1">
-            <a:off x="6804248" y="2636912"/>
-            <a:ext cx="0" cy="360040"/>
-          </a:xfrm>
-          <a:prstGeom prst="straightConnector1">
-            <a:avLst/>
-          </a:prstGeom>
-          <a:ln>
-            <a:tailEnd type="arrow"/>
-          </a:ln>
         </p:spPr>
         <p:style>
           <a:lnRef idx="2">

--- a/Rapport/figures/Golf_course_1_representation.pptx
+++ b/Rapport/figures/Golf_course_1_representation.pptx
@@ -292,7 +292,7 @@
           <a:p>
             <a:fld id="{4751A7D4-8245-46D1-BEB1-C49E0A45E190}" type="datetimeFigureOut">
               <a:rPr lang="nb-NO" smtClean="0"/>
-              <a:t>09/11/15</a:t>
+              <a:t>10/11/15</a:t>
             </a:fld>
             <a:endParaRPr lang="nb-NO"/>
           </a:p>
@@ -462,7 +462,7 @@
           <a:p>
             <a:fld id="{4751A7D4-8245-46D1-BEB1-C49E0A45E190}" type="datetimeFigureOut">
               <a:rPr lang="nb-NO" smtClean="0"/>
-              <a:t>09/11/15</a:t>
+              <a:t>10/11/15</a:t>
             </a:fld>
             <a:endParaRPr lang="nb-NO"/>
           </a:p>
@@ -642,7 +642,7 @@
           <a:p>
             <a:fld id="{4751A7D4-8245-46D1-BEB1-C49E0A45E190}" type="datetimeFigureOut">
               <a:rPr lang="nb-NO" smtClean="0"/>
-              <a:t>09/11/15</a:t>
+              <a:t>10/11/15</a:t>
             </a:fld>
             <a:endParaRPr lang="nb-NO"/>
           </a:p>
@@ -812,7 +812,7 @@
           <a:p>
             <a:fld id="{4751A7D4-8245-46D1-BEB1-C49E0A45E190}" type="datetimeFigureOut">
               <a:rPr lang="nb-NO" smtClean="0"/>
-              <a:t>09/11/15</a:t>
+              <a:t>10/11/15</a:t>
             </a:fld>
             <a:endParaRPr lang="nb-NO"/>
           </a:p>
@@ -1058,7 +1058,7 @@
           <a:p>
             <a:fld id="{4751A7D4-8245-46D1-BEB1-C49E0A45E190}" type="datetimeFigureOut">
               <a:rPr lang="nb-NO" smtClean="0"/>
-              <a:t>09/11/15</a:t>
+              <a:t>10/11/15</a:t>
             </a:fld>
             <a:endParaRPr lang="nb-NO"/>
           </a:p>
@@ -1346,7 +1346,7 @@
           <a:p>
             <a:fld id="{4751A7D4-8245-46D1-BEB1-C49E0A45E190}" type="datetimeFigureOut">
               <a:rPr lang="nb-NO" smtClean="0"/>
-              <a:t>09/11/15</a:t>
+              <a:t>10/11/15</a:t>
             </a:fld>
             <a:endParaRPr lang="nb-NO"/>
           </a:p>
@@ -1768,7 +1768,7 @@
           <a:p>
             <a:fld id="{4751A7D4-8245-46D1-BEB1-C49E0A45E190}" type="datetimeFigureOut">
               <a:rPr lang="nb-NO" smtClean="0"/>
-              <a:t>09/11/15</a:t>
+              <a:t>10/11/15</a:t>
             </a:fld>
             <a:endParaRPr lang="nb-NO"/>
           </a:p>
@@ -1886,7 +1886,7 @@
           <a:p>
             <a:fld id="{4751A7D4-8245-46D1-BEB1-C49E0A45E190}" type="datetimeFigureOut">
               <a:rPr lang="nb-NO" smtClean="0"/>
-              <a:t>09/11/15</a:t>
+              <a:t>10/11/15</a:t>
             </a:fld>
             <a:endParaRPr lang="nb-NO"/>
           </a:p>
@@ -1981,7 +1981,7 @@
           <a:p>
             <a:fld id="{4751A7D4-8245-46D1-BEB1-C49E0A45E190}" type="datetimeFigureOut">
               <a:rPr lang="nb-NO" smtClean="0"/>
-              <a:t>09/11/15</a:t>
+              <a:t>10/11/15</a:t>
             </a:fld>
             <a:endParaRPr lang="nb-NO"/>
           </a:p>
@@ -2258,7 +2258,7 @@
           <a:p>
             <a:fld id="{4751A7D4-8245-46D1-BEB1-C49E0A45E190}" type="datetimeFigureOut">
               <a:rPr lang="nb-NO" smtClean="0"/>
-              <a:t>09/11/15</a:t>
+              <a:t>10/11/15</a:t>
             </a:fld>
             <a:endParaRPr lang="nb-NO"/>
           </a:p>
@@ -2511,7 +2511,7 @@
           <a:p>
             <a:fld id="{4751A7D4-8245-46D1-BEB1-C49E0A45E190}" type="datetimeFigureOut">
               <a:rPr lang="nb-NO" smtClean="0"/>
-              <a:t>09/11/15</a:t>
+              <a:t>10/11/15</a:t>
             </a:fld>
             <a:endParaRPr lang="nb-NO"/>
           </a:p>
@@ -2724,7 +2724,7 @@
           <a:p>
             <a:fld id="{4751A7D4-8245-46D1-BEB1-C49E0A45E190}" type="datetimeFigureOut">
               <a:rPr lang="nb-NO" smtClean="0"/>
-              <a:t>09/11/15</a:t>
+              <a:t>10/11/15</a:t>
             </a:fld>
             <a:endParaRPr lang="nb-NO"/>
           </a:p>
@@ -4220,7 +4220,7 @@
             <a:pPr algn="ctr"/>
             <a:r>
               <a:rPr lang="da-DK" dirty="0" smtClean="0"/>
-              <a:t>Main</a:t>
+              <a:t>Node</a:t>
             </a:r>
             <a:endParaRPr lang="da-DK" dirty="0"/>
           </a:p>
@@ -4234,7 +4234,7 @@
         </p:nvSpPr>
         <p:spPr>
           <a:xfrm>
-            <a:off x="5868144" y="2708920"/>
+            <a:off x="5868144" y="2924944"/>
             <a:ext cx="1872208" cy="936104"/>
           </a:xfrm>
           <a:prstGeom prst="rect">
@@ -4276,7 +4276,7 @@
         </p:nvSpPr>
         <p:spPr>
           <a:xfrm>
-            <a:off x="3635896" y="5085184"/>
+            <a:off x="3635896" y="2924944"/>
             <a:ext cx="1872208" cy="936104"/>
           </a:xfrm>
           <a:prstGeom prst="rect">
@@ -4304,8 +4304,9 @@
             <a:pPr algn="ctr"/>
             <a:r>
               <a:rPr lang="da-DK" dirty="0" smtClean="0"/>
-              <a:t>Radio</a:t>
-            </a:r>
+              <a:t>iRadio</a:t>
+            </a:r>
+            <a:endParaRPr lang="da-DK" dirty="0" smtClean="0"/>
           </a:p>
         </p:txBody>
       </p:sp>
@@ -4317,7 +4318,7 @@
         </p:nvSpPr>
         <p:spPr>
           <a:xfrm>
-            <a:off x="1403648" y="2708920"/>
+            <a:off x="1403648" y="2924944"/>
             <a:ext cx="1872208" cy="936104"/>
           </a:xfrm>
           <a:prstGeom prst="rect">
@@ -4345,8 +4346,9 @@
             <a:pPr algn="ctr"/>
             <a:r>
               <a:rPr lang="da-DK" dirty="0" smtClean="0"/>
-              <a:t>Sensor</a:t>
-            </a:r>
+              <a:t>iSensor</a:t>
+            </a:r>
+            <a:endParaRPr lang="da-DK" dirty="0" smtClean="0"/>
           </a:p>
         </p:txBody>
       </p:sp>
@@ -4362,7 +4364,7 @@
         <p:spPr>
           <a:xfrm rot="10800000" flipV="1">
             <a:off x="2339752" y="2168860"/>
-            <a:ext cx="1296144" cy="540060"/>
+            <a:ext cx="1296144" cy="756084"/>
           </a:xfrm>
           <a:prstGeom prst="bentConnector2">
             <a:avLst/>
@@ -4395,83 +4397,9 @@
         <p:spPr>
           <a:xfrm>
             <a:off x="5508104" y="2168860"/>
-            <a:ext cx="1296144" cy="540060"/>
+            <a:ext cx="1296144" cy="756084"/>
           </a:xfrm>
           <a:prstGeom prst="bentConnector2">
-            <a:avLst/>
-          </a:prstGeom>
-        </p:spPr>
-        <p:style>
-          <a:lnRef idx="2">
-            <a:schemeClr val="accent1"/>
-          </a:lnRef>
-          <a:fillRef idx="0">
-            <a:schemeClr val="accent1"/>
-          </a:fillRef>
-          <a:effectRef idx="1">
-            <a:schemeClr val="accent1"/>
-          </a:effectRef>
-          <a:fontRef idx="minor">
-            <a:schemeClr val="tx1"/>
-          </a:fontRef>
-        </p:style>
-      </p:cxnSp>
-      <p:sp>
-        <p:nvSpPr>
-          <p:cNvPr id="25" name="Rektangel 24"/>
-          <p:cNvSpPr/>
-          <p:nvPr/>
-        </p:nvSpPr>
-        <p:spPr>
-          <a:xfrm>
-            <a:off x="3635896" y="3645024"/>
-            <a:ext cx="1872208" cy="936104"/>
-          </a:xfrm>
-          <a:prstGeom prst="rect">
-            <a:avLst/>
-          </a:prstGeom>
-        </p:spPr>
-        <p:style>
-          <a:lnRef idx="3">
-            <a:schemeClr val="lt1"/>
-          </a:lnRef>
-          <a:fillRef idx="1">
-            <a:schemeClr val="accent1"/>
-          </a:fillRef>
-          <a:effectRef idx="1">
-            <a:schemeClr val="accent1"/>
-          </a:effectRef>
-          <a:fontRef idx="minor">
-            <a:schemeClr val="lt1"/>
-          </a:fontRef>
-        </p:style>
-        <p:txBody>
-          <a:bodyPr rtlCol="0" anchor="ctr"/>
-          <a:lstStyle/>
-          <a:p>
-            <a:pPr algn="ctr"/>
-            <a:r>
-              <a:rPr lang="da-DK" dirty="0" smtClean="0"/>
-              <a:t>RadioHandler</a:t>
-            </a:r>
-          </a:p>
-        </p:txBody>
-      </p:sp>
-      <p:cxnSp>
-        <p:nvCxnSpPr>
-          <p:cNvPr id="29" name="Lige forbindelse 28"/>
-          <p:cNvCxnSpPr>
-            <a:stCxn id="4" idx="2"/>
-            <a:endCxn id="25" idx="0"/>
-          </p:cNvCxnSpPr>
-          <p:nvPr/>
-        </p:nvCxnSpPr>
-        <p:spPr>
-          <a:xfrm>
-            <a:off x="4572000" y="2636912"/>
-            <a:ext cx="0" cy="1008112"/>
-          </a:xfrm>
-          <a:prstGeom prst="line">
             <a:avLst/>
           </a:prstGeom>
         </p:spPr>
@@ -4494,15 +4422,15 @@
         <p:nvCxnSpPr>
           <p:cNvPr id="31" name="Lige forbindelse 30"/>
           <p:cNvCxnSpPr>
-            <a:stCxn id="25" idx="2"/>
+            <a:stCxn id="4" idx="2"/>
             <a:endCxn id="7" idx="0"/>
           </p:cNvCxnSpPr>
           <p:nvPr/>
         </p:nvCxnSpPr>
         <p:spPr>
           <a:xfrm>
-            <a:off x="4572000" y="4581128"/>
-            <a:ext cx="0" cy="504056"/>
+            <a:off x="4572000" y="2636912"/>
+            <a:ext cx="0" cy="288032"/>
           </a:xfrm>
           <a:prstGeom prst="line">
             <a:avLst/>
@@ -4555,7 +4483,7 @@
       </p:grpSpPr>
       <p:sp>
         <p:nvSpPr>
-          <p:cNvPr id="9" name="Rektangel 8"/>
+          <p:cNvPr id="12" name="Rektangel 11"/>
           <p:cNvSpPr/>
           <p:nvPr/>
         </p:nvSpPr>
@@ -4589,7 +4517,7 @@
             <a:pPr algn="ctr"/>
             <a:r>
               <a:rPr lang="da-DK" dirty="0" smtClean="0"/>
-              <a:t>Main</a:t>
+              <a:t>Node</a:t>
             </a:r>
             <a:endParaRPr lang="da-DK" dirty="0"/>
           </a:p>
@@ -4597,13 +4525,13 @@
       </p:sp>
       <p:sp>
         <p:nvSpPr>
-          <p:cNvPr id="10" name="Rektangel 9"/>
+          <p:cNvPr id="13" name="Rektangel 12"/>
           <p:cNvSpPr/>
           <p:nvPr/>
         </p:nvSpPr>
         <p:spPr>
           <a:xfrm>
-            <a:off x="5868144" y="2708920"/>
+            <a:off x="5868144" y="2924944"/>
             <a:ext cx="1872208" cy="936104"/>
           </a:xfrm>
           <a:prstGeom prst="rect">
@@ -4639,13 +4567,13 @@
       </p:sp>
       <p:sp>
         <p:nvSpPr>
-          <p:cNvPr id="11" name="Rektangel 10"/>
+          <p:cNvPr id="14" name="Rektangel 13"/>
           <p:cNvSpPr/>
           <p:nvPr/>
         </p:nvSpPr>
         <p:spPr>
           <a:xfrm>
-            <a:off x="3635896" y="5085184"/>
+            <a:off x="3635896" y="2924944"/>
             <a:ext cx="1872208" cy="936104"/>
           </a:xfrm>
           <a:prstGeom prst="rect">
@@ -4673,100 +4601,27 @@
             <a:pPr algn="ctr"/>
             <a:r>
               <a:rPr lang="da-DK" dirty="0" smtClean="0"/>
-              <a:t>Radio</a:t>
-            </a:r>
+              <a:t>iRadio</a:t>
+            </a:r>
+            <a:endParaRPr lang="da-DK" dirty="0" smtClean="0"/>
           </a:p>
         </p:txBody>
       </p:sp>
       <p:cxnSp>
         <p:nvCxnSpPr>
-          <p:cNvPr id="16" name="Vinklet forbindelse 15"/>
+          <p:cNvPr id="21" name="Vinklet forbindelse 20"/>
           <p:cNvCxnSpPr>
-            <a:stCxn id="9" idx="3"/>
-            <a:endCxn id="10" idx="0"/>
+            <a:stCxn id="12" idx="3"/>
+            <a:endCxn id="13" idx="0"/>
           </p:cNvCxnSpPr>
           <p:nvPr/>
         </p:nvCxnSpPr>
         <p:spPr>
           <a:xfrm>
             <a:off x="5508104" y="2168860"/>
-            <a:ext cx="1296144" cy="540060"/>
+            <a:ext cx="1296144" cy="756084"/>
           </a:xfrm>
           <a:prstGeom prst="bentConnector2">
-            <a:avLst/>
-          </a:prstGeom>
-        </p:spPr>
-        <p:style>
-          <a:lnRef idx="2">
-            <a:schemeClr val="accent1"/>
-          </a:lnRef>
-          <a:fillRef idx="0">
-            <a:schemeClr val="accent1"/>
-          </a:fillRef>
-          <a:effectRef idx="1">
-            <a:schemeClr val="accent1"/>
-          </a:effectRef>
-          <a:fontRef idx="minor">
-            <a:schemeClr val="tx1"/>
-          </a:fontRef>
-        </p:style>
-      </p:cxnSp>
-      <p:sp>
-        <p:nvSpPr>
-          <p:cNvPr id="17" name="Rektangel 16"/>
-          <p:cNvSpPr/>
-          <p:nvPr/>
-        </p:nvSpPr>
-        <p:spPr>
-          <a:xfrm>
-            <a:off x="3635896" y="3645024"/>
-            <a:ext cx="1872208" cy="936104"/>
-          </a:xfrm>
-          <a:prstGeom prst="rect">
-            <a:avLst/>
-          </a:prstGeom>
-        </p:spPr>
-        <p:style>
-          <a:lnRef idx="3">
-            <a:schemeClr val="lt1"/>
-          </a:lnRef>
-          <a:fillRef idx="1">
-            <a:schemeClr val="accent1"/>
-          </a:fillRef>
-          <a:effectRef idx="1">
-            <a:schemeClr val="accent1"/>
-          </a:effectRef>
-          <a:fontRef idx="minor">
-            <a:schemeClr val="lt1"/>
-          </a:fontRef>
-        </p:style>
-        <p:txBody>
-          <a:bodyPr rtlCol="0" anchor="ctr"/>
-          <a:lstStyle/>
-          <a:p>
-            <a:pPr algn="ctr"/>
-            <a:r>
-              <a:rPr lang="da-DK" dirty="0" smtClean="0"/>
-              <a:t>RadioHandler</a:t>
-            </a:r>
-          </a:p>
-        </p:txBody>
-      </p:sp>
-      <p:cxnSp>
-        <p:nvCxnSpPr>
-          <p:cNvPr id="19" name="Lige forbindelse 18"/>
-          <p:cNvCxnSpPr>
-            <a:stCxn id="9" idx="2"/>
-            <a:endCxn id="17" idx="0"/>
-          </p:cNvCxnSpPr>
-          <p:nvPr/>
-        </p:nvCxnSpPr>
-        <p:spPr>
-          <a:xfrm>
-            <a:off x="4572000" y="2636912"/>
-            <a:ext cx="0" cy="1008112"/>
-          </a:xfrm>
-          <a:prstGeom prst="line">
             <a:avLst/>
           </a:prstGeom>
         </p:spPr>
@@ -4787,17 +4642,17 @@
       </p:cxnSp>
       <p:cxnSp>
         <p:nvCxnSpPr>
-          <p:cNvPr id="20" name="Lige forbindelse 19"/>
+          <p:cNvPr id="22" name="Lige forbindelse 21"/>
           <p:cNvCxnSpPr>
-            <a:stCxn id="17" idx="2"/>
-            <a:endCxn id="11" idx="0"/>
+            <a:stCxn id="12" idx="2"/>
+            <a:endCxn id="14" idx="0"/>
           </p:cNvCxnSpPr>
           <p:nvPr/>
         </p:nvCxnSpPr>
         <p:spPr>
           <a:xfrm>
-            <a:off x="4572000" y="4581128"/>
-            <a:ext cx="0" cy="504056"/>
+            <a:off x="4572000" y="2636912"/>
+            <a:ext cx="0" cy="288032"/>
           </a:xfrm>
           <a:prstGeom prst="line">
             <a:avLst/>

--- a/Rapport/figures/Golf_course_1_representation.pptx
+++ b/Rapport/figures/Golf_course_1_representation.pptx
@@ -10,6 +10,7 @@
     <p:sldId id="260" r:id="rId4"/>
     <p:sldId id="257" r:id="rId5"/>
     <p:sldId id="258" r:id="rId6"/>
+    <p:sldId id="261" r:id="rId7"/>
   </p:sldIdLst>
   <p:sldSz cx="9144000" cy="6858000" type="screen4x3"/>
   <p:notesSz cx="6858000" cy="9144000"/>
@@ -292,7 +293,7 @@
           <a:p>
             <a:fld id="{4751A7D4-8245-46D1-BEB1-C49E0A45E190}" type="datetimeFigureOut">
               <a:rPr lang="nb-NO" smtClean="0"/>
-              <a:t>10/11/15</a:t>
+              <a:t>07.12.2015</a:t>
             </a:fld>
             <a:endParaRPr lang="nb-NO"/>
           </a:p>
@@ -334,7 +335,7 @@
           <a:p>
             <a:fld id="{BE492CC2-7F9C-40DD-BA2E-93D574C7CF5B}" type="slidenum">
               <a:rPr lang="nb-NO" smtClean="0"/>
-              <a:t>‹nr.›</a:t>
+              <a:t>‹#›</a:t>
             </a:fld>
             <a:endParaRPr lang="nb-NO"/>
           </a:p>
@@ -462,7 +463,7 @@
           <a:p>
             <a:fld id="{4751A7D4-8245-46D1-BEB1-C49E0A45E190}" type="datetimeFigureOut">
               <a:rPr lang="nb-NO" smtClean="0"/>
-              <a:t>10/11/15</a:t>
+              <a:t>07.12.2015</a:t>
             </a:fld>
             <a:endParaRPr lang="nb-NO"/>
           </a:p>
@@ -504,7 +505,7 @@
           <a:p>
             <a:fld id="{BE492CC2-7F9C-40DD-BA2E-93D574C7CF5B}" type="slidenum">
               <a:rPr lang="nb-NO" smtClean="0"/>
-              <a:t>‹nr.›</a:t>
+              <a:t>‹#›</a:t>
             </a:fld>
             <a:endParaRPr lang="nb-NO"/>
           </a:p>
@@ -642,7 +643,7 @@
           <a:p>
             <a:fld id="{4751A7D4-8245-46D1-BEB1-C49E0A45E190}" type="datetimeFigureOut">
               <a:rPr lang="nb-NO" smtClean="0"/>
-              <a:t>10/11/15</a:t>
+              <a:t>07.12.2015</a:t>
             </a:fld>
             <a:endParaRPr lang="nb-NO"/>
           </a:p>
@@ -684,7 +685,7 @@
           <a:p>
             <a:fld id="{BE492CC2-7F9C-40DD-BA2E-93D574C7CF5B}" type="slidenum">
               <a:rPr lang="nb-NO" smtClean="0"/>
-              <a:t>‹nr.›</a:t>
+              <a:t>‹#›</a:t>
             </a:fld>
             <a:endParaRPr lang="nb-NO"/>
           </a:p>
@@ -812,7 +813,7 @@
           <a:p>
             <a:fld id="{4751A7D4-8245-46D1-BEB1-C49E0A45E190}" type="datetimeFigureOut">
               <a:rPr lang="nb-NO" smtClean="0"/>
-              <a:t>10/11/15</a:t>
+              <a:t>07.12.2015</a:t>
             </a:fld>
             <a:endParaRPr lang="nb-NO"/>
           </a:p>
@@ -854,7 +855,7 @@
           <a:p>
             <a:fld id="{BE492CC2-7F9C-40DD-BA2E-93D574C7CF5B}" type="slidenum">
               <a:rPr lang="nb-NO" smtClean="0"/>
-              <a:t>‹nr.›</a:t>
+              <a:t>‹#›</a:t>
             </a:fld>
             <a:endParaRPr lang="nb-NO"/>
           </a:p>
@@ -1058,7 +1059,7 @@
           <a:p>
             <a:fld id="{4751A7D4-8245-46D1-BEB1-C49E0A45E190}" type="datetimeFigureOut">
               <a:rPr lang="nb-NO" smtClean="0"/>
-              <a:t>10/11/15</a:t>
+              <a:t>07.12.2015</a:t>
             </a:fld>
             <a:endParaRPr lang="nb-NO"/>
           </a:p>
@@ -1100,7 +1101,7 @@
           <a:p>
             <a:fld id="{BE492CC2-7F9C-40DD-BA2E-93D574C7CF5B}" type="slidenum">
               <a:rPr lang="nb-NO" smtClean="0"/>
-              <a:t>‹nr.›</a:t>
+              <a:t>‹#›</a:t>
             </a:fld>
             <a:endParaRPr lang="nb-NO"/>
           </a:p>
@@ -1346,7 +1347,7 @@
           <a:p>
             <a:fld id="{4751A7D4-8245-46D1-BEB1-C49E0A45E190}" type="datetimeFigureOut">
               <a:rPr lang="nb-NO" smtClean="0"/>
-              <a:t>10/11/15</a:t>
+              <a:t>07.12.2015</a:t>
             </a:fld>
             <a:endParaRPr lang="nb-NO"/>
           </a:p>
@@ -1388,7 +1389,7 @@
           <a:p>
             <a:fld id="{BE492CC2-7F9C-40DD-BA2E-93D574C7CF5B}" type="slidenum">
               <a:rPr lang="nb-NO" smtClean="0"/>
-              <a:t>‹nr.›</a:t>
+              <a:t>‹#›</a:t>
             </a:fld>
             <a:endParaRPr lang="nb-NO"/>
           </a:p>
@@ -1768,7 +1769,7 @@
           <a:p>
             <a:fld id="{4751A7D4-8245-46D1-BEB1-C49E0A45E190}" type="datetimeFigureOut">
               <a:rPr lang="nb-NO" smtClean="0"/>
-              <a:t>10/11/15</a:t>
+              <a:t>07.12.2015</a:t>
             </a:fld>
             <a:endParaRPr lang="nb-NO"/>
           </a:p>
@@ -1810,7 +1811,7 @@
           <a:p>
             <a:fld id="{BE492CC2-7F9C-40DD-BA2E-93D574C7CF5B}" type="slidenum">
               <a:rPr lang="nb-NO" smtClean="0"/>
-              <a:t>‹nr.›</a:t>
+              <a:t>‹#›</a:t>
             </a:fld>
             <a:endParaRPr lang="nb-NO"/>
           </a:p>
@@ -1886,7 +1887,7 @@
           <a:p>
             <a:fld id="{4751A7D4-8245-46D1-BEB1-C49E0A45E190}" type="datetimeFigureOut">
               <a:rPr lang="nb-NO" smtClean="0"/>
-              <a:t>10/11/15</a:t>
+              <a:t>07.12.2015</a:t>
             </a:fld>
             <a:endParaRPr lang="nb-NO"/>
           </a:p>
@@ -1928,7 +1929,7 @@
           <a:p>
             <a:fld id="{BE492CC2-7F9C-40DD-BA2E-93D574C7CF5B}" type="slidenum">
               <a:rPr lang="nb-NO" smtClean="0"/>
-              <a:t>‹nr.›</a:t>
+              <a:t>‹#›</a:t>
             </a:fld>
             <a:endParaRPr lang="nb-NO"/>
           </a:p>
@@ -1981,7 +1982,7 @@
           <a:p>
             <a:fld id="{4751A7D4-8245-46D1-BEB1-C49E0A45E190}" type="datetimeFigureOut">
               <a:rPr lang="nb-NO" smtClean="0"/>
-              <a:t>10/11/15</a:t>
+              <a:t>07.12.2015</a:t>
             </a:fld>
             <a:endParaRPr lang="nb-NO"/>
           </a:p>
@@ -2023,7 +2024,7 @@
           <a:p>
             <a:fld id="{BE492CC2-7F9C-40DD-BA2E-93D574C7CF5B}" type="slidenum">
               <a:rPr lang="nb-NO" smtClean="0"/>
-              <a:t>‹nr.›</a:t>
+              <a:t>‹#›</a:t>
             </a:fld>
             <a:endParaRPr lang="nb-NO"/>
           </a:p>
@@ -2258,7 +2259,7 @@
           <a:p>
             <a:fld id="{4751A7D4-8245-46D1-BEB1-C49E0A45E190}" type="datetimeFigureOut">
               <a:rPr lang="nb-NO" smtClean="0"/>
-              <a:t>10/11/15</a:t>
+              <a:t>07.12.2015</a:t>
             </a:fld>
             <a:endParaRPr lang="nb-NO"/>
           </a:p>
@@ -2300,7 +2301,7 @@
           <a:p>
             <a:fld id="{BE492CC2-7F9C-40DD-BA2E-93D574C7CF5B}" type="slidenum">
               <a:rPr lang="nb-NO" smtClean="0"/>
-              <a:t>‹nr.›</a:t>
+              <a:t>‹#›</a:t>
             </a:fld>
             <a:endParaRPr lang="nb-NO"/>
           </a:p>
@@ -2511,7 +2512,7 @@
           <a:p>
             <a:fld id="{4751A7D4-8245-46D1-BEB1-C49E0A45E190}" type="datetimeFigureOut">
               <a:rPr lang="nb-NO" smtClean="0"/>
-              <a:t>10/11/15</a:t>
+              <a:t>07.12.2015</a:t>
             </a:fld>
             <a:endParaRPr lang="nb-NO"/>
           </a:p>
@@ -2553,7 +2554,7 @@
           <a:p>
             <a:fld id="{BE492CC2-7F9C-40DD-BA2E-93D574C7CF5B}" type="slidenum">
               <a:rPr lang="nb-NO" smtClean="0"/>
-              <a:t>‹nr.›</a:t>
+              <a:t>‹#›</a:t>
             </a:fld>
             <a:endParaRPr lang="nb-NO"/>
           </a:p>
@@ -2724,7 +2725,7 @@
           <a:p>
             <a:fld id="{4751A7D4-8245-46D1-BEB1-C49E0A45E190}" type="datetimeFigureOut">
               <a:rPr lang="nb-NO" smtClean="0"/>
-              <a:t>10/11/15</a:t>
+              <a:t>07.12.2015</a:t>
             </a:fld>
             <a:endParaRPr lang="nb-NO"/>
           </a:p>
@@ -2802,7 +2803,7 @@
           <a:p>
             <a:fld id="{BE492CC2-7F9C-40DD-BA2E-93D574C7CF5B}" type="slidenum">
               <a:rPr lang="nb-NO" smtClean="0"/>
-              <a:t>‹nr.›</a:t>
+              <a:t>‹#›</a:t>
             </a:fld>
             <a:endParaRPr lang="nb-NO"/>
           </a:p>
@@ -4160,7 +4161,7 @@
   <p:timing>
     <p:tnLst>
       <p:par>
-        <p:cTn xmlns:p14="http://schemas.microsoft.com/office/powerpoint/2010/main" id="1" dur="indefinite" restart="never" nodeType="tmRoot"/>
+        <p:cTn id="1" dur="indefinite" restart="never" nodeType="tmRoot"/>
       </p:par>
     </p:tnLst>
   </p:timing>
@@ -4306,7 +4307,6 @@
               <a:rPr lang="da-DK" dirty="0" smtClean="0"/>
               <a:t>iRadio</a:t>
             </a:r>
-            <a:endParaRPr lang="da-DK" dirty="0" smtClean="0"/>
           </a:p>
         </p:txBody>
       </p:sp>
@@ -4348,7 +4348,6 @@
               <a:rPr lang="da-DK" dirty="0" smtClean="0"/>
               <a:t>iSensor</a:t>
             </a:r>
-            <a:endParaRPr lang="da-DK" dirty="0" smtClean="0"/>
           </a:p>
         </p:txBody>
       </p:sp>
@@ -4603,7 +4602,6 @@
               <a:rPr lang="da-DK" dirty="0" smtClean="0"/>
               <a:t>iRadio</a:t>
             </a:r>
-            <a:endParaRPr lang="da-DK" dirty="0" smtClean="0"/>
           </a:p>
         </p:txBody>
       </p:sp>
@@ -6107,6 +6105,972 @@
     <p:extLst>
       <p:ext uri="{BB962C8B-B14F-4D97-AF65-F5344CB8AC3E}">
         <p14:creationId xmlns:p14="http://schemas.microsoft.com/office/powerpoint/2010/main" val="700188050"/>
+      </p:ext>
+    </p:extLst>
+  </p:cSld>
+  <p:clrMapOvr>
+    <a:masterClrMapping/>
+  </p:clrMapOvr>
+</p:sld>
+</file>
+
+<file path=ppt/slides/slide6.xml><?xml version="1.0" encoding="utf-8"?>
+<p:sld xmlns:a="http://schemas.openxmlformats.org/drawingml/2006/main" xmlns:r="http://schemas.openxmlformats.org/officeDocument/2006/relationships" xmlns:p="http://schemas.openxmlformats.org/presentationml/2006/main">
+  <p:cSld>
+    <p:spTree>
+      <p:nvGrpSpPr>
+        <p:cNvPr id="1" name=""/>
+        <p:cNvGrpSpPr/>
+        <p:nvPr/>
+      </p:nvGrpSpPr>
+      <p:grpSpPr>
+        <a:xfrm>
+          <a:off x="0" y="0"/>
+          <a:ext cx="0" cy="0"/>
+          <a:chOff x="0" y="0"/>
+          <a:chExt cx="0" cy="0"/>
+        </a:xfrm>
+      </p:grpSpPr>
+      <p:pic>
+        <p:nvPicPr>
+          <p:cNvPr id="1026" name="Picture 2" descr="https://www.arduino.cc/new_home/assets/illu-arduino-UNO.png"/>
+          <p:cNvPicPr>
+            <a:picLocks noChangeAspect="1" noChangeArrowheads="1"/>
+          </p:cNvPicPr>
+          <p:nvPr/>
+        </p:nvPicPr>
+        <p:blipFill>
+          <a:blip r:embed="rId2">
+            <a:extLst>
+              <a:ext uri="{28A0092B-C50C-407E-A947-70E740481C1C}">
+                <a14:useLocalDpi xmlns:a14="http://schemas.microsoft.com/office/drawing/2010/main" val="0"/>
+              </a:ext>
+            </a:extLst>
+          </a:blip>
+          <a:srcRect/>
+          <a:stretch>
+            <a:fillRect/>
+          </a:stretch>
+        </p:blipFill>
+        <p:spPr bwMode="auto">
+          <a:xfrm>
+            <a:off x="1411846" y="2354436"/>
+            <a:ext cx="1371542" cy="977358"/>
+          </a:xfrm>
+          <a:prstGeom prst="rect">
+            <a:avLst/>
+          </a:prstGeom>
+          <a:noFill/>
+          <a:extLst>
+            <a:ext uri="{909E8E84-426E-40DD-AFC4-6F175D3DCCD1}">
+              <a14:hiddenFill xmlns:a14="http://schemas.microsoft.com/office/drawing/2010/main">
+                <a:solidFill>
+                  <a:srgbClr val="FFFFFF"/>
+                </a:solidFill>
+              </a14:hiddenFill>
+            </a:ext>
+          </a:extLst>
+        </p:spPr>
+      </p:pic>
+      <p:pic>
+        <p:nvPicPr>
+          <p:cNvPr id="6" name="Picture 2" descr="https://www.arduino.cc/new_home/assets/illu-arduino-UNO.png"/>
+          <p:cNvPicPr>
+            <a:picLocks noChangeAspect="1" noChangeArrowheads="1"/>
+          </p:cNvPicPr>
+          <p:nvPr/>
+        </p:nvPicPr>
+        <p:blipFill>
+          <a:blip r:embed="rId2">
+            <a:extLst>
+              <a:ext uri="{28A0092B-C50C-407E-A947-70E740481C1C}">
+                <a14:useLocalDpi xmlns:a14="http://schemas.microsoft.com/office/drawing/2010/main" val="0"/>
+              </a:ext>
+            </a:extLst>
+          </a:blip>
+          <a:srcRect/>
+          <a:stretch>
+            <a:fillRect/>
+          </a:stretch>
+        </p:blipFill>
+        <p:spPr bwMode="auto">
+          <a:xfrm>
+            <a:off x="6481018" y="2377521"/>
+            <a:ext cx="1291551" cy="920357"/>
+          </a:xfrm>
+          <a:prstGeom prst="rect">
+            <a:avLst/>
+          </a:prstGeom>
+          <a:noFill/>
+          <a:extLst>
+            <a:ext uri="{909E8E84-426E-40DD-AFC4-6F175D3DCCD1}">
+              <a14:hiddenFill xmlns:a14="http://schemas.microsoft.com/office/drawing/2010/main">
+                <a:solidFill>
+                  <a:srgbClr val="FFFFFF"/>
+                </a:solidFill>
+              </a14:hiddenFill>
+            </a:ext>
+          </a:extLst>
+        </p:spPr>
+      </p:pic>
+      <p:pic>
+        <p:nvPicPr>
+          <p:cNvPr id="7" name="Picture 2" descr="https://www.arduino.cc/new_home/assets/illu-arduino-UNO.png"/>
+          <p:cNvPicPr>
+            <a:picLocks noChangeAspect="1" noChangeArrowheads="1"/>
+          </p:cNvPicPr>
+          <p:nvPr/>
+        </p:nvPicPr>
+        <p:blipFill>
+          <a:blip r:embed="rId2">
+            <a:extLst>
+              <a:ext uri="{28A0092B-C50C-407E-A947-70E740481C1C}">
+                <a14:useLocalDpi xmlns:a14="http://schemas.microsoft.com/office/drawing/2010/main" val="0"/>
+              </a:ext>
+            </a:extLst>
+          </a:blip>
+          <a:srcRect/>
+          <a:stretch>
+            <a:fillRect/>
+          </a:stretch>
+        </p:blipFill>
+        <p:spPr bwMode="auto">
+          <a:xfrm>
+            <a:off x="3379449" y="4132625"/>
+            <a:ext cx="1304345" cy="929474"/>
+          </a:xfrm>
+          <a:prstGeom prst="rect">
+            <a:avLst/>
+          </a:prstGeom>
+          <a:noFill/>
+          <a:extLst>
+            <a:ext uri="{909E8E84-426E-40DD-AFC4-6F175D3DCCD1}">
+              <a14:hiddenFill xmlns:a14="http://schemas.microsoft.com/office/drawing/2010/main">
+                <a:solidFill>
+                  <a:srgbClr val="FFFFFF"/>
+                </a:solidFill>
+              </a14:hiddenFill>
+            </a:ext>
+          </a:extLst>
+        </p:spPr>
+      </p:pic>
+      <p:pic>
+        <p:nvPicPr>
+          <p:cNvPr id="1033" name="Picture 9" descr="https://upload.wikimedia.org/wikipedia/commons/thumb/2/26/Raspberry_Pi_B%2B_illustration.svg/2000px-Raspberry_Pi_B%2B_illustration.svg.png"/>
+          <p:cNvPicPr>
+            <a:picLocks noChangeAspect="1" noChangeArrowheads="1"/>
+          </p:cNvPicPr>
+          <p:nvPr/>
+        </p:nvPicPr>
+        <p:blipFill>
+          <a:blip r:embed="rId3" cstate="print">
+            <a:extLst>
+              <a:ext uri="{28A0092B-C50C-407E-A947-70E740481C1C}">
+                <a14:useLocalDpi xmlns:a14="http://schemas.microsoft.com/office/drawing/2010/main" val="0"/>
+              </a:ext>
+            </a:extLst>
+          </a:blip>
+          <a:srcRect/>
+          <a:stretch>
+            <a:fillRect/>
+          </a:stretch>
+        </p:blipFill>
+        <p:spPr bwMode="auto">
+          <a:xfrm>
+            <a:off x="3485459" y="309571"/>
+            <a:ext cx="2179518" cy="1452649"/>
+          </a:xfrm>
+          <a:prstGeom prst="rect">
+            <a:avLst/>
+          </a:prstGeom>
+          <a:noFill/>
+          <a:extLst>
+            <a:ext uri="{909E8E84-426E-40DD-AFC4-6F175D3DCCD1}">
+              <a14:hiddenFill xmlns:a14="http://schemas.microsoft.com/office/drawing/2010/main">
+                <a:solidFill>
+                  <a:srgbClr val="FFFFFF"/>
+                </a:solidFill>
+              </a14:hiddenFill>
+            </a:ext>
+          </a:extLst>
+        </p:spPr>
+      </p:pic>
+      <p:grpSp>
+        <p:nvGrpSpPr>
+          <p:cNvPr id="5" name="Gruppe 4"/>
+          <p:cNvGrpSpPr/>
+          <p:nvPr/>
+        </p:nvGrpSpPr>
+        <p:grpSpPr>
+          <a:xfrm>
+            <a:off x="2705742" y="1541488"/>
+            <a:ext cx="1024908" cy="720705"/>
+            <a:chOff x="1762253" y="2035430"/>
+            <a:chExt cx="1597262" cy="1036867"/>
+          </a:xfrm>
+        </p:grpSpPr>
+        <p:sp>
+          <p:nvSpPr>
+            <p:cNvPr id="4" name="Bue 3"/>
+            <p:cNvSpPr/>
+            <p:nvPr/>
+          </p:nvSpPr>
+          <p:spPr>
+            <a:xfrm rot="8068611">
+              <a:off x="2503710" y="1824392"/>
+              <a:ext cx="540736" cy="1080120"/>
+            </a:xfrm>
+            <a:prstGeom prst="arc">
+              <a:avLst>
+                <a:gd name="adj1" fmla="val 16978448"/>
+                <a:gd name="adj2" fmla="val 4732509"/>
+              </a:avLst>
+            </a:prstGeom>
+          </p:spPr>
+          <p:style>
+            <a:lnRef idx="3">
+              <a:schemeClr val="dk1"/>
+            </a:lnRef>
+            <a:fillRef idx="0">
+              <a:schemeClr val="dk1"/>
+            </a:fillRef>
+            <a:effectRef idx="2">
+              <a:schemeClr val="dk1"/>
+            </a:effectRef>
+            <a:fontRef idx="minor">
+              <a:schemeClr val="tx1"/>
+            </a:fontRef>
+          </p:style>
+          <p:txBody>
+            <a:bodyPr rtlCol="0" anchor="ctr"/>
+            <a:lstStyle/>
+            <a:p>
+              <a:pPr algn="ctr"/>
+              <a:endParaRPr lang="nb-NO"/>
+            </a:p>
+          </p:txBody>
+        </p:sp>
+        <p:sp>
+          <p:nvSpPr>
+            <p:cNvPr id="13" name="Bue 12"/>
+            <p:cNvSpPr/>
+            <p:nvPr/>
+          </p:nvSpPr>
+          <p:spPr>
+            <a:xfrm rot="8068611">
+              <a:off x="2254788" y="1794407"/>
+              <a:ext cx="828743" cy="1320577"/>
+            </a:xfrm>
+            <a:prstGeom prst="arc">
+              <a:avLst>
+                <a:gd name="adj1" fmla="val 17294710"/>
+                <a:gd name="adj2" fmla="val 4372888"/>
+              </a:avLst>
+            </a:prstGeom>
+          </p:spPr>
+          <p:style>
+            <a:lnRef idx="3">
+              <a:schemeClr val="dk1"/>
+            </a:lnRef>
+            <a:fillRef idx="0">
+              <a:schemeClr val="dk1"/>
+            </a:fillRef>
+            <a:effectRef idx="2">
+              <a:schemeClr val="dk1"/>
+            </a:effectRef>
+            <a:fontRef idx="minor">
+              <a:schemeClr val="tx1"/>
+            </a:fontRef>
+          </p:style>
+          <p:txBody>
+            <a:bodyPr rtlCol="0" anchor="ctr"/>
+            <a:lstStyle/>
+            <a:p>
+              <a:pPr algn="ctr"/>
+              <a:endParaRPr lang="nb-NO"/>
+            </a:p>
+          </p:txBody>
+        </p:sp>
+        <p:sp>
+          <p:nvSpPr>
+            <p:cNvPr id="14" name="Bue 13"/>
+            <p:cNvSpPr/>
+            <p:nvPr/>
+          </p:nvSpPr>
+          <p:spPr>
+            <a:xfrm rot="8068611">
+              <a:off x="2042450" y="1755233"/>
+              <a:ext cx="1036867" cy="1597262"/>
+            </a:xfrm>
+            <a:prstGeom prst="arc">
+              <a:avLst>
+                <a:gd name="adj1" fmla="val 17294710"/>
+                <a:gd name="adj2" fmla="val 4372888"/>
+              </a:avLst>
+            </a:prstGeom>
+          </p:spPr>
+          <p:style>
+            <a:lnRef idx="3">
+              <a:schemeClr val="dk1"/>
+            </a:lnRef>
+            <a:fillRef idx="0">
+              <a:schemeClr val="dk1"/>
+            </a:fillRef>
+            <a:effectRef idx="2">
+              <a:schemeClr val="dk1"/>
+            </a:effectRef>
+            <a:fontRef idx="minor">
+              <a:schemeClr val="tx1"/>
+            </a:fontRef>
+          </p:style>
+          <p:txBody>
+            <a:bodyPr rtlCol="0" anchor="ctr"/>
+            <a:lstStyle/>
+            <a:p>
+              <a:pPr algn="ctr"/>
+              <a:endParaRPr lang="nb-NO"/>
+            </a:p>
+          </p:txBody>
+        </p:sp>
+      </p:grpSp>
+      <p:grpSp>
+        <p:nvGrpSpPr>
+          <p:cNvPr id="16" name="Gruppe 15"/>
+          <p:cNvGrpSpPr/>
+          <p:nvPr/>
+        </p:nvGrpSpPr>
+        <p:grpSpPr>
+          <a:xfrm rot="16402230">
+            <a:off x="2422730" y="3373709"/>
+            <a:ext cx="1110224" cy="665322"/>
+            <a:chOff x="1762253" y="2035430"/>
+            <a:chExt cx="1597262" cy="1036867"/>
+          </a:xfrm>
+        </p:grpSpPr>
+        <p:sp>
+          <p:nvSpPr>
+            <p:cNvPr id="17" name="Bue 16"/>
+            <p:cNvSpPr/>
+            <p:nvPr/>
+          </p:nvSpPr>
+          <p:spPr>
+            <a:xfrm rot="8068611">
+              <a:off x="2503710" y="1824392"/>
+              <a:ext cx="540736" cy="1080120"/>
+            </a:xfrm>
+            <a:prstGeom prst="arc">
+              <a:avLst>
+                <a:gd name="adj1" fmla="val 16978448"/>
+                <a:gd name="adj2" fmla="val 4732509"/>
+              </a:avLst>
+            </a:prstGeom>
+          </p:spPr>
+          <p:style>
+            <a:lnRef idx="3">
+              <a:schemeClr val="dk1"/>
+            </a:lnRef>
+            <a:fillRef idx="0">
+              <a:schemeClr val="dk1"/>
+            </a:fillRef>
+            <a:effectRef idx="2">
+              <a:schemeClr val="dk1"/>
+            </a:effectRef>
+            <a:fontRef idx="minor">
+              <a:schemeClr val="tx1"/>
+            </a:fontRef>
+          </p:style>
+          <p:txBody>
+            <a:bodyPr rtlCol="0" anchor="ctr"/>
+            <a:lstStyle/>
+            <a:p>
+              <a:pPr algn="ctr"/>
+              <a:endParaRPr lang="nb-NO"/>
+            </a:p>
+          </p:txBody>
+        </p:sp>
+        <p:sp>
+          <p:nvSpPr>
+            <p:cNvPr id="18" name="Bue 17"/>
+            <p:cNvSpPr/>
+            <p:nvPr/>
+          </p:nvSpPr>
+          <p:spPr>
+            <a:xfrm rot="8068611">
+              <a:off x="2254788" y="1794407"/>
+              <a:ext cx="828743" cy="1320577"/>
+            </a:xfrm>
+            <a:prstGeom prst="arc">
+              <a:avLst>
+                <a:gd name="adj1" fmla="val 17294710"/>
+                <a:gd name="adj2" fmla="val 4372888"/>
+              </a:avLst>
+            </a:prstGeom>
+          </p:spPr>
+          <p:style>
+            <a:lnRef idx="3">
+              <a:schemeClr val="dk1"/>
+            </a:lnRef>
+            <a:fillRef idx="0">
+              <a:schemeClr val="dk1"/>
+            </a:fillRef>
+            <a:effectRef idx="2">
+              <a:schemeClr val="dk1"/>
+            </a:effectRef>
+            <a:fontRef idx="minor">
+              <a:schemeClr val="tx1"/>
+            </a:fontRef>
+          </p:style>
+          <p:txBody>
+            <a:bodyPr rtlCol="0" anchor="ctr"/>
+            <a:lstStyle/>
+            <a:p>
+              <a:pPr algn="ctr"/>
+              <a:endParaRPr lang="nb-NO"/>
+            </a:p>
+          </p:txBody>
+        </p:sp>
+        <p:sp>
+          <p:nvSpPr>
+            <p:cNvPr id="19" name="Bue 18"/>
+            <p:cNvSpPr/>
+            <p:nvPr/>
+          </p:nvSpPr>
+          <p:spPr>
+            <a:xfrm rot="8068611">
+              <a:off x="2042450" y="1755233"/>
+              <a:ext cx="1036867" cy="1597262"/>
+            </a:xfrm>
+            <a:prstGeom prst="arc">
+              <a:avLst>
+                <a:gd name="adj1" fmla="val 17294710"/>
+                <a:gd name="adj2" fmla="val 4372888"/>
+              </a:avLst>
+            </a:prstGeom>
+          </p:spPr>
+          <p:style>
+            <a:lnRef idx="3">
+              <a:schemeClr val="dk1"/>
+            </a:lnRef>
+            <a:fillRef idx="0">
+              <a:schemeClr val="dk1"/>
+            </a:fillRef>
+            <a:effectRef idx="2">
+              <a:schemeClr val="dk1"/>
+            </a:effectRef>
+            <a:fontRef idx="minor">
+              <a:schemeClr val="tx1"/>
+            </a:fontRef>
+          </p:style>
+          <p:txBody>
+            <a:bodyPr rtlCol="0" anchor="ctr"/>
+            <a:lstStyle/>
+            <a:p>
+              <a:pPr algn="ctr"/>
+              <a:endParaRPr lang="nb-NO"/>
+            </a:p>
+          </p:txBody>
+        </p:sp>
+      </p:grpSp>
+      <p:grpSp>
+        <p:nvGrpSpPr>
+          <p:cNvPr id="24" name="Gruppe 23"/>
+          <p:cNvGrpSpPr/>
+          <p:nvPr/>
+        </p:nvGrpSpPr>
+        <p:grpSpPr>
+          <a:xfrm rot="16521888">
+            <a:off x="5424844" y="1642987"/>
+            <a:ext cx="1110224" cy="665322"/>
+            <a:chOff x="1762253" y="2035430"/>
+            <a:chExt cx="1597262" cy="1036867"/>
+          </a:xfrm>
+        </p:grpSpPr>
+        <p:sp>
+          <p:nvSpPr>
+            <p:cNvPr id="25" name="Bue 24"/>
+            <p:cNvSpPr/>
+            <p:nvPr/>
+          </p:nvSpPr>
+          <p:spPr>
+            <a:xfrm rot="8068611">
+              <a:off x="2503710" y="1824392"/>
+              <a:ext cx="540736" cy="1080120"/>
+            </a:xfrm>
+            <a:prstGeom prst="arc">
+              <a:avLst>
+                <a:gd name="adj1" fmla="val 16978448"/>
+                <a:gd name="adj2" fmla="val 4732509"/>
+              </a:avLst>
+            </a:prstGeom>
+          </p:spPr>
+          <p:style>
+            <a:lnRef idx="3">
+              <a:schemeClr val="dk1"/>
+            </a:lnRef>
+            <a:fillRef idx="0">
+              <a:schemeClr val="dk1"/>
+            </a:fillRef>
+            <a:effectRef idx="2">
+              <a:schemeClr val="dk1"/>
+            </a:effectRef>
+            <a:fontRef idx="minor">
+              <a:schemeClr val="tx1"/>
+            </a:fontRef>
+          </p:style>
+          <p:txBody>
+            <a:bodyPr rtlCol="0" anchor="ctr"/>
+            <a:lstStyle/>
+            <a:p>
+              <a:pPr algn="ctr"/>
+              <a:endParaRPr lang="nb-NO"/>
+            </a:p>
+          </p:txBody>
+        </p:sp>
+        <p:sp>
+          <p:nvSpPr>
+            <p:cNvPr id="26" name="Bue 25"/>
+            <p:cNvSpPr/>
+            <p:nvPr/>
+          </p:nvSpPr>
+          <p:spPr>
+            <a:xfrm rot="8068611">
+              <a:off x="2254788" y="1794407"/>
+              <a:ext cx="828743" cy="1320577"/>
+            </a:xfrm>
+            <a:prstGeom prst="arc">
+              <a:avLst>
+                <a:gd name="adj1" fmla="val 17294710"/>
+                <a:gd name="adj2" fmla="val 4372888"/>
+              </a:avLst>
+            </a:prstGeom>
+          </p:spPr>
+          <p:style>
+            <a:lnRef idx="3">
+              <a:schemeClr val="dk1"/>
+            </a:lnRef>
+            <a:fillRef idx="0">
+              <a:schemeClr val="dk1"/>
+            </a:fillRef>
+            <a:effectRef idx="2">
+              <a:schemeClr val="dk1"/>
+            </a:effectRef>
+            <a:fontRef idx="minor">
+              <a:schemeClr val="tx1"/>
+            </a:fontRef>
+          </p:style>
+          <p:txBody>
+            <a:bodyPr rtlCol="0" anchor="ctr"/>
+            <a:lstStyle/>
+            <a:p>
+              <a:pPr algn="ctr"/>
+              <a:endParaRPr lang="nb-NO"/>
+            </a:p>
+          </p:txBody>
+        </p:sp>
+        <p:sp>
+          <p:nvSpPr>
+            <p:cNvPr id="27" name="Bue 26"/>
+            <p:cNvSpPr/>
+            <p:nvPr/>
+          </p:nvSpPr>
+          <p:spPr>
+            <a:xfrm rot="8068611">
+              <a:off x="2042450" y="1755233"/>
+              <a:ext cx="1036867" cy="1597262"/>
+            </a:xfrm>
+            <a:prstGeom prst="arc">
+              <a:avLst>
+                <a:gd name="adj1" fmla="val 17294710"/>
+                <a:gd name="adj2" fmla="val 4372888"/>
+              </a:avLst>
+            </a:prstGeom>
+          </p:spPr>
+          <p:style>
+            <a:lnRef idx="3">
+              <a:schemeClr val="dk1"/>
+            </a:lnRef>
+            <a:fillRef idx="0">
+              <a:schemeClr val="dk1"/>
+            </a:fillRef>
+            <a:effectRef idx="2">
+              <a:schemeClr val="dk1"/>
+            </a:effectRef>
+            <a:fontRef idx="minor">
+              <a:schemeClr val="tx1"/>
+            </a:fontRef>
+          </p:style>
+          <p:txBody>
+            <a:bodyPr rtlCol="0" anchor="ctr"/>
+            <a:lstStyle/>
+            <a:p>
+              <a:pPr algn="ctr"/>
+              <a:endParaRPr lang="nb-NO"/>
+            </a:p>
+          </p:txBody>
+        </p:sp>
+      </p:grpSp>
+      <p:pic>
+        <p:nvPicPr>
+          <p:cNvPr id="28" name="Picture 2" descr="https://www.arduino.cc/new_home/assets/illu-arduino-UNO.png"/>
+          <p:cNvPicPr>
+            <a:picLocks noChangeAspect="1" noChangeArrowheads="1"/>
+          </p:cNvPicPr>
+          <p:nvPr/>
+        </p:nvPicPr>
+        <p:blipFill>
+          <a:blip r:embed="rId2">
+            <a:extLst>
+              <a:ext uri="{28A0092B-C50C-407E-A947-70E740481C1C}">
+                <a14:useLocalDpi xmlns:a14="http://schemas.microsoft.com/office/drawing/2010/main" val="0"/>
+              </a:ext>
+            </a:extLst>
+          </a:blip>
+          <a:srcRect/>
+          <a:stretch>
+            <a:fillRect/>
+          </a:stretch>
+        </p:blipFill>
+        <p:spPr bwMode="auto">
+          <a:xfrm>
+            <a:off x="1529606" y="5734279"/>
+            <a:ext cx="1304345" cy="929474"/>
+          </a:xfrm>
+          <a:prstGeom prst="rect">
+            <a:avLst/>
+          </a:prstGeom>
+          <a:noFill/>
+          <a:extLst>
+            <a:ext uri="{909E8E84-426E-40DD-AFC4-6F175D3DCCD1}">
+              <a14:hiddenFill xmlns:a14="http://schemas.microsoft.com/office/drawing/2010/main">
+                <a:solidFill>
+                  <a:srgbClr val="FFFFFF"/>
+                </a:solidFill>
+              </a14:hiddenFill>
+            </a:ext>
+          </a:extLst>
+        </p:spPr>
+      </p:pic>
+      <p:grpSp>
+        <p:nvGrpSpPr>
+          <p:cNvPr id="29" name="Gruppe 28"/>
+          <p:cNvGrpSpPr/>
+          <p:nvPr/>
+        </p:nvGrpSpPr>
+        <p:grpSpPr>
+          <a:xfrm>
+            <a:off x="2769006" y="4940501"/>
+            <a:ext cx="1024908" cy="720705"/>
+            <a:chOff x="1762253" y="2035430"/>
+            <a:chExt cx="1597262" cy="1036867"/>
+          </a:xfrm>
+        </p:grpSpPr>
+        <p:sp>
+          <p:nvSpPr>
+            <p:cNvPr id="30" name="Bue 29"/>
+            <p:cNvSpPr/>
+            <p:nvPr/>
+          </p:nvSpPr>
+          <p:spPr>
+            <a:xfrm rot="8068611">
+              <a:off x="2503710" y="1824392"/>
+              <a:ext cx="540736" cy="1080120"/>
+            </a:xfrm>
+            <a:prstGeom prst="arc">
+              <a:avLst>
+                <a:gd name="adj1" fmla="val 16978448"/>
+                <a:gd name="adj2" fmla="val 4732509"/>
+              </a:avLst>
+            </a:prstGeom>
+          </p:spPr>
+          <p:style>
+            <a:lnRef idx="3">
+              <a:schemeClr val="dk1"/>
+            </a:lnRef>
+            <a:fillRef idx="0">
+              <a:schemeClr val="dk1"/>
+            </a:fillRef>
+            <a:effectRef idx="2">
+              <a:schemeClr val="dk1"/>
+            </a:effectRef>
+            <a:fontRef idx="minor">
+              <a:schemeClr val="tx1"/>
+            </a:fontRef>
+          </p:style>
+          <p:txBody>
+            <a:bodyPr rtlCol="0" anchor="ctr"/>
+            <a:lstStyle/>
+            <a:p>
+              <a:pPr algn="ctr"/>
+              <a:endParaRPr lang="nb-NO"/>
+            </a:p>
+          </p:txBody>
+        </p:sp>
+        <p:sp>
+          <p:nvSpPr>
+            <p:cNvPr id="31" name="Bue 30"/>
+            <p:cNvSpPr/>
+            <p:nvPr/>
+          </p:nvSpPr>
+          <p:spPr>
+            <a:xfrm rot="8068611">
+              <a:off x="2254788" y="1794407"/>
+              <a:ext cx="828743" cy="1320577"/>
+            </a:xfrm>
+            <a:prstGeom prst="arc">
+              <a:avLst>
+                <a:gd name="adj1" fmla="val 17294710"/>
+                <a:gd name="adj2" fmla="val 4372888"/>
+              </a:avLst>
+            </a:prstGeom>
+          </p:spPr>
+          <p:style>
+            <a:lnRef idx="3">
+              <a:schemeClr val="dk1"/>
+            </a:lnRef>
+            <a:fillRef idx="0">
+              <a:schemeClr val="dk1"/>
+            </a:fillRef>
+            <a:effectRef idx="2">
+              <a:schemeClr val="dk1"/>
+            </a:effectRef>
+            <a:fontRef idx="minor">
+              <a:schemeClr val="tx1"/>
+            </a:fontRef>
+          </p:style>
+          <p:txBody>
+            <a:bodyPr rtlCol="0" anchor="ctr"/>
+            <a:lstStyle/>
+            <a:p>
+              <a:pPr algn="ctr"/>
+              <a:endParaRPr lang="nb-NO"/>
+            </a:p>
+          </p:txBody>
+        </p:sp>
+        <p:sp>
+          <p:nvSpPr>
+            <p:cNvPr id="32" name="Bue 31"/>
+            <p:cNvSpPr/>
+            <p:nvPr/>
+          </p:nvSpPr>
+          <p:spPr>
+            <a:xfrm rot="8068611">
+              <a:off x="2042450" y="1755233"/>
+              <a:ext cx="1036867" cy="1597262"/>
+            </a:xfrm>
+            <a:prstGeom prst="arc">
+              <a:avLst>
+                <a:gd name="adj1" fmla="val 17294710"/>
+                <a:gd name="adj2" fmla="val 4372888"/>
+              </a:avLst>
+            </a:prstGeom>
+          </p:spPr>
+          <p:style>
+            <a:lnRef idx="3">
+              <a:schemeClr val="dk1"/>
+            </a:lnRef>
+            <a:fillRef idx="0">
+              <a:schemeClr val="dk1"/>
+            </a:fillRef>
+            <a:effectRef idx="2">
+              <a:schemeClr val="dk1"/>
+            </a:effectRef>
+            <a:fontRef idx="minor">
+              <a:schemeClr val="tx1"/>
+            </a:fontRef>
+          </p:style>
+          <p:txBody>
+            <a:bodyPr rtlCol="0" anchor="ctr"/>
+            <a:lstStyle/>
+            <a:p>
+              <a:pPr algn="ctr"/>
+              <a:endParaRPr lang="nb-NO"/>
+            </a:p>
+          </p:txBody>
+        </p:sp>
+      </p:grpSp>
+      <p:pic>
+        <p:nvPicPr>
+          <p:cNvPr id="33" name="Picture 2" descr="https://www.arduino.cc/new_home/assets/illu-arduino-UNO.png"/>
+          <p:cNvPicPr>
+            <a:picLocks noChangeAspect="1" noChangeArrowheads="1"/>
+          </p:cNvPicPr>
+          <p:nvPr/>
+        </p:nvPicPr>
+        <p:blipFill>
+          <a:blip r:embed="rId2">
+            <a:extLst>
+              <a:ext uri="{28A0092B-C50C-407E-A947-70E740481C1C}">
+                <a14:useLocalDpi xmlns:a14="http://schemas.microsoft.com/office/drawing/2010/main" val="0"/>
+              </a:ext>
+            </a:extLst>
+          </a:blip>
+          <a:srcRect/>
+          <a:stretch>
+            <a:fillRect/>
+          </a:stretch>
+        </p:blipFill>
+        <p:spPr bwMode="auto">
+          <a:xfrm>
+            <a:off x="5012804" y="5734279"/>
+            <a:ext cx="1304345" cy="929474"/>
+          </a:xfrm>
+          <a:prstGeom prst="rect">
+            <a:avLst/>
+          </a:prstGeom>
+          <a:noFill/>
+          <a:extLst>
+            <a:ext uri="{909E8E84-426E-40DD-AFC4-6F175D3DCCD1}">
+              <a14:hiddenFill xmlns:a14="http://schemas.microsoft.com/office/drawing/2010/main">
+                <a:solidFill>
+                  <a:srgbClr val="FFFFFF"/>
+                </a:solidFill>
+              </a14:hiddenFill>
+            </a:ext>
+          </a:extLst>
+        </p:spPr>
+      </p:pic>
+      <p:grpSp>
+        <p:nvGrpSpPr>
+          <p:cNvPr id="34" name="Gruppe 33"/>
+          <p:cNvGrpSpPr/>
+          <p:nvPr/>
+        </p:nvGrpSpPr>
+        <p:grpSpPr>
+          <a:xfrm rot="16521888">
+            <a:off x="4288851" y="4899263"/>
+            <a:ext cx="1110224" cy="665322"/>
+            <a:chOff x="1762253" y="2035430"/>
+            <a:chExt cx="1597262" cy="1036867"/>
+          </a:xfrm>
+        </p:grpSpPr>
+        <p:sp>
+          <p:nvSpPr>
+            <p:cNvPr id="35" name="Bue 34"/>
+            <p:cNvSpPr/>
+            <p:nvPr/>
+          </p:nvSpPr>
+          <p:spPr>
+            <a:xfrm rot="8068611">
+              <a:off x="2503710" y="1824392"/>
+              <a:ext cx="540736" cy="1080120"/>
+            </a:xfrm>
+            <a:prstGeom prst="arc">
+              <a:avLst>
+                <a:gd name="adj1" fmla="val 16978448"/>
+                <a:gd name="adj2" fmla="val 4732509"/>
+              </a:avLst>
+            </a:prstGeom>
+          </p:spPr>
+          <p:style>
+            <a:lnRef idx="3">
+              <a:schemeClr val="dk1"/>
+            </a:lnRef>
+            <a:fillRef idx="0">
+              <a:schemeClr val="dk1"/>
+            </a:fillRef>
+            <a:effectRef idx="2">
+              <a:schemeClr val="dk1"/>
+            </a:effectRef>
+            <a:fontRef idx="minor">
+              <a:schemeClr val="tx1"/>
+            </a:fontRef>
+          </p:style>
+          <p:txBody>
+            <a:bodyPr rtlCol="0" anchor="ctr"/>
+            <a:lstStyle/>
+            <a:p>
+              <a:pPr algn="ctr"/>
+              <a:endParaRPr lang="nb-NO"/>
+            </a:p>
+          </p:txBody>
+        </p:sp>
+        <p:sp>
+          <p:nvSpPr>
+            <p:cNvPr id="36" name="Bue 35"/>
+            <p:cNvSpPr/>
+            <p:nvPr/>
+          </p:nvSpPr>
+          <p:spPr>
+            <a:xfrm rot="8068611">
+              <a:off x="2254788" y="1794407"/>
+              <a:ext cx="828743" cy="1320577"/>
+            </a:xfrm>
+            <a:prstGeom prst="arc">
+              <a:avLst>
+                <a:gd name="adj1" fmla="val 17294710"/>
+                <a:gd name="adj2" fmla="val 4372888"/>
+              </a:avLst>
+            </a:prstGeom>
+          </p:spPr>
+          <p:style>
+            <a:lnRef idx="3">
+              <a:schemeClr val="dk1"/>
+            </a:lnRef>
+            <a:fillRef idx="0">
+              <a:schemeClr val="dk1"/>
+            </a:fillRef>
+            <a:effectRef idx="2">
+              <a:schemeClr val="dk1"/>
+            </a:effectRef>
+            <a:fontRef idx="minor">
+              <a:schemeClr val="tx1"/>
+            </a:fontRef>
+          </p:style>
+          <p:txBody>
+            <a:bodyPr rtlCol="0" anchor="ctr"/>
+            <a:lstStyle/>
+            <a:p>
+              <a:pPr algn="ctr"/>
+              <a:endParaRPr lang="nb-NO"/>
+            </a:p>
+          </p:txBody>
+        </p:sp>
+        <p:sp>
+          <p:nvSpPr>
+            <p:cNvPr id="37" name="Bue 36"/>
+            <p:cNvSpPr/>
+            <p:nvPr/>
+          </p:nvSpPr>
+          <p:spPr>
+            <a:xfrm rot="8068611">
+              <a:off x="2042450" y="1755233"/>
+              <a:ext cx="1036867" cy="1597262"/>
+            </a:xfrm>
+            <a:prstGeom prst="arc">
+              <a:avLst>
+                <a:gd name="adj1" fmla="val 17294710"/>
+                <a:gd name="adj2" fmla="val 4372888"/>
+              </a:avLst>
+            </a:prstGeom>
+          </p:spPr>
+          <p:style>
+            <a:lnRef idx="3">
+              <a:schemeClr val="dk1"/>
+            </a:lnRef>
+            <a:fillRef idx="0">
+              <a:schemeClr val="dk1"/>
+            </a:fillRef>
+            <a:effectRef idx="2">
+              <a:schemeClr val="dk1"/>
+            </a:effectRef>
+            <a:fontRef idx="minor">
+              <a:schemeClr val="tx1"/>
+            </a:fontRef>
+          </p:style>
+          <p:txBody>
+            <a:bodyPr rtlCol="0" anchor="ctr"/>
+            <a:lstStyle/>
+            <a:p>
+              <a:pPr algn="ctr"/>
+              <a:endParaRPr lang="nb-NO"/>
+            </a:p>
+          </p:txBody>
+        </p:sp>
+      </p:grpSp>
+    </p:spTree>
+    <p:extLst>
+      <p:ext uri="{BB962C8B-B14F-4D97-AF65-F5344CB8AC3E}">
+        <p14:creationId xmlns:p14="http://schemas.microsoft.com/office/powerpoint/2010/main" val="3563539466"/>
       </p:ext>
     </p:extLst>
   </p:cSld>

--- a/Rapport/figures/Golf_course_1_representation.pptx
+++ b/Rapport/figures/Golf_course_1_representation.pptx
@@ -293,7 +293,7 @@
           <a:p>
             <a:fld id="{4751A7D4-8245-46D1-BEB1-C49E0A45E190}" type="datetimeFigureOut">
               <a:rPr lang="nb-NO" smtClean="0"/>
-              <a:t>07.12.2015</a:t>
+              <a:t>16/12/15</a:t>
             </a:fld>
             <a:endParaRPr lang="nb-NO"/>
           </a:p>
@@ -335,7 +335,7 @@
           <a:p>
             <a:fld id="{BE492CC2-7F9C-40DD-BA2E-93D574C7CF5B}" type="slidenum">
               <a:rPr lang="nb-NO" smtClean="0"/>
-              <a:t>‹#›</a:t>
+              <a:t>‹nr.›</a:t>
             </a:fld>
             <a:endParaRPr lang="nb-NO"/>
           </a:p>
@@ -463,7 +463,7 @@
           <a:p>
             <a:fld id="{4751A7D4-8245-46D1-BEB1-C49E0A45E190}" type="datetimeFigureOut">
               <a:rPr lang="nb-NO" smtClean="0"/>
-              <a:t>07.12.2015</a:t>
+              <a:t>16/12/15</a:t>
             </a:fld>
             <a:endParaRPr lang="nb-NO"/>
           </a:p>
@@ -505,7 +505,7 @@
           <a:p>
             <a:fld id="{BE492CC2-7F9C-40DD-BA2E-93D574C7CF5B}" type="slidenum">
               <a:rPr lang="nb-NO" smtClean="0"/>
-              <a:t>‹#›</a:t>
+              <a:t>‹nr.›</a:t>
             </a:fld>
             <a:endParaRPr lang="nb-NO"/>
           </a:p>
@@ -643,7 +643,7 @@
           <a:p>
             <a:fld id="{4751A7D4-8245-46D1-BEB1-C49E0A45E190}" type="datetimeFigureOut">
               <a:rPr lang="nb-NO" smtClean="0"/>
-              <a:t>07.12.2015</a:t>
+              <a:t>16/12/15</a:t>
             </a:fld>
             <a:endParaRPr lang="nb-NO"/>
           </a:p>
@@ -685,7 +685,7 @@
           <a:p>
             <a:fld id="{BE492CC2-7F9C-40DD-BA2E-93D574C7CF5B}" type="slidenum">
               <a:rPr lang="nb-NO" smtClean="0"/>
-              <a:t>‹#›</a:t>
+              <a:t>‹nr.›</a:t>
             </a:fld>
             <a:endParaRPr lang="nb-NO"/>
           </a:p>
@@ -813,7 +813,7 @@
           <a:p>
             <a:fld id="{4751A7D4-8245-46D1-BEB1-C49E0A45E190}" type="datetimeFigureOut">
               <a:rPr lang="nb-NO" smtClean="0"/>
-              <a:t>07.12.2015</a:t>
+              <a:t>16/12/15</a:t>
             </a:fld>
             <a:endParaRPr lang="nb-NO"/>
           </a:p>
@@ -855,7 +855,7 @@
           <a:p>
             <a:fld id="{BE492CC2-7F9C-40DD-BA2E-93D574C7CF5B}" type="slidenum">
               <a:rPr lang="nb-NO" smtClean="0"/>
-              <a:t>‹#›</a:t>
+              <a:t>‹nr.›</a:t>
             </a:fld>
             <a:endParaRPr lang="nb-NO"/>
           </a:p>
@@ -1059,7 +1059,7 @@
           <a:p>
             <a:fld id="{4751A7D4-8245-46D1-BEB1-C49E0A45E190}" type="datetimeFigureOut">
               <a:rPr lang="nb-NO" smtClean="0"/>
-              <a:t>07.12.2015</a:t>
+              <a:t>16/12/15</a:t>
             </a:fld>
             <a:endParaRPr lang="nb-NO"/>
           </a:p>
@@ -1101,7 +1101,7 @@
           <a:p>
             <a:fld id="{BE492CC2-7F9C-40DD-BA2E-93D574C7CF5B}" type="slidenum">
               <a:rPr lang="nb-NO" smtClean="0"/>
-              <a:t>‹#›</a:t>
+              <a:t>‹nr.›</a:t>
             </a:fld>
             <a:endParaRPr lang="nb-NO"/>
           </a:p>
@@ -1347,7 +1347,7 @@
           <a:p>
             <a:fld id="{4751A7D4-8245-46D1-BEB1-C49E0A45E190}" type="datetimeFigureOut">
               <a:rPr lang="nb-NO" smtClean="0"/>
-              <a:t>07.12.2015</a:t>
+              <a:t>16/12/15</a:t>
             </a:fld>
             <a:endParaRPr lang="nb-NO"/>
           </a:p>
@@ -1389,7 +1389,7 @@
           <a:p>
             <a:fld id="{BE492CC2-7F9C-40DD-BA2E-93D574C7CF5B}" type="slidenum">
               <a:rPr lang="nb-NO" smtClean="0"/>
-              <a:t>‹#›</a:t>
+              <a:t>‹nr.›</a:t>
             </a:fld>
             <a:endParaRPr lang="nb-NO"/>
           </a:p>
@@ -1769,7 +1769,7 @@
           <a:p>
             <a:fld id="{4751A7D4-8245-46D1-BEB1-C49E0A45E190}" type="datetimeFigureOut">
               <a:rPr lang="nb-NO" smtClean="0"/>
-              <a:t>07.12.2015</a:t>
+              <a:t>16/12/15</a:t>
             </a:fld>
             <a:endParaRPr lang="nb-NO"/>
           </a:p>
@@ -1811,7 +1811,7 @@
           <a:p>
             <a:fld id="{BE492CC2-7F9C-40DD-BA2E-93D574C7CF5B}" type="slidenum">
               <a:rPr lang="nb-NO" smtClean="0"/>
-              <a:t>‹#›</a:t>
+              <a:t>‹nr.›</a:t>
             </a:fld>
             <a:endParaRPr lang="nb-NO"/>
           </a:p>
@@ -1887,7 +1887,7 @@
           <a:p>
             <a:fld id="{4751A7D4-8245-46D1-BEB1-C49E0A45E190}" type="datetimeFigureOut">
               <a:rPr lang="nb-NO" smtClean="0"/>
-              <a:t>07.12.2015</a:t>
+              <a:t>16/12/15</a:t>
             </a:fld>
             <a:endParaRPr lang="nb-NO"/>
           </a:p>
@@ -1929,7 +1929,7 @@
           <a:p>
             <a:fld id="{BE492CC2-7F9C-40DD-BA2E-93D574C7CF5B}" type="slidenum">
               <a:rPr lang="nb-NO" smtClean="0"/>
-              <a:t>‹#›</a:t>
+              <a:t>‹nr.›</a:t>
             </a:fld>
             <a:endParaRPr lang="nb-NO"/>
           </a:p>
@@ -1982,7 +1982,7 @@
           <a:p>
             <a:fld id="{4751A7D4-8245-46D1-BEB1-C49E0A45E190}" type="datetimeFigureOut">
               <a:rPr lang="nb-NO" smtClean="0"/>
-              <a:t>07.12.2015</a:t>
+              <a:t>16/12/15</a:t>
             </a:fld>
             <a:endParaRPr lang="nb-NO"/>
           </a:p>
@@ -2024,7 +2024,7 @@
           <a:p>
             <a:fld id="{BE492CC2-7F9C-40DD-BA2E-93D574C7CF5B}" type="slidenum">
               <a:rPr lang="nb-NO" smtClean="0"/>
-              <a:t>‹#›</a:t>
+              <a:t>‹nr.›</a:t>
             </a:fld>
             <a:endParaRPr lang="nb-NO"/>
           </a:p>
@@ -2259,7 +2259,7 @@
           <a:p>
             <a:fld id="{4751A7D4-8245-46D1-BEB1-C49E0A45E190}" type="datetimeFigureOut">
               <a:rPr lang="nb-NO" smtClean="0"/>
-              <a:t>07.12.2015</a:t>
+              <a:t>16/12/15</a:t>
             </a:fld>
             <a:endParaRPr lang="nb-NO"/>
           </a:p>
@@ -2301,7 +2301,7 @@
           <a:p>
             <a:fld id="{BE492CC2-7F9C-40DD-BA2E-93D574C7CF5B}" type="slidenum">
               <a:rPr lang="nb-NO" smtClean="0"/>
-              <a:t>‹#›</a:t>
+              <a:t>‹nr.›</a:t>
             </a:fld>
             <a:endParaRPr lang="nb-NO"/>
           </a:p>
@@ -2512,7 +2512,7 @@
           <a:p>
             <a:fld id="{4751A7D4-8245-46D1-BEB1-C49E0A45E190}" type="datetimeFigureOut">
               <a:rPr lang="nb-NO" smtClean="0"/>
-              <a:t>07.12.2015</a:t>
+              <a:t>16/12/15</a:t>
             </a:fld>
             <a:endParaRPr lang="nb-NO"/>
           </a:p>
@@ -2554,7 +2554,7 @@
           <a:p>
             <a:fld id="{BE492CC2-7F9C-40DD-BA2E-93D574C7CF5B}" type="slidenum">
               <a:rPr lang="nb-NO" smtClean="0"/>
-              <a:t>‹#›</a:t>
+              <a:t>‹nr.›</a:t>
             </a:fld>
             <a:endParaRPr lang="nb-NO"/>
           </a:p>
@@ -2725,7 +2725,7 @@
           <a:p>
             <a:fld id="{4751A7D4-8245-46D1-BEB1-C49E0A45E190}" type="datetimeFigureOut">
               <a:rPr lang="nb-NO" smtClean="0"/>
-              <a:t>07.12.2015</a:t>
+              <a:t>16/12/15</a:t>
             </a:fld>
             <a:endParaRPr lang="nb-NO"/>
           </a:p>
@@ -2803,7 +2803,7 @@
           <a:p>
             <a:fld id="{BE492CC2-7F9C-40DD-BA2E-93D574C7CF5B}" type="slidenum">
               <a:rPr lang="nb-NO" smtClean="0"/>
-              <a:t>‹#›</a:t>
+              <a:t>‹nr.›</a:t>
             </a:fld>
             <a:endParaRPr lang="nb-NO"/>
           </a:p>
@@ -3146,7 +3146,7 @@
         </p:nvSpPr>
         <p:spPr>
           <a:xfrm>
-            <a:off x="7361528" y="2132856"/>
+            <a:off x="7308304" y="1988840"/>
             <a:ext cx="144016" cy="360040"/>
           </a:xfrm>
           <a:prstGeom prst="flowChartSort">
@@ -3184,7 +3184,7 @@
         </p:nvSpPr>
         <p:spPr>
           <a:xfrm>
-            <a:off x="3635896" y="2348880"/>
+            <a:off x="3707904" y="2420888"/>
             <a:ext cx="144016" cy="360040"/>
           </a:xfrm>
           <a:prstGeom prst="flowChartSort">
@@ -3222,7 +3222,7 @@
         </p:nvSpPr>
         <p:spPr>
           <a:xfrm>
-            <a:off x="5414679" y="1936172"/>
+            <a:off x="5436096" y="1988840"/>
             <a:ext cx="144016" cy="360040"/>
           </a:xfrm>
           <a:prstGeom prst="flowChartSort">
@@ -3260,7 +3260,7 @@
         </p:nvSpPr>
         <p:spPr>
           <a:xfrm>
-            <a:off x="1763688" y="764704"/>
+            <a:off x="1691680" y="764704"/>
             <a:ext cx="144016" cy="360040"/>
           </a:xfrm>
           <a:prstGeom prst="flowChartSort">
@@ -3374,7 +3374,7 @@
         </p:nvSpPr>
         <p:spPr>
           <a:xfrm rot="10298829">
-            <a:off x="6636866" y="1921827"/>
+            <a:off x="6636866" y="1865805"/>
             <a:ext cx="337153" cy="661407"/>
           </a:xfrm>
           <a:prstGeom prst="arc">
@@ -3604,7 +3604,7 @@
         </p:nvSpPr>
         <p:spPr>
           <a:xfrm rot="9918352">
-            <a:off x="4218325" y="1998902"/>
+            <a:off x="4300490" y="2087576"/>
             <a:ext cx="337153" cy="661407"/>
           </a:xfrm>
           <a:prstGeom prst="arc">
@@ -3650,7 +3650,7 @@
         </p:nvSpPr>
         <p:spPr>
           <a:xfrm rot="10298829">
-            <a:off x="3106084" y="2470964"/>
+            <a:off x="3180482" y="2470964"/>
             <a:ext cx="337153" cy="661407"/>
           </a:xfrm>
           <a:prstGeom prst="arc">
@@ -3736,13 +3736,13 @@
       </p:sp>
       <p:sp>
         <p:nvSpPr>
-          <p:cNvPr id="27" name="Bue 26"/>
+          <p:cNvPr id="31" name="Bue 30"/>
           <p:cNvSpPr/>
           <p:nvPr/>
         </p:nvSpPr>
         <p:spPr>
-          <a:xfrm rot="3621643">
-            <a:off x="1800375" y="861744"/>
+          <a:xfrm rot="7369049">
+            <a:off x="1512993" y="3596086"/>
             <a:ext cx="337153" cy="661407"/>
           </a:xfrm>
           <a:prstGeom prst="arc">
@@ -3782,13 +3782,13 @@
       </p:sp>
       <p:sp>
         <p:nvSpPr>
-          <p:cNvPr id="28" name="Bue 27"/>
+          <p:cNvPr id="32" name="Bue 31"/>
           <p:cNvSpPr/>
           <p:nvPr/>
         </p:nvSpPr>
         <p:spPr>
-          <a:xfrm rot="3621643">
-            <a:off x="2232423" y="1092593"/>
+          <a:xfrm rot="16569927">
+            <a:off x="7198592" y="2653344"/>
             <a:ext cx="337153" cy="661407"/>
           </a:xfrm>
           <a:prstGeom prst="arc">
@@ -3828,13 +3828,13 @@
       </p:sp>
       <p:sp>
         <p:nvSpPr>
-          <p:cNvPr id="29" name="Bue 28"/>
+          <p:cNvPr id="33" name="Bue 32"/>
           <p:cNvSpPr/>
           <p:nvPr/>
         </p:nvSpPr>
         <p:spPr>
-          <a:xfrm rot="3135242">
-            <a:off x="2670577" y="1351207"/>
+          <a:xfrm rot="16200000" flipH="1">
+            <a:off x="1709791" y="1322657"/>
             <a:ext cx="337153" cy="661407"/>
           </a:xfrm>
           <a:prstGeom prst="arc">
@@ -3874,13 +3874,13 @@
       </p:sp>
       <p:sp>
         <p:nvSpPr>
-          <p:cNvPr id="30" name="Bue 29"/>
+          <p:cNvPr id="34" name="Bue 33"/>
           <p:cNvSpPr/>
           <p:nvPr/>
         </p:nvSpPr>
         <p:spPr>
-          <a:xfrm rot="3018022">
-            <a:off x="3105194" y="1616438"/>
+          <a:xfrm rot="16200000" flipH="1">
+            <a:off x="1768464" y="1705584"/>
             <a:ext cx="337153" cy="661407"/>
           </a:xfrm>
           <a:prstGeom prst="arc">
@@ -3920,13 +3920,13 @@
       </p:sp>
       <p:sp>
         <p:nvSpPr>
-          <p:cNvPr id="31" name="Bue 30"/>
+          <p:cNvPr id="35" name="Bue 34"/>
           <p:cNvSpPr/>
           <p:nvPr/>
         </p:nvSpPr>
         <p:spPr>
-          <a:xfrm rot="7369049">
-            <a:off x="1512993" y="3596086"/>
+          <a:xfrm rot="16200000" flipH="1">
+            <a:off x="1840472" y="2114746"/>
             <a:ext cx="337153" cy="661407"/>
           </a:xfrm>
           <a:prstGeom prst="arc">
@@ -3966,13 +3966,13 @@
       </p:sp>
       <p:sp>
         <p:nvSpPr>
-          <p:cNvPr id="32" name="Bue 31"/>
+          <p:cNvPr id="36" name="Bue 35"/>
           <p:cNvSpPr/>
           <p:nvPr/>
         </p:nvSpPr>
         <p:spPr>
-          <a:xfrm rot="16569927">
-            <a:off x="7198592" y="2691538"/>
+          <a:xfrm rot="16200000" flipH="1">
+            <a:off x="1637783" y="962617"/>
             <a:ext cx="337153" cy="661407"/>
           </a:xfrm>
           <a:prstGeom prst="arc">
@@ -4010,144 +4010,6 @@
           </a:p>
         </p:txBody>
       </p:sp>
-      <p:sp>
-        <p:nvSpPr>
-          <p:cNvPr id="33" name="Bue 32"/>
-          <p:cNvSpPr/>
-          <p:nvPr/>
-        </p:nvSpPr>
-        <p:spPr>
-          <a:xfrm rot="16200000" flipH="1">
-            <a:off x="1781799" y="1250649"/>
-            <a:ext cx="337153" cy="661407"/>
-          </a:xfrm>
-          <a:prstGeom prst="arc">
-            <a:avLst>
-              <a:gd name="adj1" fmla="val 16724199"/>
-              <a:gd name="adj2" fmla="val 5034208"/>
-            </a:avLst>
-          </a:prstGeom>
-          <a:ln>
-            <a:solidFill>
-              <a:srgbClr val="FFFF00"/>
-            </a:solidFill>
-          </a:ln>
-        </p:spPr>
-        <p:style>
-          <a:lnRef idx="2">
-            <a:schemeClr val="accent6"/>
-          </a:lnRef>
-          <a:fillRef idx="0">
-            <a:schemeClr val="accent6"/>
-          </a:fillRef>
-          <a:effectRef idx="1">
-            <a:schemeClr val="accent6"/>
-          </a:effectRef>
-          <a:fontRef idx="minor">
-            <a:schemeClr val="tx1"/>
-          </a:fontRef>
-        </p:style>
-        <p:txBody>
-          <a:bodyPr rtlCol="0" anchor="ctr"/>
-          <a:lstStyle/>
-          <a:p>
-            <a:pPr algn="ctr"/>
-            <a:endParaRPr lang="nb-NO"/>
-          </a:p>
-        </p:txBody>
-      </p:sp>
-      <p:sp>
-        <p:nvSpPr>
-          <p:cNvPr id="34" name="Bue 33"/>
-          <p:cNvSpPr/>
-          <p:nvPr/>
-        </p:nvSpPr>
-        <p:spPr>
-          <a:xfrm rot="16200000" flipH="1">
-            <a:off x="1781799" y="1682697"/>
-            <a:ext cx="337153" cy="661407"/>
-          </a:xfrm>
-          <a:prstGeom prst="arc">
-            <a:avLst>
-              <a:gd name="adj1" fmla="val 16724199"/>
-              <a:gd name="adj2" fmla="val 5034208"/>
-            </a:avLst>
-          </a:prstGeom>
-          <a:ln>
-            <a:solidFill>
-              <a:srgbClr val="FFFF00"/>
-            </a:solidFill>
-          </a:ln>
-        </p:spPr>
-        <p:style>
-          <a:lnRef idx="2">
-            <a:schemeClr val="accent6"/>
-          </a:lnRef>
-          <a:fillRef idx="0">
-            <a:schemeClr val="accent6"/>
-          </a:fillRef>
-          <a:effectRef idx="1">
-            <a:schemeClr val="accent6"/>
-          </a:effectRef>
-          <a:fontRef idx="minor">
-            <a:schemeClr val="tx1"/>
-          </a:fontRef>
-        </p:style>
-        <p:txBody>
-          <a:bodyPr rtlCol="0" anchor="ctr"/>
-          <a:lstStyle/>
-          <a:p>
-            <a:pPr algn="ctr"/>
-            <a:endParaRPr lang="nb-NO"/>
-          </a:p>
-        </p:txBody>
-      </p:sp>
-      <p:sp>
-        <p:nvSpPr>
-          <p:cNvPr id="35" name="Bue 34"/>
-          <p:cNvSpPr/>
-          <p:nvPr/>
-        </p:nvSpPr>
-        <p:spPr>
-          <a:xfrm rot="16200000" flipH="1">
-            <a:off x="1840472" y="2114746"/>
-            <a:ext cx="337153" cy="661407"/>
-          </a:xfrm>
-          <a:prstGeom prst="arc">
-            <a:avLst>
-              <a:gd name="adj1" fmla="val 16724199"/>
-              <a:gd name="adj2" fmla="val 5034208"/>
-            </a:avLst>
-          </a:prstGeom>
-          <a:ln>
-            <a:solidFill>
-              <a:srgbClr val="FFFF00"/>
-            </a:solidFill>
-          </a:ln>
-        </p:spPr>
-        <p:style>
-          <a:lnRef idx="2">
-            <a:schemeClr val="accent6"/>
-          </a:lnRef>
-          <a:fillRef idx="0">
-            <a:schemeClr val="accent6"/>
-          </a:fillRef>
-          <a:effectRef idx="1">
-            <a:schemeClr val="accent6"/>
-          </a:effectRef>
-          <a:fontRef idx="minor">
-            <a:schemeClr val="tx1"/>
-          </a:fontRef>
-        </p:style>
-        <p:txBody>
-          <a:bodyPr rtlCol="0" anchor="ctr"/>
-          <a:lstStyle/>
-          <a:p>
-            <a:pPr algn="ctr"/>
-            <a:endParaRPr lang="nb-NO"/>
-          </a:p>
-        </p:txBody>
-      </p:sp>
     </p:spTree>
     <p:extLst>
       <p:ext uri="{BB962C8B-B14F-4D97-AF65-F5344CB8AC3E}">
@@ -4161,7 +4023,7 @@
   <p:timing>
     <p:tnLst>
       <p:par>
-        <p:cTn id="1" dur="indefinite" restart="never" nodeType="tmRoot"/>
+        <p:cTn xmlns:p14="http://schemas.microsoft.com/office/powerpoint/2010/main" id="1" dur="indefinite" restart="never" nodeType="tmRoot"/>
       </p:par>
     </p:tnLst>
   </p:timing>
@@ -6162,7 +6024,7 @@
           </a:prstGeom>
           <a:noFill/>
           <a:extLst>
-            <a:ext uri="{909E8E84-426E-40DD-AFC4-6F175D3DCCD1}">
+            <a:ext uri="{909E8E84-426E-40dd-AFC4-6F175D3DCCD1}">
               <a14:hiddenFill xmlns:a14="http://schemas.microsoft.com/office/drawing/2010/main">
                 <a:solidFill>
                   <a:srgbClr val="FFFFFF"/>
@@ -6203,7 +6065,7 @@
           </a:prstGeom>
           <a:noFill/>
           <a:extLst>
-            <a:ext uri="{909E8E84-426E-40DD-AFC4-6F175D3DCCD1}">
+            <a:ext uri="{909E8E84-426E-40dd-AFC4-6F175D3DCCD1}">
               <a14:hiddenFill xmlns:a14="http://schemas.microsoft.com/office/drawing/2010/main">
                 <a:solidFill>
                   <a:srgbClr val="FFFFFF"/>
@@ -6244,7 +6106,7 @@
           </a:prstGeom>
           <a:noFill/>
           <a:extLst>
-            <a:ext uri="{909E8E84-426E-40DD-AFC4-6F175D3DCCD1}">
+            <a:ext uri="{909E8E84-426E-40dd-AFC4-6F175D3DCCD1}">
               <a14:hiddenFill xmlns:a14="http://schemas.microsoft.com/office/drawing/2010/main">
                 <a:solidFill>
                   <a:srgbClr val="FFFFFF"/>
@@ -6285,7 +6147,7 @@
           </a:prstGeom>
           <a:noFill/>
           <a:extLst>
-            <a:ext uri="{909E8E84-426E-40DD-AFC4-6F175D3DCCD1}">
+            <a:ext uri="{909E8E84-426E-40dd-AFC4-6F175D3DCCD1}">
               <a14:hiddenFill xmlns:a14="http://schemas.microsoft.com/office/drawing/2010/main">
                 <a:solidFill>
                   <a:srgbClr val="FFFFFF"/>
@@ -6740,7 +6602,7 @@
           </a:prstGeom>
           <a:noFill/>
           <a:extLst>
-            <a:ext uri="{909E8E84-426E-40DD-AFC4-6F175D3DCCD1}">
+            <a:ext uri="{909E8E84-426E-40dd-AFC4-6F175D3DCCD1}">
               <a14:hiddenFill xmlns:a14="http://schemas.microsoft.com/office/drawing/2010/main">
                 <a:solidFill>
                   <a:srgbClr val="FFFFFF"/>
@@ -6919,7 +6781,7 @@
           </a:prstGeom>
           <a:noFill/>
           <a:extLst>
-            <a:ext uri="{909E8E84-426E-40DD-AFC4-6F175D3DCCD1}">
+            <a:ext uri="{909E8E84-426E-40dd-AFC4-6F175D3DCCD1}">
               <a14:hiddenFill xmlns:a14="http://schemas.microsoft.com/office/drawing/2010/main">
                 <a:solidFill>
                   <a:srgbClr val="FFFFFF"/>
